--- a/UML概述.pptx
+++ b/UML概述.pptx
@@ -5,7 +5,7 @@
     <p:sldMasterId id="2147483732" r:id="rId1"/>
   </p:sldMasterIdLst>
   <p:notesMasterIdLst>
-    <p:notesMasterId r:id="rId16"/>
+    <p:notesMasterId r:id="rId17"/>
   </p:notesMasterIdLst>
   <p:sldIdLst>
     <p:sldId id="256" r:id="rId2"/>
@@ -14,14 +14,15 @@
     <p:sldId id="284" r:id="rId5"/>
     <p:sldId id="285" r:id="rId6"/>
     <p:sldId id="286" r:id="rId7"/>
-    <p:sldId id="287" r:id="rId8"/>
-    <p:sldId id="292" r:id="rId9"/>
-    <p:sldId id="293" r:id="rId10"/>
+    <p:sldId id="293" r:id="rId8"/>
+    <p:sldId id="287" r:id="rId9"/>
+    <p:sldId id="292" r:id="rId10"/>
     <p:sldId id="289" r:id="rId11"/>
     <p:sldId id="290" r:id="rId12"/>
     <p:sldId id="291" r:id="rId13"/>
     <p:sldId id="288" r:id="rId14"/>
     <p:sldId id="278" r:id="rId15"/>
+    <p:sldId id="294" r:id="rId16"/>
   </p:sldIdLst>
   <p:sldSz cx="12192000" cy="6858000"/>
   <p:notesSz cx="6858000" cy="9144000"/>
@@ -122,7 +123,7 @@
   </p:defaultTextStyle>
   <p:extLst>
     <p:ext uri="{EFAFB233-063F-42B5-8137-9DF3F51BA10A}">
-      <p15:sldGuideLst xmlns:p15="http://schemas.microsoft.com/office/powerpoint/2012/main">
+      <p15:sldGuideLst xmlns:p15="http://schemas.microsoft.com/office/powerpoint/2012/main" xmlns="">
         <p15:guide id="1" orient="horz" pos="2160">
           <p15:clr>
             <a:srgbClr val="A4A3A4"/>
@@ -137,6 +138,41 @@
     </p:ext>
   </p:extLst>
 </p:presentation>
+</file>
+
+<file path=ppt/commentAuthors.xml><?xml version="1.0" encoding="utf-8"?>
+<p:cmAuthorLst xmlns:a="http://schemas.openxmlformats.org/drawingml/2006/main" xmlns:r="http://schemas.openxmlformats.org/officeDocument/2006/relationships" xmlns:p="http://schemas.openxmlformats.org/presentationml/2006/main">
+  <p:cmAuthor id="1" name="Joker灬" initials="J" lastIdx="2" clrIdx="0">
+    <p:extLst>
+      <p:ext uri="{19B8F6BF-5375-455C-9EA6-DF929625EA0E}">
+        <p15:presenceInfo xmlns:p15="http://schemas.microsoft.com/office/powerpoint/2012/main" xmlns="" userId="Joker灬" providerId="None"/>
+      </p:ext>
+    </p:extLst>
+  </p:cmAuthor>
+</p:cmAuthorLst>
+</file>
+
+<file path=ppt/comments/comment1.xml><?xml version="1.0" encoding="utf-8"?>
+<p:cmLst xmlns:a="http://schemas.openxmlformats.org/drawingml/2006/main" xmlns:r="http://schemas.openxmlformats.org/officeDocument/2006/relationships" xmlns:p="http://schemas.openxmlformats.org/presentationml/2006/main">
+  <p:cm authorId="1" dt="2017-11-03T20:04:43.152" idx="1">
+    <p:pos x="10" y="10"/>
+    <p:text/>
+    <p:extLst>
+      <p:ext uri="{C676402C-5697-4E1C-873F-D02D1690AC5C}">
+        <p15:threadingInfo xmlns:p15="http://schemas.microsoft.com/office/powerpoint/2012/main" xmlns="" timeZoneBias="-480"/>
+      </p:ext>
+    </p:extLst>
+  </p:cm>
+  <p:cm authorId="1" dt="2017-11-03T20:04:43.964" idx="2">
+    <p:pos x="146" y="146"/>
+    <p:text/>
+    <p:extLst>
+      <p:ext uri="{C676402C-5697-4E1C-873F-D02D1690AC5C}">
+        <p15:threadingInfo xmlns:p15="http://schemas.microsoft.com/office/powerpoint/2012/main" xmlns="" timeZoneBias="-480"/>
+      </p:ext>
+    </p:extLst>
+  </p:cm>
+</p:cmLst>
 </file>
 
 <file path=ppt/notesMasters/notesMaster1.xml><?xml version="1.0" encoding="utf-8"?>
@@ -221,7 +257,7 @@
           <a:p>
             <a:fld id="{1CD6ABA2-8D75-404D-8B8D-A9793134FE28}" type="datetimeFigureOut">
               <a:rPr lang="zh-CN" altLang="en-US" smtClean="0"/>
-              <a:t>2017/10/29</a:t>
+              <a:t>2017/11/5</a:t>
             </a:fld>
             <a:endParaRPr lang="zh-CN" altLang="en-US"/>
           </a:p>
@@ -761,7 +797,7 @@
           <a:p>
             <a:fld id="{FFE057A6-19C2-42C3-8F3D-73A1A9F2F7EE}" type="datetimeFigureOut">
               <a:rPr lang="zh-CN" altLang="en-US" smtClean="0"/>
-              <a:t>2017/10/29</a:t>
+              <a:t>2017/11/5</a:t>
             </a:fld>
             <a:endParaRPr lang="zh-CN" altLang="en-US"/>
           </a:p>
@@ -1099,7 +1135,7 @@
           <a:p>
             <a:fld id="{FFE057A6-19C2-42C3-8F3D-73A1A9F2F7EE}" type="datetimeFigureOut">
               <a:rPr lang="zh-CN" altLang="en-US" smtClean="0"/>
-              <a:t>2017/10/29</a:t>
+              <a:t>2017/11/5</a:t>
             </a:fld>
             <a:endParaRPr lang="zh-CN" altLang="en-US"/>
           </a:p>
@@ -1500,7 +1536,7 @@
           <a:p>
             <a:fld id="{FFE057A6-19C2-42C3-8F3D-73A1A9F2F7EE}" type="datetimeFigureOut">
               <a:rPr lang="zh-CN" altLang="en-US" smtClean="0"/>
-              <a:t>2017/10/29</a:t>
+              <a:t>2017/11/5</a:t>
             </a:fld>
             <a:endParaRPr lang="zh-CN" altLang="en-US"/>
           </a:p>
@@ -1836,7 +1872,7 @@
           <a:p>
             <a:fld id="{FFE057A6-19C2-42C3-8F3D-73A1A9F2F7EE}" type="datetimeFigureOut">
               <a:rPr lang="zh-CN" altLang="en-US" smtClean="0"/>
-              <a:t>2017/10/29</a:t>
+              <a:t>2017/11/5</a:t>
             </a:fld>
             <a:endParaRPr lang="zh-CN" altLang="en-US"/>
           </a:p>
@@ -2156,7 +2192,7 @@
           <a:p>
             <a:fld id="{FFE057A6-19C2-42C3-8F3D-73A1A9F2F7EE}" type="datetimeFigureOut">
               <a:rPr lang="zh-CN" altLang="en-US" smtClean="0"/>
-              <a:t>2017/10/29</a:t>
+              <a:t>2017/11/5</a:t>
             </a:fld>
             <a:endParaRPr lang="zh-CN" altLang="en-US"/>
           </a:p>
@@ -2552,7 +2588,7 @@
           <a:p>
             <a:fld id="{FFE057A6-19C2-42C3-8F3D-73A1A9F2F7EE}" type="datetimeFigureOut">
               <a:rPr lang="zh-CN" altLang="en-US" smtClean="0"/>
-              <a:t>2017/10/29</a:t>
+              <a:t>2017/11/5</a:t>
             </a:fld>
             <a:endParaRPr lang="zh-CN" altLang="en-US"/>
           </a:p>
@@ -2809,7 +2845,7 @@
           <a:p>
             <a:fld id="{FFE057A6-19C2-42C3-8F3D-73A1A9F2F7EE}" type="datetimeFigureOut">
               <a:rPr lang="zh-CN" altLang="en-US" smtClean="0"/>
-              <a:t>2017/10/29</a:t>
+              <a:t>2017/11/5</a:t>
             </a:fld>
             <a:endParaRPr lang="zh-CN" altLang="en-US"/>
           </a:p>
@@ -3071,7 +3107,7 @@
           <a:p>
             <a:fld id="{FFE057A6-19C2-42C3-8F3D-73A1A9F2F7EE}" type="datetimeFigureOut">
               <a:rPr lang="zh-CN" altLang="en-US" smtClean="0"/>
-              <a:t>2017/10/29</a:t>
+              <a:t>2017/11/5</a:t>
             </a:fld>
             <a:endParaRPr lang="zh-CN" altLang="en-US"/>
           </a:p>
@@ -3333,7 +3369,7 @@
           <a:p>
             <a:fld id="{FFE057A6-19C2-42C3-8F3D-73A1A9F2F7EE}" type="datetimeFigureOut">
               <a:rPr lang="zh-CN" altLang="en-US" smtClean="0"/>
-              <a:t>2017/10/29</a:t>
+              <a:t>2017/11/5</a:t>
             </a:fld>
             <a:endParaRPr lang="zh-CN" altLang="en-US"/>
           </a:p>
@@ -3662,7 +3698,7 @@
           <a:p>
             <a:fld id="{FFE057A6-19C2-42C3-8F3D-73A1A9F2F7EE}" type="datetimeFigureOut">
               <a:rPr lang="zh-CN" altLang="en-US" smtClean="0"/>
-              <a:t>2017/10/29</a:t>
+              <a:t>2017/11/5</a:t>
             </a:fld>
             <a:endParaRPr lang="zh-CN" altLang="en-US"/>
           </a:p>
@@ -3985,7 +4021,7 @@
           <a:p>
             <a:fld id="{FFE057A6-19C2-42C3-8F3D-73A1A9F2F7EE}" type="datetimeFigureOut">
               <a:rPr lang="zh-CN" altLang="en-US" smtClean="0"/>
-              <a:t>2017/10/29</a:t>
+              <a:t>2017/11/5</a:t>
             </a:fld>
             <a:endParaRPr lang="zh-CN" altLang="en-US"/>
           </a:p>
@@ -4442,7 +4478,7 @@
           <a:p>
             <a:fld id="{FFE057A6-19C2-42C3-8F3D-73A1A9F2F7EE}" type="datetimeFigureOut">
               <a:rPr lang="zh-CN" altLang="en-US" smtClean="0"/>
-              <a:t>2017/10/29</a:t>
+              <a:t>2017/11/5</a:t>
             </a:fld>
             <a:endParaRPr lang="zh-CN" altLang="en-US"/>
           </a:p>
@@ -4647,7 +4683,7 @@
           <a:p>
             <a:fld id="{FFE057A6-19C2-42C3-8F3D-73A1A9F2F7EE}" type="datetimeFigureOut">
               <a:rPr lang="zh-CN" altLang="en-US" smtClean="0"/>
-              <a:t>2017/10/29</a:t>
+              <a:t>2017/11/5</a:t>
             </a:fld>
             <a:endParaRPr lang="zh-CN" altLang="en-US"/>
           </a:p>
@@ -4824,7 +4860,7 @@
           <a:p>
             <a:fld id="{FFE057A6-19C2-42C3-8F3D-73A1A9F2F7EE}" type="datetimeFigureOut">
               <a:rPr lang="zh-CN" altLang="en-US" smtClean="0"/>
-              <a:t>2017/10/29</a:t>
+              <a:t>2017/11/5</a:t>
             </a:fld>
             <a:endParaRPr lang="zh-CN" altLang="en-US"/>
           </a:p>
@@ -5157,7 +5193,7 @@
           <a:p>
             <a:fld id="{FFE057A6-19C2-42C3-8F3D-73A1A9F2F7EE}" type="datetimeFigureOut">
               <a:rPr lang="zh-CN" altLang="en-US" smtClean="0"/>
-              <a:t>2017/10/29</a:t>
+              <a:t>2017/11/5</a:t>
             </a:fld>
             <a:endParaRPr lang="zh-CN" altLang="en-US"/>
           </a:p>
@@ -5502,7 +5538,7 @@
           <a:p>
             <a:fld id="{FFE057A6-19C2-42C3-8F3D-73A1A9F2F7EE}" type="datetimeFigureOut">
               <a:rPr lang="zh-CN" altLang="en-US" smtClean="0"/>
-              <a:t>2017/10/29</a:t>
+              <a:t>2017/11/5</a:t>
             </a:fld>
             <a:endParaRPr lang="zh-CN" altLang="en-US"/>
           </a:p>
@@ -7619,7 +7655,7 @@
           <a:p>
             <a:fld id="{FFE057A6-19C2-42C3-8F3D-73A1A9F2F7EE}" type="datetimeFigureOut">
               <a:rPr lang="zh-CN" altLang="en-US" smtClean="0"/>
-              <a:t>2017/10/29</a:t>
+              <a:t>2017/11/5</a:t>
             </a:fld>
             <a:endParaRPr lang="zh-CN" altLang="en-US"/>
           </a:p>
@@ -8173,10 +8209,6 @@
               </a:rPr>
               <a:t>G20</a:t>
             </a:r>
-            <a:endParaRPr lang="en-US" altLang="zh-CN" dirty="0" smtClean="0">
-              <a:latin typeface="微软雅黑" panose="020B0503020204020204" pitchFamily="34" charset="-122"/>
-              <a:ea typeface="微软雅黑" panose="020B0503020204020204" pitchFamily="34" charset="-122"/>
-            </a:endParaRPr>
           </a:p>
           <a:p>
             <a:r>
@@ -8191,21 +8223,7 @@
                 <a:latin typeface="微软雅黑" panose="020B0503020204020204" pitchFamily="34" charset="-122"/>
                 <a:ea typeface="微软雅黑" panose="020B0503020204020204" pitchFamily="34" charset="-122"/>
               </a:rPr>
-              <a:t>陈启强</a:t>
-            </a:r>
-            <a:r>
-              <a:rPr lang="zh-CN" altLang="en-US" dirty="0" smtClean="0">
-                <a:latin typeface="微软雅黑" panose="020B0503020204020204" pitchFamily="34" charset="-122"/>
-                <a:ea typeface="微软雅黑" panose="020B0503020204020204" pitchFamily="34" charset="-122"/>
-              </a:rPr>
-              <a:t>   </a:t>
-            </a:r>
-            <a:r>
-              <a:rPr lang="zh-CN" altLang="en-US" dirty="0" smtClean="0">
-                <a:latin typeface="微软雅黑" panose="020B0503020204020204" pitchFamily="34" charset="-122"/>
-                <a:ea typeface="微软雅黑" panose="020B0503020204020204" pitchFamily="34" charset="-122"/>
-              </a:rPr>
-              <a:t>软件工程</a:t>
+              <a:t>陈启强   软件工程</a:t>
             </a:r>
             <a:r>
               <a:rPr lang="en-US" altLang="zh-CN" dirty="0" smtClean="0">
@@ -8214,10 +8232,6 @@
               </a:rPr>
               <a:t>1502</a:t>
             </a:r>
-            <a:endParaRPr lang="en-US" altLang="zh-CN" dirty="0" smtClean="0">
-              <a:latin typeface="微软雅黑" panose="020B0503020204020204" pitchFamily="34" charset="-122"/>
-              <a:ea typeface="微软雅黑" panose="020B0503020204020204" pitchFamily="34" charset="-122"/>
-            </a:endParaRPr>
           </a:p>
           <a:p>
             <a:r>
@@ -8239,14 +8253,7 @@
                 <a:latin typeface="微软雅黑" panose="020B0503020204020204" pitchFamily="34" charset="-122"/>
                 <a:ea typeface="微软雅黑" panose="020B0503020204020204" pitchFamily="34" charset="-122"/>
               </a:rPr>
-              <a:t>   </a:t>
-            </a:r>
-            <a:r>
-              <a:rPr lang="zh-CN" altLang="en-US" dirty="0" smtClean="0">
-                <a:latin typeface="微软雅黑" panose="020B0503020204020204" pitchFamily="34" charset="-122"/>
-                <a:ea typeface="微软雅黑" panose="020B0503020204020204" pitchFamily="34" charset="-122"/>
-              </a:rPr>
-              <a:t>软件工程</a:t>
+              <a:t>   软件工程</a:t>
             </a:r>
             <a:r>
               <a:rPr lang="en-US" altLang="zh-CN" dirty="0" smtClean="0">
@@ -8255,10 +8262,6 @@
               </a:rPr>
               <a:t>1504</a:t>
             </a:r>
-            <a:endParaRPr lang="en-US" altLang="zh-CN" dirty="0" smtClean="0">
-              <a:latin typeface="微软雅黑" panose="020B0503020204020204" pitchFamily="34" charset="-122"/>
-              <a:ea typeface="微软雅黑" panose="020B0503020204020204" pitchFamily="34" charset="-122"/>
-            </a:endParaRPr>
           </a:p>
           <a:p>
             <a:r>
@@ -8280,14 +8283,7 @@
                 <a:latin typeface="微软雅黑" panose="020B0503020204020204" pitchFamily="34" charset="-122"/>
                 <a:ea typeface="微软雅黑" panose="020B0503020204020204" pitchFamily="34" charset="-122"/>
               </a:rPr>
-              <a:t>   </a:t>
-            </a:r>
-            <a:r>
-              <a:rPr lang="zh-CN" altLang="en-US" dirty="0" smtClean="0">
-                <a:latin typeface="微软雅黑" panose="020B0503020204020204" pitchFamily="34" charset="-122"/>
-                <a:ea typeface="微软雅黑" panose="020B0503020204020204" pitchFamily="34" charset="-122"/>
-              </a:rPr>
-              <a:t>软件工程</a:t>
+              <a:t>   软件工程</a:t>
             </a:r>
             <a:r>
               <a:rPr lang="en-US" altLang="zh-CN" dirty="0" smtClean="0">
@@ -8296,10 +8292,6 @@
               </a:rPr>
               <a:t>1503</a:t>
             </a:r>
-            <a:endParaRPr lang="en-US" altLang="zh-CN" dirty="0" smtClean="0">
-              <a:latin typeface="微软雅黑" panose="020B0503020204020204" pitchFamily="34" charset="-122"/>
-              <a:ea typeface="微软雅黑" panose="020B0503020204020204" pitchFamily="34" charset="-122"/>
-            </a:endParaRPr>
           </a:p>
           <a:p>
             <a:r>
@@ -8323,10 +8315,6 @@
               </a:rPr>
               <a:t>1502</a:t>
             </a:r>
-            <a:endParaRPr lang="en-US" altLang="zh-CN" dirty="0" smtClean="0">
-              <a:latin typeface="微软雅黑" panose="020B0503020204020204" pitchFamily="34" charset="-122"/>
-              <a:ea typeface="微软雅黑" panose="020B0503020204020204" pitchFamily="34" charset="-122"/>
-            </a:endParaRPr>
           </a:p>
         </p:txBody>
       </p:sp>
@@ -8380,6 +8368,47 @@
           </a:p>
         </p:txBody>
       </p:sp>
+      <p:pic>
+        <p:nvPicPr>
+          <p:cNvPr id="1026" name="Picture 2" descr="C:\Users\admin\Desktop\G20文档\绘画图\logo透明.png"/>
+          <p:cNvPicPr>
+            <a:picLocks noChangeAspect="1" noChangeArrowheads="1"/>
+          </p:cNvPicPr>
+          <p:nvPr/>
+        </p:nvPicPr>
+        <p:blipFill>
+          <a:blip r:embed="rId3" cstate="print">
+            <a:extLst>
+              <a:ext uri="{28A0092B-C50C-407E-A947-70E740481C1C}">
+                <a14:useLocalDpi xmlns:a14="http://schemas.microsoft.com/office/drawing/2010/main" val="0"/>
+              </a:ext>
+            </a:extLst>
+          </a:blip>
+          <a:srcRect/>
+          <a:stretch>
+            <a:fillRect/>
+          </a:stretch>
+        </p:blipFill>
+        <p:spPr bwMode="auto">
+          <a:xfrm>
+            <a:off x="0" y="-679904"/>
+            <a:ext cx="2454275" cy="2454275"/>
+          </a:xfrm>
+          <a:prstGeom prst="rect">
+            <a:avLst/>
+          </a:prstGeom>
+          <a:noFill/>
+          <a:extLst>
+            <a:ext uri="{909E8E84-426E-40DD-AFC4-6F175D3DCCD1}">
+              <a14:hiddenFill xmlns:a14="http://schemas.microsoft.com/office/drawing/2010/main">
+                <a:solidFill>
+                  <a:srgbClr val="FFFFFF"/>
+                </a:solidFill>
+              </a14:hiddenFill>
+            </a:ext>
+          </a:extLst>
+        </p:spPr>
+      </p:pic>
     </p:spTree>
     <p:extLst>
       <p:ext uri="{BB962C8B-B14F-4D97-AF65-F5344CB8AC3E}">
@@ -8898,6 +8927,47 @@
           </a:p>
         </p:txBody>
       </p:sp>
+      <p:pic>
+        <p:nvPicPr>
+          <p:cNvPr id="20" name="Picture 2" descr="C:\Users\admin\Desktop\G20文档\绘画图\logo透明.png"/>
+          <p:cNvPicPr>
+            <a:picLocks noChangeAspect="1" noChangeArrowheads="1"/>
+          </p:cNvPicPr>
+          <p:nvPr/>
+        </p:nvPicPr>
+        <p:blipFill>
+          <a:blip r:embed="rId9" cstate="print">
+            <a:extLst>
+              <a:ext uri="{28A0092B-C50C-407E-A947-70E740481C1C}">
+                <a14:useLocalDpi xmlns:a14="http://schemas.microsoft.com/office/drawing/2010/main" val="0"/>
+              </a:ext>
+            </a:extLst>
+          </a:blip>
+          <a:srcRect/>
+          <a:stretch>
+            <a:fillRect/>
+          </a:stretch>
+        </p:blipFill>
+        <p:spPr bwMode="auto">
+          <a:xfrm>
+            <a:off x="0" y="-679904"/>
+            <a:ext cx="2454275" cy="2454275"/>
+          </a:xfrm>
+          <a:prstGeom prst="rect">
+            <a:avLst/>
+          </a:prstGeom>
+          <a:noFill/>
+          <a:extLst>
+            <a:ext uri="{909E8E84-426E-40DD-AFC4-6F175D3DCCD1}">
+              <a14:hiddenFill xmlns:a14="http://schemas.microsoft.com/office/drawing/2010/main">
+                <a:solidFill>
+                  <a:srgbClr val="FFFFFF"/>
+                </a:solidFill>
+              </a14:hiddenFill>
+            </a:ext>
+          </a:extLst>
+        </p:spPr>
+      </p:pic>
     </p:spTree>
     <p:extLst>
       <p:ext uri="{BB962C8B-B14F-4D97-AF65-F5344CB8AC3E}">
@@ -8969,6 +9039,47 @@
           <a:prstGeom prst="rect">
             <a:avLst/>
           </a:prstGeom>
+        </p:spPr>
+      </p:pic>
+      <p:pic>
+        <p:nvPicPr>
+          <p:cNvPr id="4" name="Picture 2" descr="C:\Users\admin\Desktop\G20文档\绘画图\logo透明.png"/>
+          <p:cNvPicPr>
+            <a:picLocks noChangeAspect="1" noChangeArrowheads="1"/>
+          </p:cNvPicPr>
+          <p:nvPr/>
+        </p:nvPicPr>
+        <p:blipFill>
+          <a:blip r:embed="rId3" cstate="print">
+            <a:extLst>
+              <a:ext uri="{28A0092B-C50C-407E-A947-70E740481C1C}">
+                <a14:useLocalDpi xmlns:a14="http://schemas.microsoft.com/office/drawing/2010/main" val="0"/>
+              </a:ext>
+            </a:extLst>
+          </a:blip>
+          <a:srcRect/>
+          <a:stretch>
+            <a:fillRect/>
+          </a:stretch>
+        </p:blipFill>
+        <p:spPr bwMode="auto">
+          <a:xfrm>
+            <a:off x="0" y="-679904"/>
+            <a:ext cx="2454275" cy="2454275"/>
+          </a:xfrm>
+          <a:prstGeom prst="rect">
+            <a:avLst/>
+          </a:prstGeom>
+          <a:noFill/>
+          <a:extLst>
+            <a:ext uri="{909E8E84-426E-40DD-AFC4-6F175D3DCCD1}">
+              <a14:hiddenFill xmlns:a14="http://schemas.microsoft.com/office/drawing/2010/main">
+                <a:solidFill>
+                  <a:srgbClr val="FFFFFF"/>
+                </a:solidFill>
+              </a14:hiddenFill>
+            </a:ext>
+          </a:extLst>
         </p:spPr>
       </p:pic>
     </p:spTree>
@@ -9226,6 +9337,47 @@
           </a:prstGeom>
         </p:spPr>
       </p:pic>
+      <p:pic>
+        <p:nvPicPr>
+          <p:cNvPr id="6" name="Picture 2" descr="C:\Users\admin\Desktop\G20文档\绘画图\logo透明.png"/>
+          <p:cNvPicPr>
+            <a:picLocks noChangeAspect="1" noChangeArrowheads="1"/>
+          </p:cNvPicPr>
+          <p:nvPr/>
+        </p:nvPicPr>
+        <p:blipFill>
+          <a:blip r:embed="rId4" cstate="print">
+            <a:extLst>
+              <a:ext uri="{28A0092B-C50C-407E-A947-70E740481C1C}">
+                <a14:useLocalDpi xmlns:a14="http://schemas.microsoft.com/office/drawing/2010/main" val="0"/>
+              </a:ext>
+            </a:extLst>
+          </a:blip>
+          <a:srcRect/>
+          <a:stretch>
+            <a:fillRect/>
+          </a:stretch>
+        </p:blipFill>
+        <p:spPr bwMode="auto">
+          <a:xfrm>
+            <a:off x="0" y="-679904"/>
+            <a:ext cx="2454275" cy="2454275"/>
+          </a:xfrm>
+          <a:prstGeom prst="rect">
+            <a:avLst/>
+          </a:prstGeom>
+          <a:noFill/>
+          <a:extLst>
+            <a:ext uri="{909E8E84-426E-40DD-AFC4-6F175D3DCCD1}">
+              <a14:hiddenFill xmlns:a14="http://schemas.microsoft.com/office/drawing/2010/main">
+                <a:solidFill>
+                  <a:srgbClr val="FFFFFF"/>
+                </a:solidFill>
+              </a14:hiddenFill>
+            </a:ext>
+          </a:extLst>
+        </p:spPr>
+      </p:pic>
     </p:spTree>
     <p:extLst>
       <p:ext uri="{BB962C8B-B14F-4D97-AF65-F5344CB8AC3E}">
@@ -9272,7 +9424,7 @@
         <p:spPr>
           <a:xfrm>
             <a:off x="1647413" y="788005"/>
-            <a:ext cx="10239534" cy="2308324"/>
+            <a:ext cx="10239534" cy="1754326"/>
           </a:xfrm>
           <a:prstGeom prst="rect">
             <a:avLst/>
@@ -9304,45 +9456,11 @@
           </a:p>
           <a:p>
             <a:r>
-              <a:rPr lang="zh-CN" altLang="en-US" dirty="0">
-                <a:latin typeface="微软雅黑" panose="020B0503020204020204" pitchFamily="34" charset="-122"/>
-                <a:ea typeface="微软雅黑" panose="020B0503020204020204" pitchFamily="34" charset="-122"/>
-              </a:rPr>
-              <a:t>百</a:t>
-            </a:r>
-            <a:r>
               <a:rPr lang="zh-CN" altLang="en-US" dirty="0" smtClean="0">
                 <a:latin typeface="微软雅黑" panose="020B0503020204020204" pitchFamily="34" charset="-122"/>
                 <a:ea typeface="微软雅黑" panose="020B0503020204020204" pitchFamily="34" charset="-122"/>
               </a:rPr>
-              <a:t>度百科 </a:t>
-            </a:r>
-            <a:r>
-              <a:rPr lang="en-US" altLang="zh-CN" dirty="0">
-                <a:latin typeface="微软雅黑" panose="020B0503020204020204" pitchFamily="34" charset="-122"/>
-                <a:ea typeface="微软雅黑" panose="020B0503020204020204" pitchFamily="34" charset="-122"/>
-              </a:rPr>
-              <a:t>http://baike.baidu.com/view/174909.htm</a:t>
-            </a:r>
-            <a:endParaRPr lang="en-US" altLang="zh-CN" dirty="0" smtClean="0">
-              <a:latin typeface="微软雅黑" panose="020B0503020204020204" pitchFamily="34" charset="-122"/>
-              <a:ea typeface="微软雅黑" panose="020B0503020204020204" pitchFamily="34" charset="-122"/>
-            </a:endParaRPr>
-          </a:p>
-          <a:p>
-            <a:r>
-              <a:rPr lang="zh-CN" altLang="en-US" dirty="0">
-                <a:latin typeface="微软雅黑" panose="020B0503020204020204" pitchFamily="34" charset="-122"/>
-                <a:ea typeface="微软雅黑" panose="020B0503020204020204" pitchFamily="34" charset="-122"/>
-              </a:rPr>
-              <a:t>网</a:t>
-            </a:r>
-            <a:r>
-              <a:rPr lang="zh-CN" altLang="en-US" dirty="0" smtClean="0">
-                <a:latin typeface="微软雅黑" panose="020B0503020204020204" pitchFamily="34" charset="-122"/>
-                <a:ea typeface="微软雅黑" panose="020B0503020204020204" pitchFamily="34" charset="-122"/>
-              </a:rPr>
-              <a:t>易云课堂 </a:t>
+              <a:t>网易云课堂 </a:t>
             </a:r>
             <a:r>
               <a:rPr lang="en-US" altLang="zh-CN" dirty="0">
@@ -9361,12 +9479,25 @@
           </a:p>
           <a:p>
             <a:r>
+              <a:rPr lang="en-US" altLang="zh-CN" smtClean="0">
+                <a:latin typeface="微软雅黑" panose="020B0503020204020204" pitchFamily="34" charset="-122"/>
+                <a:ea typeface="微软雅黑" panose="020B0503020204020204" pitchFamily="34" charset="-122"/>
+              </a:rPr>
+              <a:t>UML2</a:t>
+            </a:r>
+            <a:r>
               <a:rPr lang="zh-CN" altLang="en-US" dirty="0" smtClean="0">
                 <a:latin typeface="微软雅黑" panose="020B0503020204020204" pitchFamily="34" charset="-122"/>
                 <a:ea typeface="微软雅黑" panose="020B0503020204020204" pitchFamily="34" charset="-122"/>
               </a:rPr>
-              <a:t>百度文库 </a:t>
-            </a:r>
+              <a:t>基础、建模与设计教程</a:t>
+            </a:r>
+            <a:endParaRPr lang="en-US" altLang="zh-CN" dirty="0" smtClean="0">
+              <a:latin typeface="微软雅黑" panose="020B0503020204020204" pitchFamily="34" charset="-122"/>
+              <a:ea typeface="微软雅黑" panose="020B0503020204020204" pitchFamily="34" charset="-122"/>
+            </a:endParaRPr>
+          </a:p>
+          <a:p>
             <a:r>
               <a:rPr lang="en-US" altLang="zh-CN" dirty="0" smtClean="0">
                 <a:latin typeface="微软雅黑" panose="020B0503020204020204" pitchFamily="34" charset="-122"/>
@@ -9379,7 +9510,35 @@
                 <a:latin typeface="微软雅黑" panose="020B0503020204020204" pitchFamily="34" charset="-122"/>
                 <a:ea typeface="微软雅黑" panose="020B0503020204020204" pitchFamily="34" charset="-122"/>
               </a:rPr>
-              <a:t>概述</a:t>
+              <a:t>用户指南（第</a:t>
+            </a:r>
+            <a:r>
+              <a:rPr lang="en-US" altLang="zh-CN" dirty="0" smtClean="0">
+                <a:latin typeface="微软雅黑" panose="020B0503020204020204" pitchFamily="34" charset="-122"/>
+                <a:ea typeface="微软雅黑" panose="020B0503020204020204" pitchFamily="34" charset="-122"/>
+              </a:rPr>
+              <a:t>2</a:t>
+            </a:r>
+            <a:r>
+              <a:rPr lang="zh-CN" altLang="en-US" dirty="0" smtClean="0">
+                <a:latin typeface="微软雅黑" panose="020B0503020204020204" pitchFamily="34" charset="-122"/>
+                <a:ea typeface="微软雅黑" panose="020B0503020204020204" pitchFamily="34" charset="-122"/>
+              </a:rPr>
+              <a:t>版</a:t>
+            </a:r>
+            <a:r>
+              <a:rPr lang="en-US" altLang="zh-CN" dirty="0" smtClean="0">
+                <a:latin typeface="微软雅黑" panose="020B0503020204020204" pitchFamily="34" charset="-122"/>
+                <a:ea typeface="微软雅黑" panose="020B0503020204020204" pitchFamily="34" charset="-122"/>
+              </a:rPr>
+              <a:t>·</a:t>
+            </a:r>
+            <a:r>
+              <a:rPr lang="zh-CN" altLang="en-US" dirty="0" smtClean="0">
+                <a:latin typeface="微软雅黑" panose="020B0503020204020204" pitchFamily="34" charset="-122"/>
+                <a:ea typeface="微软雅黑" panose="020B0503020204020204" pitchFamily="34" charset="-122"/>
+              </a:rPr>
+              <a:t>修订版）</a:t>
             </a:r>
             <a:endParaRPr lang="en-US" altLang="zh-CN" dirty="0" smtClean="0">
               <a:latin typeface="微软雅黑" panose="020B0503020204020204" pitchFamily="34" charset="-122"/>
@@ -9387,46 +9546,6 @@
             </a:endParaRPr>
           </a:p>
           <a:p>
-            <a:r>
-              <a:rPr lang="zh-CN" altLang="en-US" dirty="0" smtClean="0">
-                <a:latin typeface="微软雅黑" panose="020B0503020204020204" pitchFamily="34" charset="-122"/>
-                <a:ea typeface="微软雅黑" panose="020B0503020204020204" pitchFamily="34" charset="-122"/>
-              </a:rPr>
-              <a:t>图片节选自  </a:t>
-            </a:r>
-            <a:r>
-              <a:rPr lang="en-US" altLang="zh-CN" dirty="0" err="1" smtClean="0">
-                <a:latin typeface="微软雅黑" panose="020B0503020204020204" pitchFamily="34" charset="-122"/>
-                <a:ea typeface="微软雅黑" panose="020B0503020204020204" pitchFamily="34" charset="-122"/>
-              </a:rPr>
-              <a:t>processon</a:t>
-            </a:r>
-            <a:r>
-              <a:rPr lang="zh-CN" altLang="en-US" dirty="0" smtClean="0">
-                <a:latin typeface="微软雅黑" panose="020B0503020204020204" pitchFamily="34" charset="-122"/>
-                <a:ea typeface="微软雅黑" panose="020B0503020204020204" pitchFamily="34" charset="-122"/>
-              </a:rPr>
-              <a:t>在线绘图网站 </a:t>
-            </a:r>
-            <a:r>
-              <a:rPr lang="en-US" altLang="zh-CN" dirty="0">
-                <a:latin typeface="微软雅黑" panose="020B0503020204020204" pitchFamily="34" charset="-122"/>
-                <a:ea typeface="微软雅黑" panose="020B0503020204020204" pitchFamily="34" charset="-122"/>
-              </a:rPr>
-              <a:t>https://www.processon.com/#</a:t>
-            </a:r>
-            <a:endParaRPr lang="en-US" altLang="zh-CN" dirty="0" smtClean="0">
-              <a:latin typeface="微软雅黑" panose="020B0503020204020204" pitchFamily="34" charset="-122"/>
-              <a:ea typeface="微软雅黑" panose="020B0503020204020204" pitchFamily="34" charset="-122"/>
-            </a:endParaRPr>
-          </a:p>
-          <a:p>
-            <a:endParaRPr lang="en-US" altLang="zh-CN" dirty="0" smtClean="0">
-              <a:latin typeface="微软雅黑" panose="020B0503020204020204" pitchFamily="34" charset="-122"/>
-              <a:ea typeface="微软雅黑" panose="020B0503020204020204" pitchFamily="34" charset="-122"/>
-            </a:endParaRPr>
-          </a:p>
-          <a:p>
             <a:endParaRPr lang="en-US" altLang="zh-CN" dirty="0">
               <a:latin typeface="微软雅黑" panose="020B0503020204020204" pitchFamily="34" charset="-122"/>
               <a:ea typeface="微软雅黑" panose="020B0503020204020204" pitchFamily="34" charset="-122"/>
@@ -9434,6 +9553,47 @@
           </a:p>
         </p:txBody>
       </p:sp>
+      <p:pic>
+        <p:nvPicPr>
+          <p:cNvPr id="3" name="Picture 2" descr="C:\Users\admin\Desktop\G20文档\绘画图\logo透明.png"/>
+          <p:cNvPicPr>
+            <a:picLocks noChangeAspect="1" noChangeArrowheads="1"/>
+          </p:cNvPicPr>
+          <p:nvPr/>
+        </p:nvPicPr>
+        <p:blipFill>
+          <a:blip r:embed="rId2" cstate="print">
+            <a:extLst>
+              <a:ext uri="{28A0092B-C50C-407E-A947-70E740481C1C}">
+                <a14:useLocalDpi xmlns:a14="http://schemas.microsoft.com/office/drawing/2010/main" val="0"/>
+              </a:ext>
+            </a:extLst>
+          </a:blip>
+          <a:srcRect/>
+          <a:stretch>
+            <a:fillRect/>
+          </a:stretch>
+        </p:blipFill>
+        <p:spPr bwMode="auto">
+          <a:xfrm>
+            <a:off x="0" y="-679904"/>
+            <a:ext cx="2454275" cy="2454275"/>
+          </a:xfrm>
+          <a:prstGeom prst="rect">
+            <a:avLst/>
+          </a:prstGeom>
+          <a:noFill/>
+          <a:extLst>
+            <a:ext uri="{909E8E84-426E-40DD-AFC4-6F175D3DCCD1}">
+              <a14:hiddenFill xmlns:a14="http://schemas.microsoft.com/office/drawing/2010/main">
+                <a:solidFill>
+                  <a:srgbClr val="FFFFFF"/>
+                </a:solidFill>
+              </a14:hiddenFill>
+            </a:ext>
+          </a:extLst>
+        </p:spPr>
+      </p:pic>
     </p:spTree>
     <p:extLst>
       <p:ext uri="{BB962C8B-B14F-4D97-AF65-F5344CB8AC3E}">
@@ -9492,6 +9652,218 @@
         <p:spPr>
           <a:xfrm>
             <a:off x="3984129" y="2516957"/>
+            <a:ext cx="4190880" cy="3170099"/>
+          </a:xfrm>
+          <a:prstGeom prst="rect">
+            <a:avLst/>
+          </a:prstGeom>
+          <a:noFill/>
+        </p:spPr>
+        <p:txBody>
+          <a:bodyPr wrap="square" lIns="91440" tIns="45720" rIns="91440" bIns="45720">
+            <a:spAutoFit/>
+          </a:bodyPr>
+          <a:lstStyle/>
+          <a:p>
+            <a:r>
+              <a:rPr lang="zh-CN" altLang="en-US" sz="2400" dirty="0"/>
+              <a:t>陈启强：项目计划文档、制作</a:t>
+            </a:r>
+            <a:r>
+              <a:rPr lang="en-US" altLang="zh-CN" sz="2400" dirty="0" err="1"/>
+              <a:t>ppt</a:t>
+            </a:r>
+            <a:r>
+              <a:rPr lang="zh-CN" altLang="en-US" sz="2400" dirty="0"/>
+              <a:t>（</a:t>
+            </a:r>
+            <a:r>
+              <a:rPr lang="en-US" altLang="zh-CN" sz="2400" dirty="0" smtClean="0"/>
+              <a:t>27%</a:t>
+            </a:r>
+            <a:r>
+              <a:rPr lang="zh-CN" altLang="en-US" sz="2400" dirty="0"/>
+              <a:t>）</a:t>
+            </a:r>
+            <a:endParaRPr lang="en-US" altLang="zh-CN" sz="2400" dirty="0"/>
+          </a:p>
+          <a:p>
+            <a:r>
+              <a:rPr lang="zh-CN" altLang="en-US" sz="2400" dirty="0"/>
+              <a:t>赵伟：可行性计划文档（</a:t>
+            </a:r>
+            <a:r>
+              <a:rPr lang="en-US" altLang="zh-CN" sz="2400" dirty="0" smtClean="0"/>
+              <a:t>26%</a:t>
+            </a:r>
+            <a:r>
+              <a:rPr lang="zh-CN" altLang="en-US" sz="2400" dirty="0"/>
+              <a:t>）</a:t>
+            </a:r>
+            <a:endParaRPr lang="en-US" altLang="zh-CN" sz="2400" dirty="0"/>
+          </a:p>
+          <a:p>
+            <a:r>
+              <a:rPr lang="zh-CN" altLang="en-US" sz="2400" dirty="0"/>
+              <a:t>李文杰：绘画</a:t>
+            </a:r>
+            <a:r>
+              <a:rPr lang="en-US" altLang="zh-CN" sz="2400" dirty="0" err="1"/>
+              <a:t>gantt</a:t>
+            </a:r>
+            <a:r>
+              <a:rPr lang="zh-CN" altLang="en-US" sz="2400" dirty="0"/>
+              <a:t>（</a:t>
+            </a:r>
+            <a:r>
+              <a:rPr lang="en-US" altLang="zh-CN" sz="2400" dirty="0"/>
+              <a:t>25%</a:t>
+            </a:r>
+            <a:r>
+              <a:rPr lang="zh-CN" altLang="en-US" sz="2400" dirty="0"/>
+              <a:t>）</a:t>
+            </a:r>
+            <a:endParaRPr lang="en-US" altLang="zh-CN" sz="2400" dirty="0"/>
+          </a:p>
+          <a:p>
+            <a:r>
+              <a:rPr lang="zh-CN" altLang="en-US" sz="2400" dirty="0"/>
+              <a:t>余泽伟：查找材料（</a:t>
+            </a:r>
+            <a:r>
+              <a:rPr lang="en-US" altLang="zh-CN" sz="2400" dirty="0" smtClean="0"/>
+              <a:t>22%</a:t>
+            </a:r>
+            <a:r>
+              <a:rPr lang="zh-CN" altLang="en-US" sz="2400" dirty="0"/>
+              <a:t>）</a:t>
+            </a:r>
+            <a:endParaRPr lang="en-US" altLang="zh-CN" sz="2400" dirty="0"/>
+          </a:p>
+          <a:p>
+            <a:pPr algn="ctr"/>
+            <a:endParaRPr lang="zh-CN" altLang="en-US" sz="8000" b="1" cap="none" spc="0" dirty="0">
+              <a:ln w="9525">
+                <a:solidFill>
+                  <a:schemeClr val="bg1"/>
+                </a:solidFill>
+                <a:prstDash val="solid"/>
+              </a:ln>
+              <a:solidFill>
+                <a:schemeClr val="tx1"/>
+              </a:solidFill>
+              <a:effectLst>
+                <a:outerShdw blurRad="12700" dist="38100" dir="2700000" algn="tl" rotWithShape="0">
+                  <a:schemeClr val="bg1">
+                    <a:lumMod val="50000"/>
+                  </a:schemeClr>
+                </a:outerShdw>
+              </a:effectLst>
+              <a:latin typeface="微软雅黑" panose="020B0503020204020204" pitchFamily="34" charset="-122"/>
+              <a:ea typeface="微软雅黑" panose="020B0503020204020204" pitchFamily="34" charset="-122"/>
+            </a:endParaRPr>
+          </a:p>
+        </p:txBody>
+      </p:sp>
+      <p:pic>
+        <p:nvPicPr>
+          <p:cNvPr id="3" name="Picture 2" descr="C:\Users\admin\Desktop\G20文档\绘画图\logo透明.png"/>
+          <p:cNvPicPr>
+            <a:picLocks noChangeAspect="1" noChangeArrowheads="1"/>
+          </p:cNvPicPr>
+          <p:nvPr/>
+        </p:nvPicPr>
+        <p:blipFill>
+          <a:blip r:embed="rId2" cstate="print">
+            <a:extLst>
+              <a:ext uri="{28A0092B-C50C-407E-A947-70E740481C1C}">
+                <a14:useLocalDpi xmlns:a14="http://schemas.microsoft.com/office/drawing/2010/main" val="0"/>
+              </a:ext>
+            </a:extLst>
+          </a:blip>
+          <a:srcRect/>
+          <a:stretch>
+            <a:fillRect/>
+          </a:stretch>
+        </p:blipFill>
+        <p:spPr bwMode="auto">
+          <a:xfrm>
+            <a:off x="0" y="-679904"/>
+            <a:ext cx="2454275" cy="2454275"/>
+          </a:xfrm>
+          <a:prstGeom prst="rect">
+            <a:avLst/>
+          </a:prstGeom>
+          <a:noFill/>
+          <a:extLst>
+            <a:ext uri="{909E8E84-426E-40DD-AFC4-6F175D3DCCD1}">
+              <a14:hiddenFill xmlns:a14="http://schemas.microsoft.com/office/drawing/2010/main">
+                <a:solidFill>
+                  <a:srgbClr val="FFFFFF"/>
+                </a:solidFill>
+              </a14:hiddenFill>
+            </a:ext>
+          </a:extLst>
+        </p:spPr>
+      </p:pic>
+    </p:spTree>
+    <p:extLst>
+      <p:ext uri="{BB962C8B-B14F-4D97-AF65-F5344CB8AC3E}">
+        <p14:creationId xmlns:p14="http://schemas.microsoft.com/office/powerpoint/2010/main" val="1919014041"/>
+      </p:ext>
+    </p:extLst>
+  </p:cSld>
+  <p:clrMapOvr>
+    <a:masterClrMapping/>
+  </p:clrMapOvr>
+  <mc:AlternateContent xmlns:mc="http://schemas.openxmlformats.org/markup-compatibility/2006" xmlns:p14="http://schemas.microsoft.com/office/powerpoint/2010/main">
+    <mc:Choice Requires="p14">
+      <p:transition spd="slow" p14:dur="4000">
+        <p14:vortex dir="r"/>
+      </p:transition>
+    </mc:Choice>
+    <mc:Fallback xmlns="">
+      <p:transition spd="slow">
+        <p:fade/>
+      </p:transition>
+    </mc:Fallback>
+  </mc:AlternateContent>
+  <p:timing>
+    <p:tnLst>
+      <p:par>
+        <p:cTn id="1" dur="indefinite" restart="never" nodeType="tmRoot"/>
+      </p:par>
+    </p:tnLst>
+  </p:timing>
+</p:sld>
+</file>
+
+<file path=ppt/slides/slide15.xml><?xml version="1.0" encoding="utf-8"?>
+<p:sld xmlns:a="http://schemas.openxmlformats.org/drawingml/2006/main" xmlns:r="http://schemas.openxmlformats.org/officeDocument/2006/relationships" xmlns:p="http://schemas.openxmlformats.org/presentationml/2006/main">
+  <p:cSld>
+    <p:spTree>
+      <p:nvGrpSpPr>
+        <p:cNvPr id="1" name=""/>
+        <p:cNvGrpSpPr/>
+        <p:nvPr/>
+      </p:nvGrpSpPr>
+      <p:grpSpPr>
+        <a:xfrm>
+          <a:off x="0" y="0"/>
+          <a:ext cx="0" cy="0"/>
+          <a:chOff x="0" y="0"/>
+          <a:chExt cx="0" cy="0"/>
+        </a:xfrm>
+      </p:grpSpPr>
+      <p:sp>
+        <p:nvSpPr>
+          <p:cNvPr id="2" name="矩形 1"/>
+          <p:cNvSpPr/>
+          <p:nvPr/>
+        </p:nvSpPr>
+        <p:spPr>
+          <a:xfrm>
+            <a:off x="3984129" y="2516957"/>
             <a:ext cx="4190880" cy="1323439"/>
           </a:xfrm>
           <a:prstGeom prst="rect">
@@ -9552,10 +9924,51 @@
           </a:p>
         </p:txBody>
       </p:sp>
+      <p:pic>
+        <p:nvPicPr>
+          <p:cNvPr id="3" name="Picture 2" descr="C:\Users\admin\Desktop\G20文档\绘画图\logo透明.png"/>
+          <p:cNvPicPr>
+            <a:picLocks noChangeAspect="1" noChangeArrowheads="1"/>
+          </p:cNvPicPr>
+          <p:nvPr/>
+        </p:nvPicPr>
+        <p:blipFill>
+          <a:blip r:embed="rId2" cstate="print">
+            <a:extLst>
+              <a:ext uri="{28A0092B-C50C-407E-A947-70E740481C1C}">
+                <a14:useLocalDpi xmlns:a14="http://schemas.microsoft.com/office/drawing/2010/main" val="0"/>
+              </a:ext>
+            </a:extLst>
+          </a:blip>
+          <a:srcRect/>
+          <a:stretch>
+            <a:fillRect/>
+          </a:stretch>
+        </p:blipFill>
+        <p:spPr bwMode="auto">
+          <a:xfrm>
+            <a:off x="0" y="-679904"/>
+            <a:ext cx="2454275" cy="2454275"/>
+          </a:xfrm>
+          <a:prstGeom prst="rect">
+            <a:avLst/>
+          </a:prstGeom>
+          <a:noFill/>
+          <a:extLst>
+            <a:ext uri="{909E8E84-426E-40DD-AFC4-6F175D3DCCD1}">
+              <a14:hiddenFill xmlns:a14="http://schemas.microsoft.com/office/drawing/2010/main">
+                <a:solidFill>
+                  <a:srgbClr val="FFFFFF"/>
+                </a:solidFill>
+              </a14:hiddenFill>
+            </a:ext>
+          </a:extLst>
+        </p:spPr>
+      </p:pic>
     </p:spTree>
     <p:extLst>
       <p:ext uri="{BB962C8B-B14F-4D97-AF65-F5344CB8AC3E}">
-        <p14:creationId xmlns:p14="http://schemas.microsoft.com/office/powerpoint/2010/main" val="1919014041"/>
+        <p14:creationId xmlns:p14="http://schemas.microsoft.com/office/powerpoint/2010/main" val="2673681740"/>
       </p:ext>
     </p:extLst>
   </p:cSld>
@@ -9798,6 +10211,47 @@
           </a:p>
         </p:txBody>
       </p:sp>
+      <p:pic>
+        <p:nvPicPr>
+          <p:cNvPr id="7" name="Picture 2" descr="C:\Users\admin\Desktop\G20文档\绘画图\logo透明.png"/>
+          <p:cNvPicPr>
+            <a:picLocks noChangeAspect="1" noChangeArrowheads="1"/>
+          </p:cNvPicPr>
+          <p:nvPr/>
+        </p:nvPicPr>
+        <p:blipFill>
+          <a:blip r:embed="rId2" cstate="print">
+            <a:extLst>
+              <a:ext uri="{28A0092B-C50C-407E-A947-70E740481C1C}">
+                <a14:useLocalDpi xmlns:a14="http://schemas.microsoft.com/office/drawing/2010/main" val="0"/>
+              </a:ext>
+            </a:extLst>
+          </a:blip>
+          <a:srcRect/>
+          <a:stretch>
+            <a:fillRect/>
+          </a:stretch>
+        </p:blipFill>
+        <p:spPr bwMode="auto">
+          <a:xfrm>
+            <a:off x="0" y="-679904"/>
+            <a:ext cx="2454275" cy="2454275"/>
+          </a:xfrm>
+          <a:prstGeom prst="rect">
+            <a:avLst/>
+          </a:prstGeom>
+          <a:noFill/>
+          <a:extLst>
+            <a:ext uri="{909E8E84-426E-40DD-AFC4-6F175D3DCCD1}">
+              <a14:hiddenFill xmlns:a14="http://schemas.microsoft.com/office/drawing/2010/main">
+                <a:solidFill>
+                  <a:srgbClr val="FFFFFF"/>
+                </a:solidFill>
+              </a14:hiddenFill>
+            </a:ext>
+          </a:extLst>
+        </p:spPr>
+      </p:pic>
     </p:spTree>
     <p:extLst>
       <p:ext uri="{BB962C8B-B14F-4D97-AF65-F5344CB8AC3E}">
@@ -10118,6 +10572,47 @@
           </a:p>
         </p:txBody>
       </p:sp>
+      <p:pic>
+        <p:nvPicPr>
+          <p:cNvPr id="8" name="Picture 2" descr="C:\Users\admin\Desktop\G20文档\绘画图\logo透明.png"/>
+          <p:cNvPicPr>
+            <a:picLocks noChangeAspect="1" noChangeArrowheads="1"/>
+          </p:cNvPicPr>
+          <p:nvPr/>
+        </p:nvPicPr>
+        <p:blipFill>
+          <a:blip r:embed="rId2" cstate="print">
+            <a:extLst>
+              <a:ext uri="{28A0092B-C50C-407E-A947-70E740481C1C}">
+                <a14:useLocalDpi xmlns:a14="http://schemas.microsoft.com/office/drawing/2010/main" val="0"/>
+              </a:ext>
+            </a:extLst>
+          </a:blip>
+          <a:srcRect/>
+          <a:stretch>
+            <a:fillRect/>
+          </a:stretch>
+        </p:blipFill>
+        <p:spPr bwMode="auto">
+          <a:xfrm>
+            <a:off x="0" y="-679904"/>
+            <a:ext cx="2454275" cy="2454275"/>
+          </a:xfrm>
+          <a:prstGeom prst="rect">
+            <a:avLst/>
+          </a:prstGeom>
+          <a:noFill/>
+          <a:extLst>
+            <a:ext uri="{909E8E84-426E-40DD-AFC4-6F175D3DCCD1}">
+              <a14:hiddenFill xmlns:a14="http://schemas.microsoft.com/office/drawing/2010/main">
+                <a:solidFill>
+                  <a:srgbClr val="FFFFFF"/>
+                </a:solidFill>
+              </a14:hiddenFill>
+            </a:ext>
+          </a:extLst>
+        </p:spPr>
+      </p:pic>
     </p:spTree>
     <p:extLst>
       <p:ext uri="{BB962C8B-B14F-4D97-AF65-F5344CB8AC3E}">
@@ -10501,7 +10996,7 @@
         <p:spPr>
           <a:xfrm>
             <a:off x="1096107" y="1630630"/>
-            <a:ext cx="6096000" cy="2308324"/>
+            <a:ext cx="6096000" cy="2585323"/>
           </a:xfrm>
           <a:prstGeom prst="rect">
             <a:avLst/>
@@ -10514,110 +11009,99 @@
           <a:lstStyle/>
           <a:p>
             <a:r>
-              <a:rPr lang="en-US" altLang="zh-CN" dirty="0" smtClean="0">
-                <a:latin typeface="微软雅黑" panose="020B0503020204020204" pitchFamily="34" charset="-122"/>
-                <a:ea typeface="微软雅黑" panose="020B0503020204020204" pitchFamily="34" charset="-122"/>
-              </a:rPr>
-              <a:t>        UML</a:t>
-            </a:r>
-            <a:r>
-              <a:rPr lang="zh-CN" altLang="en-US" dirty="0" smtClean="0">
-                <a:latin typeface="微软雅黑" panose="020B0503020204020204" pitchFamily="34" charset="-122"/>
-                <a:ea typeface="微软雅黑" panose="020B0503020204020204" pitchFamily="34" charset="-122"/>
-              </a:rPr>
-              <a:t>始</a:t>
-            </a:r>
-            <a:r>
-              <a:rPr lang="zh-CN" altLang="en-US" dirty="0">
-                <a:latin typeface="微软雅黑" panose="020B0503020204020204" pitchFamily="34" charset="-122"/>
-                <a:ea typeface="微软雅黑" panose="020B0503020204020204" pitchFamily="34" charset="-122"/>
-              </a:rPr>
-              <a:t>于1997年一个</a:t>
-            </a:r>
-            <a:r>
-              <a:rPr lang="zh-CN" altLang="en-US" b="1" dirty="0">
-                <a:latin typeface="微软雅黑" panose="020B0503020204020204" pitchFamily="34" charset="-122"/>
-                <a:ea typeface="微软雅黑" panose="020B0503020204020204" pitchFamily="34" charset="-122"/>
+              <a:rPr lang="en-US" altLang="zh-CN" b="1" dirty="0"/>
+              <a:t>Unified Modeling Language (UML)</a:t>
+            </a:r>
+            <a:r>
+              <a:rPr lang="zh-CN" altLang="en-US" dirty="0"/>
+              <a:t>又称统一建模语言或标准建模语言，是始于</a:t>
+            </a:r>
+            <a:r>
+              <a:rPr lang="en-US" altLang="zh-CN" dirty="0"/>
+              <a:t>1997</a:t>
+            </a:r>
+            <a:r>
+              <a:rPr lang="zh-CN" altLang="en-US" dirty="0"/>
+              <a:t>年一个</a:t>
+            </a:r>
+            <a:r>
+              <a:rPr lang="en-US" altLang="zh-CN" dirty="0">
+                <a:hlinkClick r:id="rId2"/>
               </a:rPr>
               <a:t>OMG</a:t>
             </a:r>
             <a:r>
-              <a:rPr lang="zh-CN" altLang="en-US" dirty="0">
-                <a:latin typeface="微软雅黑" panose="020B0503020204020204" pitchFamily="34" charset="-122"/>
-                <a:ea typeface="微软雅黑" panose="020B0503020204020204" pitchFamily="34" charset="-122"/>
-              </a:rPr>
-              <a:t>标准，它是一个支持模型化和软件系统开发的</a:t>
-            </a:r>
-            <a:r>
-              <a:rPr lang="zh-CN" altLang="en-US" b="1" dirty="0">
-                <a:latin typeface="微软雅黑" panose="020B0503020204020204" pitchFamily="34" charset="-122"/>
-                <a:ea typeface="微软雅黑" panose="020B0503020204020204" pitchFamily="34" charset="-122"/>
-              </a:rPr>
-              <a:t>图形化语言</a:t>
-            </a:r>
-            <a:r>
-              <a:rPr lang="zh-CN" altLang="en-US" dirty="0">
-                <a:latin typeface="微软雅黑" panose="020B0503020204020204" pitchFamily="34" charset="-122"/>
-                <a:ea typeface="微软雅黑" panose="020B0503020204020204" pitchFamily="34" charset="-122"/>
-              </a:rPr>
-              <a:t>，为软件开发的所有阶段提供模型化和可视化支持，包括由需求分析到规格，到构造和配置。 </a:t>
-            </a:r>
-            <a:r>
-              <a:rPr lang="zh-CN" altLang="en-US" b="1" dirty="0">
-                <a:latin typeface="微软雅黑" panose="020B0503020204020204" pitchFamily="34" charset="-122"/>
-                <a:ea typeface="微软雅黑" panose="020B0503020204020204" pitchFamily="34" charset="-122"/>
-              </a:rPr>
-              <a:t>面向对象</a:t>
-            </a:r>
-            <a:r>
-              <a:rPr lang="zh-CN" altLang="en-US" dirty="0">
-                <a:latin typeface="微软雅黑" panose="020B0503020204020204" pitchFamily="34" charset="-122"/>
-                <a:ea typeface="微软雅黑" panose="020B0503020204020204" pitchFamily="34" charset="-122"/>
-              </a:rPr>
-              <a:t>的分析与</a:t>
-            </a:r>
-            <a:r>
-              <a:rPr lang="zh-CN" altLang="en-US" dirty="0" smtClean="0">
-                <a:latin typeface="微软雅黑" panose="020B0503020204020204" pitchFamily="34" charset="-122"/>
-                <a:ea typeface="微软雅黑" panose="020B0503020204020204" pitchFamily="34" charset="-122"/>
-              </a:rPr>
-              <a:t>设计（</a:t>
-            </a:r>
-            <a:r>
-              <a:rPr lang="en-US" altLang="zh-CN" dirty="0">
-                <a:latin typeface="微软雅黑" panose="020B0503020204020204" pitchFamily="34" charset="-122"/>
-                <a:ea typeface="微软雅黑" panose="020B0503020204020204" pitchFamily="34" charset="-122"/>
-              </a:rPr>
-              <a:t>OOAD</a:t>
-            </a:r>
-            <a:r>
-              <a:rPr lang="zh-CN" altLang="en-US" dirty="0" smtClean="0">
-                <a:latin typeface="微软雅黑" panose="020B0503020204020204" pitchFamily="34" charset="-122"/>
-                <a:ea typeface="微软雅黑" panose="020B0503020204020204" pitchFamily="34" charset="-122"/>
-              </a:rPr>
-              <a:t>）</a:t>
-            </a:r>
-            <a:r>
-              <a:rPr lang="zh-CN" altLang="en-US" dirty="0">
-                <a:latin typeface="微软雅黑" panose="020B0503020204020204" pitchFamily="34" charset="-122"/>
-                <a:ea typeface="微软雅黑" panose="020B0503020204020204" pitchFamily="34" charset="-122"/>
-              </a:rPr>
-              <a:t>方法</a:t>
-            </a:r>
-            <a:r>
-              <a:rPr lang="zh-CN" altLang="en-US" dirty="0" smtClean="0">
-                <a:latin typeface="微软雅黑" panose="020B0503020204020204" pitchFamily="34" charset="-122"/>
-                <a:ea typeface="微软雅黑" panose="020B0503020204020204" pitchFamily="34" charset="-122"/>
-              </a:rPr>
-              <a:t>的</a:t>
-            </a:r>
-            <a:r>
-              <a:rPr lang="zh-CN" altLang="en-US" dirty="0">
-                <a:latin typeface="微软雅黑" panose="020B0503020204020204" pitchFamily="34" charset="-122"/>
-                <a:ea typeface="微软雅黑" panose="020B0503020204020204" pitchFamily="34" charset="-122"/>
-              </a:rPr>
-              <a:t>发展在80年代末至90年代中出现了一个高潮，UML是这个高潮的产物。它不仅统一了Booch、Rumbaugh和Jacobson的表示方法，而且对其作了进一步的发展，并最终统一为大众所接受的标准建模语言。</a:t>
-            </a:r>
+              <a:rPr lang="zh-CN" altLang="en-US" dirty="0"/>
+              <a:t>标准，它是一个支持模型化和软件系统开发的图形化语言，为软件开发的所有阶段提供模型化和可视化支持，包括由需求分析到规格，到构造和配置。 面向对象的分析与设计</a:t>
+            </a:r>
+            <a:r>
+              <a:rPr lang="en-US" altLang="zh-CN" dirty="0"/>
+              <a:t>(OOA&amp;D</a:t>
+            </a:r>
+            <a:r>
+              <a:rPr lang="zh-CN" altLang="en-US" dirty="0"/>
+              <a:t>，</a:t>
+            </a:r>
+            <a:r>
+              <a:rPr lang="en-US" altLang="zh-CN" dirty="0"/>
+              <a:t>OOAD)</a:t>
+            </a:r>
+            <a:r>
+              <a:rPr lang="zh-CN" altLang="en-US" dirty="0"/>
+              <a:t>方法的发展在</a:t>
+            </a:r>
+            <a:r>
+              <a:rPr lang="en-US" altLang="zh-CN" dirty="0"/>
+              <a:t>80</a:t>
+            </a:r>
+            <a:r>
+              <a:rPr lang="zh-CN" altLang="en-US" dirty="0"/>
+              <a:t>年代末至</a:t>
+            </a:r>
+            <a:r>
+              <a:rPr lang="en-US" altLang="zh-CN" dirty="0"/>
+              <a:t>90</a:t>
+            </a:r>
+            <a:r>
+              <a:rPr lang="zh-CN" altLang="en-US" dirty="0"/>
+              <a:t>年代中出现了一个高潮，</a:t>
+            </a:r>
+            <a:r>
+              <a:rPr lang="en-US" altLang="zh-CN" dirty="0"/>
+              <a:t>UML</a:t>
+            </a:r>
+            <a:r>
+              <a:rPr lang="zh-CN" altLang="en-US" dirty="0"/>
+              <a:t>是这个高潮的产物。它不仅统一了</a:t>
+            </a:r>
+            <a:r>
+              <a:rPr lang="en-US" altLang="zh-CN" dirty="0" err="1"/>
+              <a:t>Booch</a:t>
+            </a:r>
+            <a:r>
+              <a:rPr lang="zh-CN" altLang="en-US" dirty="0"/>
+              <a:t>、</a:t>
+            </a:r>
+            <a:r>
+              <a:rPr lang="en-US" altLang="zh-CN" dirty="0" err="1"/>
+              <a:t>Rumbaugh</a:t>
+            </a:r>
+            <a:r>
+              <a:rPr lang="zh-CN" altLang="en-US" dirty="0"/>
+              <a:t>和</a:t>
+            </a:r>
+            <a:r>
+              <a:rPr lang="en-US" altLang="zh-CN" dirty="0"/>
+              <a:t>Jacobson</a:t>
+            </a:r>
+            <a:r>
+              <a:rPr lang="zh-CN" altLang="en-US" dirty="0"/>
+              <a:t>的表示方法，而且对其作了进一步的发展，并最终统一为大众所接受的标准建模语言。</a:t>
+            </a:r>
+            <a:endParaRPr lang="zh-CN" altLang="en-US" dirty="0">
+              <a:latin typeface="微软雅黑" panose="020B0503020204020204" pitchFamily="34" charset="-122"/>
+              <a:ea typeface="微软雅黑" panose="020B0503020204020204" pitchFamily="34" charset="-122"/>
+            </a:endParaRPr>
           </a:p>
         </p:txBody>
       </p:sp>
@@ -10629,8 +11113,8 @@
         </p:nvCxnSpPr>
         <p:spPr>
           <a:xfrm flipV="1">
-            <a:off x="4144107" y="888023"/>
-            <a:ext cx="1951893" cy="742607"/>
+            <a:off x="4956907" y="519289"/>
+            <a:ext cx="1139093" cy="1482645"/>
           </a:xfrm>
           <a:prstGeom prst="straightConnector1">
             <a:avLst/>
@@ -10750,7 +11234,7 @@
           <p:nvPr/>
         </p:nvPicPr>
         <p:blipFill>
-          <a:blip r:embed="rId2">
+          <a:blip r:embed="rId3">
             <a:extLst>
               <a:ext uri="{28A0092B-C50C-407E-A947-70E740481C1C}">
                 <a14:useLocalDpi xmlns:a14="http://schemas.microsoft.com/office/drawing/2010/main" val="0"/>
@@ -10780,7 +11264,7 @@
           <p:nvPr/>
         </p:nvPicPr>
         <p:blipFill>
-          <a:blip r:embed="rId3">
+          <a:blip r:embed="rId4">
             <a:extLst>
               <a:ext uri="{28A0092B-C50C-407E-A947-70E740481C1C}">
                 <a14:useLocalDpi xmlns:a14="http://schemas.microsoft.com/office/drawing/2010/main" val="0"/>
@@ -10799,6 +11283,47 @@
           <a:prstGeom prst="rect">
             <a:avLst/>
           </a:prstGeom>
+        </p:spPr>
+      </p:pic>
+      <p:pic>
+        <p:nvPicPr>
+          <p:cNvPr id="8" name="Picture 2" descr="C:\Users\admin\Desktop\G20文档\绘画图\logo透明.png"/>
+          <p:cNvPicPr>
+            <a:picLocks noChangeAspect="1" noChangeArrowheads="1"/>
+          </p:cNvPicPr>
+          <p:nvPr/>
+        </p:nvPicPr>
+        <p:blipFill>
+          <a:blip r:embed="rId5" cstate="print">
+            <a:extLst>
+              <a:ext uri="{28A0092B-C50C-407E-A947-70E740481C1C}">
+                <a14:useLocalDpi xmlns:a14="http://schemas.microsoft.com/office/drawing/2010/main" val="0"/>
+              </a:ext>
+            </a:extLst>
+          </a:blip>
+          <a:srcRect/>
+          <a:stretch>
+            <a:fillRect/>
+          </a:stretch>
+        </p:blipFill>
+        <p:spPr bwMode="auto">
+          <a:xfrm>
+            <a:off x="0" y="-679904"/>
+            <a:ext cx="2454275" cy="2454275"/>
+          </a:xfrm>
+          <a:prstGeom prst="rect">
+            <a:avLst/>
+          </a:prstGeom>
+          <a:noFill/>
+          <a:extLst>
+            <a:ext uri="{909E8E84-426E-40DD-AFC4-6F175D3DCCD1}">
+              <a14:hiddenFill xmlns:a14="http://schemas.microsoft.com/office/drawing/2010/main">
+                <a:solidFill>
+                  <a:srgbClr val="FFFFFF"/>
+                </a:solidFill>
+              </a14:hiddenFill>
+            </a:ext>
+          </a:extLst>
         </p:spPr>
       </p:pic>
     </p:spTree>
@@ -11455,6 +11980,47 @@
           </a:extLst>
         </p:spPr>
       </p:pic>
+      <p:pic>
+        <p:nvPicPr>
+          <p:cNvPr id="5" name="Picture 2" descr="C:\Users\admin\Desktop\G20文档\绘画图\logo透明.png"/>
+          <p:cNvPicPr>
+            <a:picLocks noChangeAspect="1" noChangeArrowheads="1"/>
+          </p:cNvPicPr>
+          <p:nvPr/>
+        </p:nvPicPr>
+        <p:blipFill>
+          <a:blip r:embed="rId3" cstate="print">
+            <a:extLst>
+              <a:ext uri="{28A0092B-C50C-407E-A947-70E740481C1C}">
+                <a14:useLocalDpi xmlns:a14="http://schemas.microsoft.com/office/drawing/2010/main" val="0"/>
+              </a:ext>
+            </a:extLst>
+          </a:blip>
+          <a:srcRect/>
+          <a:stretch>
+            <a:fillRect/>
+          </a:stretch>
+        </p:blipFill>
+        <p:spPr bwMode="auto">
+          <a:xfrm>
+            <a:off x="0" y="-679904"/>
+            <a:ext cx="2454275" cy="2454275"/>
+          </a:xfrm>
+          <a:prstGeom prst="rect">
+            <a:avLst/>
+          </a:prstGeom>
+          <a:noFill/>
+          <a:extLst>
+            <a:ext uri="{909E8E84-426E-40DD-AFC4-6F175D3DCCD1}">
+              <a14:hiddenFill xmlns:a14="http://schemas.microsoft.com/office/drawing/2010/main">
+                <a:solidFill>
+                  <a:srgbClr val="FFFFFF"/>
+                </a:solidFill>
+              </a14:hiddenFill>
+            </a:ext>
+          </a:extLst>
+        </p:spPr>
+      </p:pic>
     </p:spTree>
     <p:extLst>
       <p:ext uri="{BB962C8B-B14F-4D97-AF65-F5344CB8AC3E}">
@@ -11779,7 +12345,7 @@
         <p:spPr>
           <a:xfrm>
             <a:off x="1841631" y="1130443"/>
-            <a:ext cx="3342582" cy="646331"/>
+            <a:ext cx="2954655" cy="646331"/>
           </a:xfrm>
           <a:prstGeom prst="rect">
             <a:avLst/>
@@ -11796,37 +12362,48 @@
                 <a:latin typeface="微软雅黑" panose="020B0503020204020204" pitchFamily="34" charset="-122"/>
                 <a:ea typeface="微软雅黑" panose="020B0503020204020204" pitchFamily="34" charset="-122"/>
               </a:rPr>
-              <a:t>1960’s </a:t>
-            </a:r>
-          </a:p>
-          <a:p>
+              <a:t>20</a:t>
+            </a:r>
             <a:r>
               <a:rPr lang="zh-CN" altLang="en-US" dirty="0" smtClean="0">
                 <a:latin typeface="微软雅黑" panose="020B0503020204020204" pitchFamily="34" charset="-122"/>
                 <a:ea typeface="微软雅黑" panose="020B0503020204020204" pitchFamily="34" charset="-122"/>
               </a:rPr>
-              <a:t>最早的面向对象语言</a:t>
-            </a:r>
-            <a:r>
-              <a:rPr lang="en-US" altLang="zh-CN" dirty="0" err="1" smtClean="0">
-                <a:latin typeface="微软雅黑" panose="020B0503020204020204" pitchFamily="34" charset="-122"/>
-                <a:ea typeface="微软雅黑" panose="020B0503020204020204" pitchFamily="34" charset="-122"/>
-              </a:rPr>
-              <a:t>Simula</a:t>
+              <a:t>世纪</a:t>
             </a:r>
             <a:r>
               <a:rPr lang="en-US" altLang="zh-CN" dirty="0" smtClean="0">
                 <a:latin typeface="微软雅黑" panose="020B0503020204020204" pitchFamily="34" charset="-122"/>
                 <a:ea typeface="微软雅黑" panose="020B0503020204020204" pitchFamily="34" charset="-122"/>
               </a:rPr>
-              <a:t> </a:t>
-            </a:r>
-            <a:r>
-              <a:rPr lang="en-US" altLang="zh-CN" dirty="0">
+              <a:t>70</a:t>
+            </a:r>
+            <a:r>
+              <a:rPr lang="zh-CN" altLang="en-US" dirty="0" smtClean="0">
                 <a:latin typeface="微软雅黑" panose="020B0503020204020204" pitchFamily="34" charset="-122"/>
                 <a:ea typeface="微软雅黑" panose="020B0503020204020204" pitchFamily="34" charset="-122"/>
               </a:rPr>
-              <a:t>67</a:t>
+              <a:t>年代中期</a:t>
+            </a:r>
+            <a:endParaRPr lang="en-US" altLang="zh-CN" dirty="0" smtClean="0">
+              <a:latin typeface="微软雅黑" panose="020B0503020204020204" pitchFamily="34" charset="-122"/>
+              <a:ea typeface="微软雅黑" panose="020B0503020204020204" pitchFamily="34" charset="-122"/>
+            </a:endParaRPr>
+          </a:p>
+          <a:p>
+            <a:r>
+              <a:rPr lang="zh-CN" altLang="en-US" dirty="0">
+                <a:latin typeface="微软雅黑" panose="020B0503020204020204" pitchFamily="34" charset="-122"/>
+                <a:ea typeface="微软雅黑" panose="020B0503020204020204" pitchFamily="34" charset="-122"/>
+              </a:rPr>
+              <a:t>面向对象</a:t>
+            </a:r>
+            <a:r>
+              <a:rPr lang="zh-CN" altLang="en-US" dirty="0" smtClean="0">
+                <a:latin typeface="微软雅黑" panose="020B0503020204020204" pitchFamily="34" charset="-122"/>
+                <a:ea typeface="微软雅黑" panose="020B0503020204020204" pitchFamily="34" charset="-122"/>
+              </a:rPr>
+              <a:t>建模语言最早出现</a:t>
             </a:r>
             <a:endParaRPr lang="zh-CN" altLang="en-US" dirty="0">
               <a:latin typeface="微软雅黑" panose="020B0503020204020204" pitchFamily="34" charset="-122"/>
@@ -11923,34 +12500,28 @@
                 <a:latin typeface="微软雅黑" panose="020B0503020204020204" pitchFamily="34" charset="-122"/>
                 <a:ea typeface="微软雅黑" panose="020B0503020204020204" pitchFamily="34" charset="-122"/>
               </a:rPr>
-              <a:t>1992 </a:t>
-            </a:r>
-            <a:endParaRPr lang="en-US" altLang="zh-CN" dirty="0">
-              <a:latin typeface="微软雅黑" panose="020B0503020204020204" pitchFamily="34" charset="-122"/>
-              <a:ea typeface="微软雅黑" panose="020B0503020204020204" pitchFamily="34" charset="-122"/>
-            </a:endParaRPr>
-          </a:p>
-          <a:p>
+              <a:t>20</a:t>
+            </a:r>
             <a:r>
               <a:rPr lang="zh-CN" altLang="en-US" dirty="0" smtClean="0">
                 <a:latin typeface="微软雅黑" panose="020B0503020204020204" pitchFamily="34" charset="-122"/>
                 <a:ea typeface="微软雅黑" panose="020B0503020204020204" pitchFamily="34" charset="-122"/>
               </a:rPr>
-              <a:t>新一代的</a:t>
+              <a:t>世纪</a:t>
             </a:r>
             <a:r>
               <a:rPr lang="en-US" altLang="zh-CN" dirty="0" smtClean="0">
                 <a:latin typeface="微软雅黑" panose="020B0503020204020204" pitchFamily="34" charset="-122"/>
                 <a:ea typeface="微软雅黑" panose="020B0503020204020204" pitchFamily="34" charset="-122"/>
               </a:rPr>
-              <a:t>OOAD</a:t>
+              <a:t>90</a:t>
             </a:r>
             <a:r>
               <a:rPr lang="zh-CN" altLang="en-US" dirty="0" smtClean="0">
                 <a:latin typeface="微软雅黑" panose="020B0503020204020204" pitchFamily="34" charset="-122"/>
                 <a:ea typeface="微软雅黑" panose="020B0503020204020204" pitchFamily="34" charset="-122"/>
               </a:rPr>
-              <a:t>语言问世</a:t>
+              <a:t>年代</a:t>
             </a:r>
             <a:endParaRPr lang="en-US" altLang="zh-CN" dirty="0" smtClean="0">
               <a:latin typeface="微软雅黑" panose="020B0503020204020204" pitchFamily="34" charset="-122"/>
@@ -11959,11 +12530,31 @@
           </a:p>
           <a:p>
             <a:r>
+              <a:rPr lang="zh-CN" altLang="en-US" dirty="0" smtClean="0">
+                <a:latin typeface="微软雅黑" panose="020B0503020204020204" pitchFamily="34" charset="-122"/>
+                <a:ea typeface="微软雅黑" panose="020B0503020204020204" pitchFamily="34" charset="-122"/>
+              </a:rPr>
+              <a:t>出现了一批新方法</a:t>
+            </a:r>
+            <a:endParaRPr lang="en-US" altLang="zh-CN" dirty="0" smtClean="0">
+              <a:latin typeface="微软雅黑" panose="020B0503020204020204" pitchFamily="34" charset="-122"/>
+              <a:ea typeface="微软雅黑" panose="020B0503020204020204" pitchFamily="34" charset="-122"/>
+            </a:endParaRPr>
+          </a:p>
+          <a:p>
+            <a:r>
+              <a:rPr lang="en-US" altLang="zh-CN" dirty="0" err="1" smtClean="0">
+                <a:latin typeface="微软雅黑" panose="020B0503020204020204" pitchFamily="34" charset="-122"/>
+                <a:ea typeface="微软雅黑" panose="020B0503020204020204" pitchFamily="34" charset="-122"/>
+              </a:rPr>
+              <a:t>Booch</a:t>
+            </a:r>
+            <a:r>
               <a:rPr lang="en-US" altLang="zh-CN" dirty="0" smtClean="0">
                 <a:latin typeface="微软雅黑" panose="020B0503020204020204" pitchFamily="34" charset="-122"/>
                 <a:ea typeface="微软雅黑" panose="020B0503020204020204" pitchFamily="34" charset="-122"/>
               </a:rPr>
-              <a:t>Booch’93</a:t>
+              <a:t> 1993</a:t>
             </a:r>
           </a:p>
           <a:p>
@@ -12010,6 +12601,13 @@
                 <a:ea typeface="微软雅黑" panose="020B0503020204020204" pitchFamily="34" charset="-122"/>
               </a:rPr>
               <a:t>)</a:t>
+            </a:r>
+            <a:r>
+              <a:rPr lang="zh-CN" altLang="en-US" dirty="0" smtClean="0">
+                <a:latin typeface="微软雅黑" panose="020B0503020204020204" pitchFamily="34" charset="-122"/>
+                <a:ea typeface="微软雅黑" panose="020B0503020204020204" pitchFamily="34" charset="-122"/>
+              </a:rPr>
+              <a:t>等</a:t>
             </a:r>
             <a:endParaRPr lang="zh-CN" altLang="en-US" dirty="0">
               <a:latin typeface="微软雅黑" panose="020B0503020204020204" pitchFamily="34" charset="-122"/>
@@ -12057,21 +12655,14 @@
                 <a:latin typeface="微软雅黑" panose="020B0503020204020204" pitchFamily="34" charset="-122"/>
                 <a:ea typeface="微软雅黑" panose="020B0503020204020204" pitchFamily="34" charset="-122"/>
               </a:rPr>
-              <a:t>UML0.9</a:t>
-            </a:r>
-            <a:r>
-              <a:rPr lang="zh-CN" altLang="en-US" dirty="0">
-                <a:latin typeface="微软雅黑" panose="020B0503020204020204" pitchFamily="34" charset="-122"/>
-                <a:ea typeface="微软雅黑" panose="020B0503020204020204" pitchFamily="34" charset="-122"/>
-              </a:rPr>
-              <a:t> </a:t>
+              <a:t>UML0.8</a:t>
             </a:r>
             <a:r>
               <a:rPr lang="zh-CN" altLang="en-US" dirty="0" smtClean="0">
                 <a:latin typeface="微软雅黑" panose="020B0503020204020204" pitchFamily="34" charset="-122"/>
                 <a:ea typeface="微软雅黑" panose="020B0503020204020204" pitchFamily="34" charset="-122"/>
               </a:rPr>
-              <a:t>  </a:t>
+              <a:t>   </a:t>
             </a:r>
             <a:r>
               <a:rPr lang="en-US" altLang="zh-CN" dirty="0" err="1" smtClean="0">
@@ -12081,6 +12672,13 @@
               <a:t>Booch</a:t>
             </a:r>
             <a:r>
+              <a:rPr lang="en-US" altLang="zh-CN" dirty="0" smtClean="0">
+                <a:latin typeface="微软雅黑" panose="020B0503020204020204" pitchFamily="34" charset="-122"/>
+                <a:ea typeface="微软雅黑" panose="020B0503020204020204" pitchFamily="34" charset="-122"/>
+              </a:rPr>
+              <a:t> 1993</a:t>
+            </a:r>
+            <a:r>
               <a:rPr lang="zh-CN" altLang="en-US" dirty="0" smtClean="0">
                 <a:latin typeface="微软雅黑" panose="020B0503020204020204" pitchFamily="34" charset="-122"/>
                 <a:ea typeface="微软雅黑" panose="020B0503020204020204" pitchFamily="34" charset="-122"/>
@@ -12088,11 +12686,18 @@
               <a:t>和</a:t>
             </a:r>
             <a:r>
-              <a:rPr lang="en-US" altLang="zh-CN" dirty="0" err="1" smtClean="0">
+              <a:rPr lang="en-US" altLang="zh-CN" dirty="0" smtClean="0">
                 <a:latin typeface="微软雅黑" panose="020B0503020204020204" pitchFamily="34" charset="-122"/>
                 <a:ea typeface="微软雅黑" panose="020B0503020204020204" pitchFamily="34" charset="-122"/>
               </a:rPr>
-              <a:t>Rumbaugh</a:t>
+              <a:t>OMT-2</a:t>
+            </a:r>
+            <a:r>
+              <a:rPr lang="zh-CN" altLang="en-US" dirty="0" smtClean="0">
+                <a:latin typeface="微软雅黑" panose="020B0503020204020204" pitchFamily="34" charset="-122"/>
+                <a:ea typeface="微软雅黑" panose="020B0503020204020204" pitchFamily="34" charset="-122"/>
+              </a:rPr>
+              <a:t>统一</a:t>
             </a:r>
             <a:endParaRPr lang="en-US" altLang="zh-CN" dirty="0" smtClean="0">
               <a:latin typeface="微软雅黑" panose="020B0503020204020204" pitchFamily="34" charset="-122"/>
@@ -12127,7 +12732,7 @@
                 <a:latin typeface="微软雅黑" panose="020B0503020204020204" pitchFamily="34" charset="-122"/>
                 <a:ea typeface="微软雅黑" panose="020B0503020204020204" pitchFamily="34" charset="-122"/>
               </a:rPr>
-              <a:t>1997 </a:t>
+              <a:t>1996 </a:t>
             </a:r>
             <a:endParaRPr lang="en-US" altLang="zh-CN" dirty="0">
               <a:latin typeface="微软雅黑" panose="020B0503020204020204" pitchFamily="34" charset="-122"/>
@@ -12140,70 +12745,49 @@
                 <a:latin typeface="微软雅黑" panose="020B0503020204020204" pitchFamily="34" charset="-122"/>
                 <a:ea typeface="微软雅黑" panose="020B0503020204020204" pitchFamily="34" charset="-122"/>
               </a:rPr>
-              <a:t>UML1.1</a:t>
+              <a:t>UML0.9</a:t>
             </a:r>
             <a:r>
               <a:rPr lang="zh-CN" altLang="en-US" dirty="0" smtClean="0">
                 <a:latin typeface="微软雅黑" panose="020B0503020204020204" pitchFamily="34" charset="-122"/>
                 <a:ea typeface="微软雅黑" panose="020B0503020204020204" pitchFamily="34" charset="-122"/>
               </a:rPr>
-              <a:t>标准</a:t>
+              <a:t>和</a:t>
             </a:r>
             <a:r>
               <a:rPr lang="en-US" altLang="zh-CN" dirty="0" smtClean="0">
                 <a:latin typeface="微软雅黑" panose="020B0503020204020204" pitchFamily="34" charset="-122"/>
                 <a:ea typeface="微软雅黑" panose="020B0503020204020204" pitchFamily="34" charset="-122"/>
               </a:rPr>
-              <a:t>  IBM  </a:t>
+              <a:t>UML0.91</a:t>
             </a:r>
             <a:r>
               <a:rPr lang="zh-CN" altLang="en-US" dirty="0" smtClean="0">
                 <a:latin typeface="微软雅黑" panose="020B0503020204020204" pitchFamily="34" charset="-122"/>
                 <a:ea typeface="微软雅黑" panose="020B0503020204020204" pitchFamily="34" charset="-122"/>
               </a:rPr>
-              <a:t>三剑客</a:t>
-            </a:r>
-            <a:r>
-              <a:rPr lang="en-US" altLang="zh-CN" dirty="0" err="1" smtClean="0">
+              <a:t>并将</a:t>
+            </a:r>
+            <a:r>
+              <a:rPr lang="en-US" altLang="zh-CN" dirty="0" smtClean="0">
                 <a:latin typeface="微软雅黑" panose="020B0503020204020204" pitchFamily="34" charset="-122"/>
                 <a:ea typeface="微软雅黑" panose="020B0503020204020204" pitchFamily="34" charset="-122"/>
               </a:rPr>
-              <a:t>Booch</a:t>
+              <a:t>UM</a:t>
             </a:r>
             <a:r>
               <a:rPr lang="zh-CN" altLang="en-US" dirty="0" smtClean="0">
                 <a:latin typeface="微软雅黑" panose="020B0503020204020204" pitchFamily="34" charset="-122"/>
                 <a:ea typeface="微软雅黑" panose="020B0503020204020204" pitchFamily="34" charset="-122"/>
               </a:rPr>
-              <a:t>、</a:t>
-            </a:r>
-            <a:r>
-              <a:rPr lang="en-US" altLang="zh-CN" dirty="0" err="1" smtClean="0">
+              <a:t>重新命名</a:t>
+            </a:r>
+            <a:r>
+              <a:rPr lang="en-US" altLang="zh-CN" dirty="0" smtClean="0">
                 <a:latin typeface="微软雅黑" panose="020B0503020204020204" pitchFamily="34" charset="-122"/>
                 <a:ea typeface="微软雅黑" panose="020B0503020204020204" pitchFamily="34" charset="-122"/>
               </a:rPr>
-              <a:t>Rumbaugh</a:t>
-            </a:r>
-            <a:r>
-              <a:rPr lang="zh-CN" altLang="en-US" dirty="0" smtClean="0">
-                <a:latin typeface="微软雅黑" panose="020B0503020204020204" pitchFamily="34" charset="-122"/>
-                <a:ea typeface="微软雅黑" panose="020B0503020204020204" pitchFamily="34" charset="-122"/>
-              </a:rPr>
-              <a:t>、</a:t>
-            </a:r>
-            <a:r>
-              <a:rPr lang="en-US" altLang="zh-CN" dirty="0" err="1" smtClean="0">
-                <a:latin typeface="微软雅黑" panose="020B0503020204020204" pitchFamily="34" charset="-122"/>
-                <a:ea typeface="微软雅黑" panose="020B0503020204020204" pitchFamily="34" charset="-122"/>
-              </a:rPr>
-              <a:t>Jacbson</a:t>
-            </a:r>
-            <a:r>
-              <a:rPr lang="zh-CN" altLang="en-US" dirty="0" smtClean="0">
-                <a:latin typeface="微软雅黑" panose="020B0503020204020204" pitchFamily="34" charset="-122"/>
-                <a:ea typeface="微软雅黑" panose="020B0503020204020204" pitchFamily="34" charset="-122"/>
-              </a:rPr>
-              <a:t>三剑合璧</a:t>
+              <a:t>UML</a:t>
             </a:r>
             <a:endParaRPr lang="zh-CN" altLang="en-US" dirty="0">
               <a:latin typeface="微软雅黑" panose="020B0503020204020204" pitchFamily="34" charset="-122"/>
@@ -12221,7 +12805,7 @@
         <p:spPr>
           <a:xfrm>
             <a:off x="5147344" y="5192763"/>
-            <a:ext cx="2906656" cy="369332"/>
+            <a:ext cx="2906656" cy="646331"/>
           </a:xfrm>
           <a:prstGeom prst="rect">
             <a:avLst/>
@@ -12238,15 +12822,75 @@
                 <a:latin typeface="微软雅黑" panose="020B0503020204020204" pitchFamily="34" charset="-122"/>
                 <a:ea typeface="微软雅黑" panose="020B0503020204020204" pitchFamily="34" charset="-122"/>
               </a:rPr>
-              <a:t>OMG</a:t>
+              <a:t>1997</a:t>
+            </a:r>
+          </a:p>
+          <a:p>
+            <a:r>
+              <a:rPr lang="en-US" altLang="zh-CN" dirty="0" smtClean="0">
+                <a:latin typeface="微软雅黑" panose="020B0503020204020204" pitchFamily="34" charset="-122"/>
+                <a:ea typeface="微软雅黑" panose="020B0503020204020204" pitchFamily="34" charset="-122"/>
+              </a:rPr>
+              <a:t>UML1.0</a:t>
             </a:r>
             <a:r>
               <a:rPr lang="zh-CN" altLang="en-US" dirty="0" smtClean="0">
                 <a:latin typeface="微软雅黑" panose="020B0503020204020204" pitchFamily="34" charset="-122"/>
                 <a:ea typeface="微软雅黑" panose="020B0503020204020204" pitchFamily="34" charset="-122"/>
               </a:rPr>
-              <a:t>将</a:t>
-            </a:r>
+              <a:t>、</a:t>
+            </a:r>
+            <a:r>
+              <a:rPr lang="en-US" altLang="zh-CN" dirty="0" smtClean="0">
+                <a:latin typeface="微软雅黑" panose="020B0503020204020204" pitchFamily="34" charset="-122"/>
+                <a:ea typeface="微软雅黑" panose="020B0503020204020204" pitchFamily="34" charset="-122"/>
+              </a:rPr>
+              <a:t>UML1.1</a:t>
+            </a:r>
+            <a:r>
+              <a:rPr lang="zh-CN" altLang="en-US" dirty="0" smtClean="0">
+                <a:latin typeface="微软雅黑" panose="020B0503020204020204" pitchFamily="34" charset="-122"/>
+                <a:ea typeface="微软雅黑" panose="020B0503020204020204" pitchFamily="34" charset="-122"/>
+              </a:rPr>
+              <a:t>问世</a:t>
+            </a:r>
+            <a:endParaRPr lang="en-US" altLang="zh-CN" dirty="0">
+              <a:latin typeface="微软雅黑" panose="020B0503020204020204" pitchFamily="34" charset="-122"/>
+              <a:ea typeface="微软雅黑" panose="020B0503020204020204" pitchFamily="34" charset="-122"/>
+            </a:endParaRPr>
+          </a:p>
+        </p:txBody>
+      </p:sp>
+      <p:sp>
+        <p:nvSpPr>
+          <p:cNvPr id="10" name="矩形 9"/>
+          <p:cNvSpPr/>
+          <p:nvPr/>
+        </p:nvSpPr>
+        <p:spPr>
+          <a:xfrm>
+            <a:off x="5755533" y="5839094"/>
+            <a:ext cx="2906656" cy="646331"/>
+          </a:xfrm>
+          <a:prstGeom prst="rect">
+            <a:avLst/>
+          </a:prstGeom>
+        </p:spPr>
+        <p:txBody>
+          <a:bodyPr wrap="square">
+            <a:spAutoFit/>
+          </a:bodyPr>
+          <a:lstStyle/>
+          <a:p>
+            <a:r>
+              <a:rPr lang="en-US" altLang="zh-CN" dirty="0" smtClean="0">
+                <a:latin typeface="微软雅黑" panose="020B0503020204020204" pitchFamily="34" charset="-122"/>
+                <a:ea typeface="微软雅黑" panose="020B0503020204020204" pitchFamily="34" charset="-122"/>
+              </a:rPr>
+              <a:t>1997.11.04</a:t>
+            </a:r>
+          </a:p>
+          <a:p>
             <a:r>
               <a:rPr lang="en-US" altLang="zh-CN" dirty="0" smtClean="0">
                 <a:latin typeface="微软雅黑" panose="020B0503020204020204" pitchFamily="34" charset="-122"/>
@@ -12259,7 +12903,21 @@
                 <a:latin typeface="微软雅黑" panose="020B0503020204020204" pitchFamily="34" charset="-122"/>
                 <a:ea typeface="微软雅黑" panose="020B0503020204020204" pitchFamily="34" charset="-122"/>
               </a:rPr>
-              <a:t>作为标准公布</a:t>
+              <a:t>被</a:t>
+            </a:r>
+            <a:r>
+              <a:rPr lang="en-US" altLang="zh-CN" dirty="0" smtClean="0">
+                <a:latin typeface="微软雅黑" panose="020B0503020204020204" pitchFamily="34" charset="-122"/>
+                <a:ea typeface="微软雅黑" panose="020B0503020204020204" pitchFamily="34" charset="-122"/>
+              </a:rPr>
+              <a:t>OMG</a:t>
+            </a:r>
+            <a:r>
+              <a:rPr lang="zh-CN" altLang="en-US" dirty="0" smtClean="0">
+                <a:latin typeface="微软雅黑" panose="020B0503020204020204" pitchFamily="34" charset="-122"/>
+                <a:ea typeface="微软雅黑" panose="020B0503020204020204" pitchFamily="34" charset="-122"/>
+              </a:rPr>
+              <a:t>采纳</a:t>
             </a:r>
             <a:endParaRPr lang="en-US" altLang="zh-CN" dirty="0">
               <a:latin typeface="微软雅黑" panose="020B0503020204020204" pitchFamily="34" charset="-122"/>
@@ -12268,6 +12926,47 @@
           </a:p>
         </p:txBody>
       </p:sp>
+      <p:pic>
+        <p:nvPicPr>
+          <p:cNvPr id="11" name="Picture 2" descr="C:\Users\admin\Desktop\G20文档\绘画图\logo透明.png"/>
+          <p:cNvPicPr>
+            <a:picLocks noChangeAspect="1" noChangeArrowheads="1"/>
+          </p:cNvPicPr>
+          <p:nvPr/>
+        </p:nvPicPr>
+        <p:blipFill>
+          <a:blip r:embed="rId2" cstate="print">
+            <a:extLst>
+              <a:ext uri="{28A0092B-C50C-407E-A947-70E740481C1C}">
+                <a14:useLocalDpi xmlns:a14="http://schemas.microsoft.com/office/drawing/2010/main" val="0"/>
+              </a:ext>
+            </a:extLst>
+          </a:blip>
+          <a:srcRect/>
+          <a:stretch>
+            <a:fillRect/>
+          </a:stretch>
+        </p:blipFill>
+        <p:spPr bwMode="auto">
+          <a:xfrm>
+            <a:off x="0" y="-679904"/>
+            <a:ext cx="2454275" cy="2454275"/>
+          </a:xfrm>
+          <a:prstGeom prst="rect">
+            <a:avLst/>
+          </a:prstGeom>
+          <a:noFill/>
+          <a:extLst>
+            <a:ext uri="{909E8E84-426E-40DD-AFC4-6F175D3DCCD1}">
+              <a14:hiddenFill xmlns:a14="http://schemas.microsoft.com/office/drawing/2010/main">
+                <a:solidFill>
+                  <a:srgbClr val="FFFFFF"/>
+                </a:solidFill>
+              </a14:hiddenFill>
+            </a:ext>
+          </a:extLst>
+        </p:spPr>
+      </p:pic>
     </p:spTree>
     <p:extLst>
       <p:ext uri="{BB962C8B-B14F-4D97-AF65-F5344CB8AC3E}">
@@ -12892,6 +13591,105 @@
                       </p:childTnLst>
                     </p:cTn>
                   </p:par>
+                  <p:par>
+                    <p:cTn id="45" fill="hold">
+                      <p:stCondLst>
+                        <p:cond delay="indefinite"/>
+                      </p:stCondLst>
+                      <p:childTnLst>
+                        <p:par>
+                          <p:cTn id="46" fill="hold">
+                            <p:stCondLst>
+                              <p:cond delay="0"/>
+                            </p:stCondLst>
+                            <p:childTnLst>
+                              <p:par>
+                                <p:cTn id="47" presetID="42" presetClass="entr" presetSubtype="0" fill="hold" grpId="0" nodeType="clickEffect">
+                                  <p:stCondLst>
+                                    <p:cond delay="0"/>
+                                  </p:stCondLst>
+                                  <p:childTnLst>
+                                    <p:set>
+                                      <p:cBhvr>
+                                        <p:cTn id="48" dur="1" fill="hold">
+                                          <p:stCondLst>
+                                            <p:cond delay="0"/>
+                                          </p:stCondLst>
+                                        </p:cTn>
+                                        <p:tgtEl>
+                                          <p:spTgt spid="10"/>
+                                        </p:tgtEl>
+                                        <p:attrNameLst>
+                                          <p:attrName>style.visibility</p:attrName>
+                                        </p:attrNameLst>
+                                      </p:cBhvr>
+                                      <p:to>
+                                        <p:strVal val="visible"/>
+                                      </p:to>
+                                    </p:set>
+                                    <p:animEffect transition="in" filter="fade">
+                                      <p:cBhvr>
+                                        <p:cTn id="49" dur="1000"/>
+                                        <p:tgtEl>
+                                          <p:spTgt spid="10"/>
+                                        </p:tgtEl>
+                                      </p:cBhvr>
+                                    </p:animEffect>
+                                    <p:anim calcmode="lin" valueType="num">
+                                      <p:cBhvr>
+                                        <p:cTn id="50" dur="1000" fill="hold"/>
+                                        <p:tgtEl>
+                                          <p:spTgt spid="10"/>
+                                        </p:tgtEl>
+                                        <p:attrNameLst>
+                                          <p:attrName>ppt_x</p:attrName>
+                                        </p:attrNameLst>
+                                      </p:cBhvr>
+                                      <p:tavLst>
+                                        <p:tav tm="0">
+                                          <p:val>
+                                            <p:strVal val="#ppt_x"/>
+                                          </p:val>
+                                        </p:tav>
+                                        <p:tav tm="100000">
+                                          <p:val>
+                                            <p:strVal val="#ppt_x"/>
+                                          </p:val>
+                                        </p:tav>
+                                      </p:tavLst>
+                                    </p:anim>
+                                    <p:anim calcmode="lin" valueType="num">
+                                      <p:cBhvr>
+                                        <p:cTn id="51" dur="1000" fill="hold"/>
+                                        <p:tgtEl>
+                                          <p:spTgt spid="10"/>
+                                        </p:tgtEl>
+                                        <p:attrNameLst>
+                                          <p:attrName>ppt_y</p:attrName>
+                                        </p:attrNameLst>
+                                      </p:cBhvr>
+                                      <p:tavLst>
+                                        <p:tav tm="0">
+                                          <p:val>
+                                            <p:strVal val="#ppt_y+.1"/>
+                                          </p:val>
+                                        </p:tav>
+                                        <p:tav tm="100000">
+                                          <p:val>
+                                            <p:strVal val="#ppt_y"/>
+                                          </p:val>
+                                        </p:tav>
+                                      </p:tavLst>
+                                    </p:anim>
+                                  </p:childTnLst>
+                                </p:cTn>
+                              </p:par>
+                            </p:childTnLst>
+                          </p:cTn>
+                        </p:par>
+                      </p:childTnLst>
+                    </p:cTn>
+                  </p:par>
                 </p:childTnLst>
               </p:cTn>
               <p:prevCondLst>
@@ -12920,12 +13718,2088 @@
       <p:bldP spid="7" grpId="0"/>
       <p:bldP spid="8" grpId="0"/>
       <p:bldP spid="9" grpId="0"/>
+      <p:bldP spid="10" grpId="0"/>
     </p:bldLst>
   </p:timing>
 </p:sld>
 </file>
 
 <file path=ppt/slides/slide7.xml><?xml version="1.0" encoding="utf-8"?>
+<p:sld xmlns:a="http://schemas.openxmlformats.org/drawingml/2006/main" xmlns:r="http://schemas.openxmlformats.org/officeDocument/2006/relationships" xmlns:p="http://schemas.openxmlformats.org/presentationml/2006/main">
+  <p:cSld>
+    <p:spTree>
+      <p:nvGrpSpPr>
+        <p:cNvPr id="1" name=""/>
+        <p:cNvGrpSpPr/>
+        <p:nvPr/>
+      </p:nvGrpSpPr>
+      <p:grpSpPr>
+        <a:xfrm>
+          <a:off x="0" y="0"/>
+          <a:ext cx="0" cy="0"/>
+          <a:chOff x="0" y="0"/>
+          <a:chExt cx="0" cy="0"/>
+        </a:xfrm>
+      </p:grpSpPr>
+      <p:sp>
+        <p:nvSpPr>
+          <p:cNvPr id="3" name="矩形 2"/>
+          <p:cNvSpPr/>
+          <p:nvPr/>
+        </p:nvSpPr>
+        <p:spPr>
+          <a:xfrm>
+            <a:off x="1631577" y="855694"/>
+            <a:ext cx="2967318" cy="369332"/>
+          </a:xfrm>
+          <a:prstGeom prst="rect">
+            <a:avLst/>
+          </a:prstGeom>
+        </p:spPr>
+        <p:txBody>
+          <a:bodyPr wrap="square">
+            <a:spAutoFit/>
+          </a:bodyPr>
+          <a:lstStyle/>
+          <a:p>
+            <a:r>
+              <a:rPr lang="en-US" altLang="zh-CN" dirty="0" smtClean="0">
+                <a:latin typeface="微软雅黑" panose="020B0503020204020204" pitchFamily="34" charset="-122"/>
+                <a:ea typeface="微软雅黑" panose="020B0503020204020204" pitchFamily="34" charset="-122"/>
+              </a:rPr>
+              <a:t>UML</a:t>
+            </a:r>
+            <a:r>
+              <a:rPr lang="zh-CN" altLang="en-US" dirty="0" smtClean="0">
+                <a:latin typeface="微软雅黑" panose="020B0503020204020204" pitchFamily="34" charset="-122"/>
+                <a:ea typeface="微软雅黑" panose="020B0503020204020204" pitchFamily="34" charset="-122"/>
+              </a:rPr>
+              <a:t>中的事物</a:t>
+            </a:r>
+            <a:endParaRPr lang="zh-CN" altLang="en-US" dirty="0">
+              <a:latin typeface="微软雅黑" panose="020B0503020204020204" pitchFamily="34" charset="-122"/>
+              <a:ea typeface="微软雅黑" panose="020B0503020204020204" pitchFamily="34" charset="-122"/>
+            </a:endParaRPr>
+          </a:p>
+        </p:txBody>
+      </p:sp>
+      <p:sp>
+        <p:nvSpPr>
+          <p:cNvPr id="2" name="文本框 1"/>
+          <p:cNvSpPr txBox="1"/>
+          <p:nvPr/>
+        </p:nvSpPr>
+        <p:spPr>
+          <a:xfrm>
+            <a:off x="2987898" y="3168202"/>
+            <a:ext cx="3709116" cy="584775"/>
+          </a:xfrm>
+          <a:prstGeom prst="rect">
+            <a:avLst/>
+          </a:prstGeom>
+          <a:noFill/>
+        </p:spPr>
+        <p:txBody>
+          <a:bodyPr wrap="square" rtlCol="0">
+            <a:spAutoFit/>
+          </a:bodyPr>
+          <a:lstStyle/>
+          <a:p>
+            <a:r>
+              <a:rPr lang="en-US" altLang="zh-CN" sz="3200" dirty="0" smtClean="0"/>
+              <a:t>UML</a:t>
+            </a:r>
+            <a:r>
+              <a:rPr lang="zh-CN" altLang="en-US" sz="3200" dirty="0" smtClean="0"/>
+              <a:t>包含几种事物？</a:t>
+            </a:r>
+            <a:endParaRPr lang="zh-CN" altLang="en-US" sz="3200" dirty="0"/>
+          </a:p>
+        </p:txBody>
+      </p:sp>
+      <p:sp>
+        <p:nvSpPr>
+          <p:cNvPr id="6" name="文本框 5"/>
+          <p:cNvSpPr txBox="1"/>
+          <p:nvPr/>
+        </p:nvSpPr>
+        <p:spPr>
+          <a:xfrm>
+            <a:off x="6697014" y="3168202"/>
+            <a:ext cx="3837904" cy="584775"/>
+          </a:xfrm>
+          <a:prstGeom prst="rect">
+            <a:avLst/>
+          </a:prstGeom>
+          <a:noFill/>
+        </p:spPr>
+        <p:txBody>
+          <a:bodyPr wrap="square" rtlCol="0">
+            <a:spAutoFit/>
+          </a:bodyPr>
+          <a:lstStyle/>
+          <a:p>
+            <a:r>
+              <a:rPr lang="zh-CN" altLang="en-US" sz="3200" dirty="0" smtClean="0"/>
+              <a:t>有哪几种？</a:t>
+            </a:r>
+            <a:endParaRPr lang="zh-CN" altLang="en-US" sz="3200" dirty="0"/>
+          </a:p>
+        </p:txBody>
+      </p:sp>
+      <p:sp>
+        <p:nvSpPr>
+          <p:cNvPr id="7" name="文本框 6"/>
+          <p:cNvSpPr txBox="1"/>
+          <p:nvPr/>
+        </p:nvSpPr>
+        <p:spPr>
+          <a:xfrm>
+            <a:off x="1764406" y="1828800"/>
+            <a:ext cx="9234152" cy="369332"/>
+          </a:xfrm>
+          <a:prstGeom prst="rect">
+            <a:avLst/>
+          </a:prstGeom>
+          <a:noFill/>
+        </p:spPr>
+        <p:txBody>
+          <a:bodyPr wrap="square" rtlCol="0">
+            <a:spAutoFit/>
+          </a:bodyPr>
+          <a:lstStyle/>
+          <a:p>
+            <a:r>
+              <a:rPr lang="zh-CN" altLang="en-US" dirty="0" smtClean="0"/>
+              <a:t>答对啦！</a:t>
+            </a:r>
+            <a:r>
+              <a:rPr lang="en-US" altLang="zh-CN" dirty="0" smtClean="0"/>
+              <a:t>UML</a:t>
+            </a:r>
+            <a:r>
+              <a:rPr lang="zh-CN" altLang="en-US" dirty="0" smtClean="0"/>
+              <a:t>包含</a:t>
+            </a:r>
+            <a:r>
+              <a:rPr lang="en-US" altLang="zh-CN" dirty="0" smtClean="0"/>
+              <a:t>4</a:t>
+            </a:r>
+            <a:r>
+              <a:rPr lang="zh-CN" altLang="en-US" dirty="0" smtClean="0"/>
+              <a:t>种事物：构件事物、行为事物、分组事物和注释事物</a:t>
+            </a:r>
+            <a:endParaRPr lang="zh-CN" altLang="en-US" dirty="0"/>
+          </a:p>
+        </p:txBody>
+      </p:sp>
+      <p:sp>
+        <p:nvSpPr>
+          <p:cNvPr id="8" name="文本框 7"/>
+          <p:cNvSpPr txBox="1"/>
+          <p:nvPr/>
+        </p:nvSpPr>
+        <p:spPr>
+          <a:xfrm>
+            <a:off x="1764406" y="2504661"/>
+            <a:ext cx="4543629" cy="523220"/>
+          </a:xfrm>
+          <a:prstGeom prst="rect">
+            <a:avLst/>
+          </a:prstGeom>
+          <a:noFill/>
+        </p:spPr>
+        <p:txBody>
+          <a:bodyPr wrap="square" rtlCol="0">
+            <a:spAutoFit/>
+          </a:bodyPr>
+          <a:lstStyle/>
+          <a:p>
+            <a:r>
+              <a:rPr lang="zh-CN" altLang="en-US" sz="2800" dirty="0" smtClean="0"/>
+              <a:t>构建事物</a:t>
+            </a:r>
+            <a:endParaRPr lang="zh-CN" altLang="en-US" sz="2800" dirty="0"/>
+          </a:p>
+        </p:txBody>
+      </p:sp>
+      <p:sp>
+        <p:nvSpPr>
+          <p:cNvPr id="9" name="左大括号 8"/>
+          <p:cNvSpPr/>
+          <p:nvPr/>
+        </p:nvSpPr>
+        <p:spPr>
+          <a:xfrm>
+            <a:off x="3332454" y="1672967"/>
+            <a:ext cx="807992" cy="2186608"/>
+          </a:xfrm>
+          <a:prstGeom prst="leftBrace">
+            <a:avLst/>
+          </a:prstGeom>
+        </p:spPr>
+        <p:style>
+          <a:lnRef idx="1">
+            <a:schemeClr val="accent1"/>
+          </a:lnRef>
+          <a:fillRef idx="0">
+            <a:schemeClr val="accent1"/>
+          </a:fillRef>
+          <a:effectRef idx="0">
+            <a:schemeClr val="accent1"/>
+          </a:effectRef>
+          <a:fontRef idx="minor">
+            <a:schemeClr val="tx1"/>
+          </a:fontRef>
+        </p:style>
+        <p:txBody>
+          <a:bodyPr rtlCol="0" anchor="ctr"/>
+          <a:lstStyle/>
+          <a:p>
+            <a:pPr algn="ctr"/>
+            <a:endParaRPr lang="zh-CN" altLang="en-US"/>
+          </a:p>
+        </p:txBody>
+      </p:sp>
+      <p:sp>
+        <p:nvSpPr>
+          <p:cNvPr id="11" name="文本框 10"/>
+          <p:cNvSpPr txBox="1"/>
+          <p:nvPr/>
+        </p:nvSpPr>
+        <p:spPr>
+          <a:xfrm>
+            <a:off x="4140446" y="1481641"/>
+            <a:ext cx="1849537" cy="369332"/>
+          </a:xfrm>
+          <a:prstGeom prst="rect">
+            <a:avLst/>
+          </a:prstGeom>
+          <a:noFill/>
+        </p:spPr>
+        <p:txBody>
+          <a:bodyPr wrap="square" rtlCol="0">
+            <a:spAutoFit/>
+          </a:bodyPr>
+          <a:lstStyle/>
+          <a:p>
+            <a:r>
+              <a:rPr lang="zh-CN" altLang="en-US" dirty="0" smtClean="0"/>
+              <a:t>类</a:t>
+            </a:r>
+            <a:endParaRPr lang="zh-CN" altLang="en-US" dirty="0"/>
+          </a:p>
+        </p:txBody>
+      </p:sp>
+      <p:sp>
+        <p:nvSpPr>
+          <p:cNvPr id="12" name="文本框 11"/>
+          <p:cNvSpPr txBox="1"/>
+          <p:nvPr/>
+        </p:nvSpPr>
+        <p:spPr>
+          <a:xfrm>
+            <a:off x="4116280" y="2271755"/>
+            <a:ext cx="1849537" cy="369332"/>
+          </a:xfrm>
+          <a:prstGeom prst="rect">
+            <a:avLst/>
+          </a:prstGeom>
+          <a:noFill/>
+        </p:spPr>
+        <p:txBody>
+          <a:bodyPr wrap="square" rtlCol="0">
+            <a:spAutoFit/>
+          </a:bodyPr>
+          <a:lstStyle/>
+          <a:p>
+            <a:r>
+              <a:rPr lang="zh-CN" altLang="en-US" dirty="0" smtClean="0"/>
+              <a:t>接口</a:t>
+            </a:r>
+            <a:endParaRPr lang="zh-CN" altLang="en-US" dirty="0"/>
+          </a:p>
+        </p:txBody>
+      </p:sp>
+      <p:sp>
+        <p:nvSpPr>
+          <p:cNvPr id="13" name="文本框 12"/>
+          <p:cNvSpPr txBox="1"/>
+          <p:nvPr/>
+        </p:nvSpPr>
+        <p:spPr>
+          <a:xfrm>
+            <a:off x="4140444" y="1850669"/>
+            <a:ext cx="1849537" cy="369332"/>
+          </a:xfrm>
+          <a:prstGeom prst="rect">
+            <a:avLst/>
+          </a:prstGeom>
+          <a:noFill/>
+        </p:spPr>
+        <p:txBody>
+          <a:bodyPr wrap="square" rtlCol="0">
+            <a:spAutoFit/>
+          </a:bodyPr>
+          <a:lstStyle/>
+          <a:p>
+            <a:r>
+              <a:rPr lang="zh-CN" altLang="en-US" dirty="0" smtClean="0"/>
+              <a:t>协作</a:t>
+            </a:r>
+            <a:endParaRPr lang="zh-CN" altLang="en-US" dirty="0"/>
+          </a:p>
+        </p:txBody>
+      </p:sp>
+      <p:sp>
+        <p:nvSpPr>
+          <p:cNvPr id="14" name="文本框 13"/>
+          <p:cNvSpPr txBox="1"/>
+          <p:nvPr/>
+        </p:nvSpPr>
+        <p:spPr>
+          <a:xfrm>
+            <a:off x="4092114" y="2801906"/>
+            <a:ext cx="1849537" cy="369332"/>
+          </a:xfrm>
+          <a:prstGeom prst="rect">
+            <a:avLst/>
+          </a:prstGeom>
+          <a:noFill/>
+        </p:spPr>
+        <p:txBody>
+          <a:bodyPr wrap="square" rtlCol="0">
+            <a:spAutoFit/>
+          </a:bodyPr>
+          <a:lstStyle/>
+          <a:p>
+            <a:r>
+              <a:rPr lang="zh-CN" altLang="en-US" dirty="0" smtClean="0"/>
+              <a:t>用例</a:t>
+            </a:r>
+            <a:endParaRPr lang="zh-CN" altLang="en-US" dirty="0"/>
+          </a:p>
+        </p:txBody>
+      </p:sp>
+      <p:sp>
+        <p:nvSpPr>
+          <p:cNvPr id="15" name="文本框 14"/>
+          <p:cNvSpPr txBox="1"/>
+          <p:nvPr/>
+        </p:nvSpPr>
+        <p:spPr>
+          <a:xfrm>
+            <a:off x="4092114" y="3222992"/>
+            <a:ext cx="1849537" cy="369332"/>
+          </a:xfrm>
+          <a:prstGeom prst="rect">
+            <a:avLst/>
+          </a:prstGeom>
+          <a:noFill/>
+        </p:spPr>
+        <p:txBody>
+          <a:bodyPr wrap="square" rtlCol="0">
+            <a:spAutoFit/>
+          </a:bodyPr>
+          <a:lstStyle/>
+          <a:p>
+            <a:r>
+              <a:rPr lang="zh-CN" altLang="en-US" dirty="0" smtClean="0"/>
+              <a:t>构件</a:t>
+            </a:r>
+            <a:endParaRPr lang="zh-CN" altLang="en-US" dirty="0"/>
+          </a:p>
+        </p:txBody>
+      </p:sp>
+      <p:sp>
+        <p:nvSpPr>
+          <p:cNvPr id="16" name="文本框 15"/>
+          <p:cNvSpPr txBox="1"/>
+          <p:nvPr/>
+        </p:nvSpPr>
+        <p:spPr>
+          <a:xfrm>
+            <a:off x="4092113" y="3645806"/>
+            <a:ext cx="1849537" cy="369332"/>
+          </a:xfrm>
+          <a:prstGeom prst="rect">
+            <a:avLst/>
+          </a:prstGeom>
+          <a:noFill/>
+        </p:spPr>
+        <p:txBody>
+          <a:bodyPr wrap="square" rtlCol="0">
+            <a:spAutoFit/>
+          </a:bodyPr>
+          <a:lstStyle/>
+          <a:p>
+            <a:r>
+              <a:rPr lang="zh-CN" altLang="en-US" dirty="0" smtClean="0"/>
+              <a:t>节点</a:t>
+            </a:r>
+            <a:endParaRPr lang="zh-CN" altLang="en-US" dirty="0"/>
+          </a:p>
+        </p:txBody>
+      </p:sp>
+      <p:sp>
+        <p:nvSpPr>
+          <p:cNvPr id="17" name="文本框 16"/>
+          <p:cNvSpPr txBox="1"/>
+          <p:nvPr/>
+        </p:nvSpPr>
+        <p:spPr>
+          <a:xfrm>
+            <a:off x="6308035" y="2456421"/>
+            <a:ext cx="4543629" cy="523220"/>
+          </a:xfrm>
+          <a:prstGeom prst="rect">
+            <a:avLst/>
+          </a:prstGeom>
+          <a:noFill/>
+        </p:spPr>
+        <p:txBody>
+          <a:bodyPr wrap="square" rtlCol="0">
+            <a:spAutoFit/>
+          </a:bodyPr>
+          <a:lstStyle/>
+          <a:p>
+            <a:r>
+              <a:rPr lang="zh-CN" altLang="en-US" sz="2800" dirty="0" smtClean="0"/>
+              <a:t>行为事物</a:t>
+            </a:r>
+            <a:endParaRPr lang="zh-CN" altLang="en-US" sz="2800" dirty="0"/>
+          </a:p>
+        </p:txBody>
+      </p:sp>
+      <p:sp>
+        <p:nvSpPr>
+          <p:cNvPr id="18" name="左大括号 17"/>
+          <p:cNvSpPr/>
+          <p:nvPr/>
+        </p:nvSpPr>
+        <p:spPr>
+          <a:xfrm>
+            <a:off x="7977809" y="2398063"/>
+            <a:ext cx="265043" cy="770139"/>
+          </a:xfrm>
+          <a:prstGeom prst="leftBrace">
+            <a:avLst/>
+          </a:prstGeom>
+        </p:spPr>
+        <p:style>
+          <a:lnRef idx="1">
+            <a:schemeClr val="accent1"/>
+          </a:lnRef>
+          <a:fillRef idx="0">
+            <a:schemeClr val="accent1"/>
+          </a:fillRef>
+          <a:effectRef idx="0">
+            <a:schemeClr val="accent1"/>
+          </a:effectRef>
+          <a:fontRef idx="minor">
+            <a:schemeClr val="tx1"/>
+          </a:fontRef>
+        </p:style>
+        <p:txBody>
+          <a:bodyPr rtlCol="0" anchor="ctr"/>
+          <a:lstStyle/>
+          <a:p>
+            <a:pPr algn="ctr"/>
+            <a:endParaRPr lang="zh-CN" altLang="en-US"/>
+          </a:p>
+        </p:txBody>
+      </p:sp>
+      <p:sp>
+        <p:nvSpPr>
+          <p:cNvPr id="19" name="文本框 18"/>
+          <p:cNvSpPr txBox="1"/>
+          <p:nvPr/>
+        </p:nvSpPr>
+        <p:spPr>
+          <a:xfrm>
+            <a:off x="8242852" y="2242576"/>
+            <a:ext cx="1722783" cy="369332"/>
+          </a:xfrm>
+          <a:prstGeom prst="rect">
+            <a:avLst/>
+          </a:prstGeom>
+          <a:noFill/>
+        </p:spPr>
+        <p:txBody>
+          <a:bodyPr wrap="square" rtlCol="0">
+            <a:spAutoFit/>
+          </a:bodyPr>
+          <a:lstStyle/>
+          <a:p>
+            <a:r>
+              <a:rPr lang="zh-CN" altLang="en-US" dirty="0" smtClean="0"/>
+              <a:t>交互</a:t>
+            </a:r>
+            <a:endParaRPr lang="zh-CN" altLang="en-US" dirty="0"/>
+          </a:p>
+        </p:txBody>
+      </p:sp>
+      <p:sp>
+        <p:nvSpPr>
+          <p:cNvPr id="20" name="文本框 19"/>
+          <p:cNvSpPr txBox="1"/>
+          <p:nvPr/>
+        </p:nvSpPr>
+        <p:spPr>
+          <a:xfrm>
+            <a:off x="8238186" y="2954357"/>
+            <a:ext cx="1722783" cy="369332"/>
+          </a:xfrm>
+          <a:prstGeom prst="rect">
+            <a:avLst/>
+          </a:prstGeom>
+          <a:noFill/>
+        </p:spPr>
+        <p:txBody>
+          <a:bodyPr wrap="square" rtlCol="0">
+            <a:spAutoFit/>
+          </a:bodyPr>
+          <a:lstStyle/>
+          <a:p>
+            <a:r>
+              <a:rPr lang="zh-CN" altLang="en-US" dirty="0"/>
+              <a:t>状态机</a:t>
+            </a:r>
+          </a:p>
+        </p:txBody>
+      </p:sp>
+      <p:sp>
+        <p:nvSpPr>
+          <p:cNvPr id="23" name="文本框 22"/>
+          <p:cNvSpPr txBox="1"/>
+          <p:nvPr/>
+        </p:nvSpPr>
+        <p:spPr>
+          <a:xfrm>
+            <a:off x="1764405" y="4954456"/>
+            <a:ext cx="4543629" cy="523220"/>
+          </a:xfrm>
+          <a:prstGeom prst="rect">
+            <a:avLst/>
+          </a:prstGeom>
+          <a:noFill/>
+        </p:spPr>
+        <p:txBody>
+          <a:bodyPr wrap="square" rtlCol="0">
+            <a:spAutoFit/>
+          </a:bodyPr>
+          <a:lstStyle/>
+          <a:p>
+            <a:r>
+              <a:rPr lang="zh-CN" altLang="en-US" sz="2800" dirty="0" smtClean="0"/>
+              <a:t>分组事物</a:t>
+            </a:r>
+            <a:endParaRPr lang="zh-CN" altLang="en-US" sz="2800" dirty="0"/>
+          </a:p>
+        </p:txBody>
+      </p:sp>
+      <p:sp>
+        <p:nvSpPr>
+          <p:cNvPr id="24" name="文本框 23"/>
+          <p:cNvSpPr txBox="1"/>
+          <p:nvPr/>
+        </p:nvSpPr>
+        <p:spPr>
+          <a:xfrm>
+            <a:off x="6308035" y="4954456"/>
+            <a:ext cx="4543629" cy="523220"/>
+          </a:xfrm>
+          <a:prstGeom prst="rect">
+            <a:avLst/>
+          </a:prstGeom>
+          <a:noFill/>
+        </p:spPr>
+        <p:txBody>
+          <a:bodyPr wrap="square" rtlCol="0">
+            <a:spAutoFit/>
+          </a:bodyPr>
+          <a:lstStyle/>
+          <a:p>
+            <a:r>
+              <a:rPr lang="zh-CN" altLang="en-US" sz="2800" dirty="0" smtClean="0"/>
+              <a:t>注释事物</a:t>
+            </a:r>
+            <a:endParaRPr lang="zh-CN" altLang="en-US" sz="2800" dirty="0"/>
+          </a:p>
+        </p:txBody>
+      </p:sp>
+      <p:sp>
+        <p:nvSpPr>
+          <p:cNvPr id="25" name="文本框 24"/>
+          <p:cNvSpPr txBox="1"/>
+          <p:nvPr/>
+        </p:nvSpPr>
+        <p:spPr>
+          <a:xfrm>
+            <a:off x="3258353" y="5046525"/>
+            <a:ext cx="2140694" cy="923330"/>
+          </a:xfrm>
+          <a:prstGeom prst="rect">
+            <a:avLst/>
+          </a:prstGeom>
+          <a:noFill/>
+        </p:spPr>
+        <p:txBody>
+          <a:bodyPr wrap="square" rtlCol="0">
+            <a:spAutoFit/>
+          </a:bodyPr>
+          <a:lstStyle/>
+          <a:p>
+            <a:r>
+              <a:rPr lang="zh-CN" altLang="en-US" dirty="0" smtClean="0"/>
+              <a:t>主要由包来实现</a:t>
+            </a:r>
+            <a:endParaRPr lang="en-US" altLang="zh-CN" dirty="0" smtClean="0"/>
+          </a:p>
+          <a:p>
+            <a:r>
+              <a:rPr lang="zh-CN" altLang="en-US" dirty="0" smtClean="0"/>
+              <a:t>包：把元素编程成组的机制</a:t>
+            </a:r>
+            <a:endParaRPr lang="zh-CN" altLang="en-US" dirty="0"/>
+          </a:p>
+        </p:txBody>
+      </p:sp>
+      <p:sp>
+        <p:nvSpPr>
+          <p:cNvPr id="26" name="文本框 25"/>
+          <p:cNvSpPr txBox="1"/>
+          <p:nvPr/>
+        </p:nvSpPr>
+        <p:spPr>
+          <a:xfrm>
+            <a:off x="7821022" y="5031400"/>
+            <a:ext cx="2557109" cy="369332"/>
+          </a:xfrm>
+          <a:prstGeom prst="rect">
+            <a:avLst/>
+          </a:prstGeom>
+          <a:noFill/>
+        </p:spPr>
+        <p:txBody>
+          <a:bodyPr wrap="square" rtlCol="0">
+            <a:spAutoFit/>
+          </a:bodyPr>
+          <a:lstStyle/>
+          <a:p>
+            <a:r>
+              <a:rPr lang="zh-CN" altLang="en-US" dirty="0" smtClean="0"/>
+              <a:t>用于进行说明，解释</a:t>
+            </a:r>
+            <a:endParaRPr lang="zh-CN" altLang="en-US" dirty="0"/>
+          </a:p>
+        </p:txBody>
+      </p:sp>
+      <p:pic>
+        <p:nvPicPr>
+          <p:cNvPr id="22" name="Picture 2" descr="C:\Users\admin\Desktop\G20文档\绘画图\logo透明.png"/>
+          <p:cNvPicPr>
+            <a:picLocks noChangeAspect="1" noChangeArrowheads="1"/>
+          </p:cNvPicPr>
+          <p:nvPr/>
+        </p:nvPicPr>
+        <p:blipFill>
+          <a:blip r:embed="rId2" cstate="print">
+            <a:extLst>
+              <a:ext uri="{28A0092B-C50C-407E-A947-70E740481C1C}">
+                <a14:useLocalDpi xmlns:a14="http://schemas.microsoft.com/office/drawing/2010/main" val="0"/>
+              </a:ext>
+            </a:extLst>
+          </a:blip>
+          <a:srcRect/>
+          <a:stretch>
+            <a:fillRect/>
+          </a:stretch>
+        </p:blipFill>
+        <p:spPr bwMode="auto">
+          <a:xfrm>
+            <a:off x="0" y="-679904"/>
+            <a:ext cx="2454275" cy="2454275"/>
+          </a:xfrm>
+          <a:prstGeom prst="rect">
+            <a:avLst/>
+          </a:prstGeom>
+          <a:noFill/>
+          <a:extLst>
+            <a:ext uri="{909E8E84-426E-40DD-AFC4-6F175D3DCCD1}">
+              <a14:hiddenFill xmlns:a14="http://schemas.microsoft.com/office/drawing/2010/main">
+                <a:solidFill>
+                  <a:srgbClr val="FFFFFF"/>
+                </a:solidFill>
+              </a14:hiddenFill>
+            </a:ext>
+          </a:extLst>
+        </p:spPr>
+      </p:pic>
+    </p:spTree>
+    <p:extLst>
+      <p:ext uri="{BB962C8B-B14F-4D97-AF65-F5344CB8AC3E}">
+        <p14:creationId xmlns:p14="http://schemas.microsoft.com/office/powerpoint/2010/main" val="84921824"/>
+      </p:ext>
+    </p:extLst>
+  </p:cSld>
+  <p:clrMapOvr>
+    <a:masterClrMapping/>
+  </p:clrMapOvr>
+  <mc:AlternateContent xmlns:mc="http://schemas.openxmlformats.org/markup-compatibility/2006" xmlns:p14="http://schemas.microsoft.com/office/powerpoint/2010/main">
+    <mc:Choice Requires="p14">
+      <p:transition spd="slow" p14:dur="4000">
+        <p14:vortex dir="r"/>
+      </p:transition>
+    </mc:Choice>
+    <mc:Fallback xmlns="">
+      <p:transition spd="slow">
+        <p:fade/>
+      </p:transition>
+    </mc:Fallback>
+  </mc:AlternateContent>
+  <p:timing>
+    <p:tnLst>
+      <p:par>
+        <p:cTn id="1" dur="indefinite" restart="never" nodeType="tmRoot">
+          <p:childTnLst>
+            <p:seq concurrent="1" nextAc="seek">
+              <p:cTn id="2" dur="indefinite" nodeType="mainSeq">
+                <p:childTnLst>
+                  <p:par>
+                    <p:cTn id="3" fill="hold">
+                      <p:stCondLst>
+                        <p:cond delay="indefinite"/>
+                      </p:stCondLst>
+                      <p:childTnLst>
+                        <p:par>
+                          <p:cTn id="4" fill="hold">
+                            <p:stCondLst>
+                              <p:cond delay="0"/>
+                            </p:stCondLst>
+                            <p:childTnLst>
+                              <p:par>
+                                <p:cTn id="5" presetID="42" presetClass="entr" presetSubtype="0" fill="hold" grpId="0" nodeType="clickEffect">
+                                  <p:stCondLst>
+                                    <p:cond delay="0"/>
+                                  </p:stCondLst>
+                                  <p:childTnLst>
+                                    <p:set>
+                                      <p:cBhvr>
+                                        <p:cTn id="6" dur="1" fill="hold">
+                                          <p:stCondLst>
+                                            <p:cond delay="0"/>
+                                          </p:stCondLst>
+                                        </p:cTn>
+                                        <p:tgtEl>
+                                          <p:spTgt spid="3"/>
+                                        </p:tgtEl>
+                                        <p:attrNameLst>
+                                          <p:attrName>style.visibility</p:attrName>
+                                        </p:attrNameLst>
+                                      </p:cBhvr>
+                                      <p:to>
+                                        <p:strVal val="visible"/>
+                                      </p:to>
+                                    </p:set>
+                                    <p:animEffect transition="in" filter="fade">
+                                      <p:cBhvr>
+                                        <p:cTn id="7" dur="1000"/>
+                                        <p:tgtEl>
+                                          <p:spTgt spid="3"/>
+                                        </p:tgtEl>
+                                      </p:cBhvr>
+                                    </p:animEffect>
+                                    <p:anim calcmode="lin" valueType="num">
+                                      <p:cBhvr>
+                                        <p:cTn id="8" dur="1000" fill="hold"/>
+                                        <p:tgtEl>
+                                          <p:spTgt spid="3"/>
+                                        </p:tgtEl>
+                                        <p:attrNameLst>
+                                          <p:attrName>ppt_x</p:attrName>
+                                        </p:attrNameLst>
+                                      </p:cBhvr>
+                                      <p:tavLst>
+                                        <p:tav tm="0">
+                                          <p:val>
+                                            <p:strVal val="#ppt_x"/>
+                                          </p:val>
+                                        </p:tav>
+                                        <p:tav tm="100000">
+                                          <p:val>
+                                            <p:strVal val="#ppt_x"/>
+                                          </p:val>
+                                        </p:tav>
+                                      </p:tavLst>
+                                    </p:anim>
+                                    <p:anim calcmode="lin" valueType="num">
+                                      <p:cBhvr>
+                                        <p:cTn id="9" dur="1000" fill="hold"/>
+                                        <p:tgtEl>
+                                          <p:spTgt spid="3"/>
+                                        </p:tgtEl>
+                                        <p:attrNameLst>
+                                          <p:attrName>ppt_y</p:attrName>
+                                        </p:attrNameLst>
+                                      </p:cBhvr>
+                                      <p:tavLst>
+                                        <p:tav tm="0">
+                                          <p:val>
+                                            <p:strVal val="#ppt_y+.1"/>
+                                          </p:val>
+                                        </p:tav>
+                                        <p:tav tm="100000">
+                                          <p:val>
+                                            <p:strVal val="#ppt_y"/>
+                                          </p:val>
+                                        </p:tav>
+                                      </p:tavLst>
+                                    </p:anim>
+                                  </p:childTnLst>
+                                </p:cTn>
+                              </p:par>
+                            </p:childTnLst>
+                          </p:cTn>
+                        </p:par>
+                      </p:childTnLst>
+                    </p:cTn>
+                  </p:par>
+                  <p:par>
+                    <p:cTn id="10" fill="hold">
+                      <p:stCondLst>
+                        <p:cond delay="indefinite"/>
+                      </p:stCondLst>
+                      <p:childTnLst>
+                        <p:par>
+                          <p:cTn id="11" fill="hold">
+                            <p:stCondLst>
+                              <p:cond delay="0"/>
+                            </p:stCondLst>
+                            <p:childTnLst>
+                              <p:par>
+                                <p:cTn id="12" presetID="1" presetClass="entr" presetSubtype="0" fill="hold" grpId="1" nodeType="clickEffect">
+                                  <p:stCondLst>
+                                    <p:cond delay="0"/>
+                                  </p:stCondLst>
+                                  <p:childTnLst>
+                                    <p:set>
+                                      <p:cBhvr>
+                                        <p:cTn id="13" dur="1" fill="hold">
+                                          <p:stCondLst>
+                                            <p:cond delay="0"/>
+                                          </p:stCondLst>
+                                        </p:cTn>
+                                        <p:tgtEl>
+                                          <p:spTgt spid="2"/>
+                                        </p:tgtEl>
+                                        <p:attrNameLst>
+                                          <p:attrName>style.visibility</p:attrName>
+                                        </p:attrNameLst>
+                                      </p:cBhvr>
+                                      <p:to>
+                                        <p:strVal val="visible"/>
+                                      </p:to>
+                                    </p:set>
+                                  </p:childTnLst>
+                                </p:cTn>
+                              </p:par>
+                            </p:childTnLst>
+                          </p:cTn>
+                        </p:par>
+                      </p:childTnLst>
+                    </p:cTn>
+                  </p:par>
+                  <p:par>
+                    <p:cTn id="14" fill="hold">
+                      <p:stCondLst>
+                        <p:cond delay="indefinite"/>
+                      </p:stCondLst>
+                      <p:childTnLst>
+                        <p:par>
+                          <p:cTn id="15" fill="hold">
+                            <p:stCondLst>
+                              <p:cond delay="0"/>
+                            </p:stCondLst>
+                            <p:childTnLst>
+                              <p:par>
+                                <p:cTn id="16" presetID="2" presetClass="entr" presetSubtype="4" fill="hold" grpId="0" nodeType="clickEffect">
+                                  <p:stCondLst>
+                                    <p:cond delay="0"/>
+                                  </p:stCondLst>
+                                  <p:childTnLst>
+                                    <p:set>
+                                      <p:cBhvr>
+                                        <p:cTn id="17" dur="1" fill="hold">
+                                          <p:stCondLst>
+                                            <p:cond delay="0"/>
+                                          </p:stCondLst>
+                                        </p:cTn>
+                                        <p:tgtEl>
+                                          <p:spTgt spid="6"/>
+                                        </p:tgtEl>
+                                        <p:attrNameLst>
+                                          <p:attrName>style.visibility</p:attrName>
+                                        </p:attrNameLst>
+                                      </p:cBhvr>
+                                      <p:to>
+                                        <p:strVal val="visible"/>
+                                      </p:to>
+                                    </p:set>
+                                    <p:anim calcmode="lin" valueType="num">
+                                      <p:cBhvr additive="base">
+                                        <p:cTn id="18" dur="500" fill="hold"/>
+                                        <p:tgtEl>
+                                          <p:spTgt spid="6"/>
+                                        </p:tgtEl>
+                                        <p:attrNameLst>
+                                          <p:attrName>ppt_x</p:attrName>
+                                        </p:attrNameLst>
+                                      </p:cBhvr>
+                                      <p:tavLst>
+                                        <p:tav tm="0">
+                                          <p:val>
+                                            <p:strVal val="#ppt_x"/>
+                                          </p:val>
+                                        </p:tav>
+                                        <p:tav tm="100000">
+                                          <p:val>
+                                            <p:strVal val="#ppt_x"/>
+                                          </p:val>
+                                        </p:tav>
+                                      </p:tavLst>
+                                    </p:anim>
+                                    <p:anim calcmode="lin" valueType="num">
+                                      <p:cBhvr additive="base">
+                                        <p:cTn id="19" dur="500" fill="hold"/>
+                                        <p:tgtEl>
+                                          <p:spTgt spid="6"/>
+                                        </p:tgtEl>
+                                        <p:attrNameLst>
+                                          <p:attrName>ppt_y</p:attrName>
+                                        </p:attrNameLst>
+                                      </p:cBhvr>
+                                      <p:tavLst>
+                                        <p:tav tm="0">
+                                          <p:val>
+                                            <p:strVal val="1+#ppt_h/2"/>
+                                          </p:val>
+                                        </p:tav>
+                                        <p:tav tm="100000">
+                                          <p:val>
+                                            <p:strVal val="#ppt_y"/>
+                                          </p:val>
+                                        </p:tav>
+                                      </p:tavLst>
+                                    </p:anim>
+                                  </p:childTnLst>
+                                </p:cTn>
+                              </p:par>
+                            </p:childTnLst>
+                          </p:cTn>
+                        </p:par>
+                      </p:childTnLst>
+                    </p:cTn>
+                  </p:par>
+                  <p:par>
+                    <p:cTn id="20" fill="hold">
+                      <p:stCondLst>
+                        <p:cond delay="indefinite"/>
+                      </p:stCondLst>
+                      <p:childTnLst>
+                        <p:par>
+                          <p:cTn id="21" fill="hold">
+                            <p:stCondLst>
+                              <p:cond delay="0"/>
+                            </p:stCondLst>
+                            <p:childTnLst>
+                              <p:par>
+                                <p:cTn id="22" presetID="22" presetClass="exit" presetSubtype="4" fill="hold" grpId="0" nodeType="clickEffect">
+                                  <p:stCondLst>
+                                    <p:cond delay="0"/>
+                                  </p:stCondLst>
+                                  <p:childTnLst>
+                                    <p:animEffect transition="out" filter="wipe(down)">
+                                      <p:cBhvr>
+                                        <p:cTn id="23" dur="500"/>
+                                        <p:tgtEl>
+                                          <p:spTgt spid="2"/>
+                                        </p:tgtEl>
+                                      </p:cBhvr>
+                                    </p:animEffect>
+                                    <p:set>
+                                      <p:cBhvr>
+                                        <p:cTn id="24" dur="1" fill="hold">
+                                          <p:stCondLst>
+                                            <p:cond delay="499"/>
+                                          </p:stCondLst>
+                                        </p:cTn>
+                                        <p:tgtEl>
+                                          <p:spTgt spid="2"/>
+                                        </p:tgtEl>
+                                        <p:attrNameLst>
+                                          <p:attrName>style.visibility</p:attrName>
+                                        </p:attrNameLst>
+                                      </p:cBhvr>
+                                      <p:to>
+                                        <p:strVal val="hidden"/>
+                                      </p:to>
+                                    </p:set>
+                                  </p:childTnLst>
+                                </p:cTn>
+                              </p:par>
+                            </p:childTnLst>
+                          </p:cTn>
+                        </p:par>
+                      </p:childTnLst>
+                    </p:cTn>
+                  </p:par>
+                  <p:par>
+                    <p:cTn id="25" fill="hold">
+                      <p:stCondLst>
+                        <p:cond delay="indefinite"/>
+                      </p:stCondLst>
+                      <p:childTnLst>
+                        <p:par>
+                          <p:cTn id="26" fill="hold">
+                            <p:stCondLst>
+                              <p:cond delay="0"/>
+                            </p:stCondLst>
+                            <p:childTnLst>
+                              <p:par>
+                                <p:cTn id="27" presetID="10" presetClass="exit" presetSubtype="0" fill="hold" grpId="1" nodeType="clickEffect">
+                                  <p:stCondLst>
+                                    <p:cond delay="0"/>
+                                  </p:stCondLst>
+                                  <p:childTnLst>
+                                    <p:animEffect transition="out" filter="fade">
+                                      <p:cBhvr>
+                                        <p:cTn id="28" dur="500"/>
+                                        <p:tgtEl>
+                                          <p:spTgt spid="6"/>
+                                        </p:tgtEl>
+                                      </p:cBhvr>
+                                    </p:animEffect>
+                                    <p:set>
+                                      <p:cBhvr>
+                                        <p:cTn id="29" dur="1" fill="hold">
+                                          <p:stCondLst>
+                                            <p:cond delay="499"/>
+                                          </p:stCondLst>
+                                        </p:cTn>
+                                        <p:tgtEl>
+                                          <p:spTgt spid="6"/>
+                                        </p:tgtEl>
+                                        <p:attrNameLst>
+                                          <p:attrName>style.visibility</p:attrName>
+                                        </p:attrNameLst>
+                                      </p:cBhvr>
+                                      <p:to>
+                                        <p:strVal val="hidden"/>
+                                      </p:to>
+                                    </p:set>
+                                  </p:childTnLst>
+                                </p:cTn>
+                              </p:par>
+                            </p:childTnLst>
+                          </p:cTn>
+                        </p:par>
+                      </p:childTnLst>
+                    </p:cTn>
+                  </p:par>
+                  <p:par>
+                    <p:cTn id="30" fill="hold">
+                      <p:stCondLst>
+                        <p:cond delay="indefinite"/>
+                      </p:stCondLst>
+                      <p:childTnLst>
+                        <p:par>
+                          <p:cTn id="31" fill="hold">
+                            <p:stCondLst>
+                              <p:cond delay="0"/>
+                            </p:stCondLst>
+                            <p:childTnLst>
+                              <p:par>
+                                <p:cTn id="32" presetID="1" presetClass="entr" presetSubtype="0" fill="hold" grpId="0" nodeType="clickEffect">
+                                  <p:stCondLst>
+                                    <p:cond delay="0"/>
+                                  </p:stCondLst>
+                                  <p:childTnLst>
+                                    <p:set>
+                                      <p:cBhvr>
+                                        <p:cTn id="33" dur="1" fill="hold">
+                                          <p:stCondLst>
+                                            <p:cond delay="0"/>
+                                          </p:stCondLst>
+                                        </p:cTn>
+                                        <p:tgtEl>
+                                          <p:spTgt spid="7"/>
+                                        </p:tgtEl>
+                                        <p:attrNameLst>
+                                          <p:attrName>style.visibility</p:attrName>
+                                        </p:attrNameLst>
+                                      </p:cBhvr>
+                                      <p:to>
+                                        <p:strVal val="visible"/>
+                                      </p:to>
+                                    </p:set>
+                                  </p:childTnLst>
+                                </p:cTn>
+                              </p:par>
+                            </p:childTnLst>
+                          </p:cTn>
+                        </p:par>
+                      </p:childTnLst>
+                    </p:cTn>
+                  </p:par>
+                  <p:par>
+                    <p:cTn id="34" fill="hold">
+                      <p:stCondLst>
+                        <p:cond delay="indefinite"/>
+                      </p:stCondLst>
+                      <p:childTnLst>
+                        <p:par>
+                          <p:cTn id="35" fill="hold">
+                            <p:stCondLst>
+                              <p:cond delay="0"/>
+                            </p:stCondLst>
+                            <p:childTnLst>
+                              <p:par>
+                                <p:cTn id="36" presetID="22" presetClass="exit" presetSubtype="4" fill="hold" grpId="1" nodeType="clickEffect">
+                                  <p:stCondLst>
+                                    <p:cond delay="0"/>
+                                  </p:stCondLst>
+                                  <p:childTnLst>
+                                    <p:animEffect transition="out" filter="wipe(down)">
+                                      <p:cBhvr>
+                                        <p:cTn id="37" dur="500"/>
+                                        <p:tgtEl>
+                                          <p:spTgt spid="7"/>
+                                        </p:tgtEl>
+                                      </p:cBhvr>
+                                    </p:animEffect>
+                                    <p:set>
+                                      <p:cBhvr>
+                                        <p:cTn id="38" dur="1" fill="hold">
+                                          <p:stCondLst>
+                                            <p:cond delay="499"/>
+                                          </p:stCondLst>
+                                        </p:cTn>
+                                        <p:tgtEl>
+                                          <p:spTgt spid="7"/>
+                                        </p:tgtEl>
+                                        <p:attrNameLst>
+                                          <p:attrName>style.visibility</p:attrName>
+                                        </p:attrNameLst>
+                                      </p:cBhvr>
+                                      <p:to>
+                                        <p:strVal val="hidden"/>
+                                      </p:to>
+                                    </p:set>
+                                  </p:childTnLst>
+                                </p:cTn>
+                              </p:par>
+                            </p:childTnLst>
+                          </p:cTn>
+                        </p:par>
+                      </p:childTnLst>
+                    </p:cTn>
+                  </p:par>
+                  <p:par>
+                    <p:cTn id="39" fill="hold">
+                      <p:stCondLst>
+                        <p:cond delay="indefinite"/>
+                      </p:stCondLst>
+                      <p:childTnLst>
+                        <p:par>
+                          <p:cTn id="40" fill="hold">
+                            <p:stCondLst>
+                              <p:cond delay="0"/>
+                            </p:stCondLst>
+                            <p:childTnLst>
+                              <p:par>
+                                <p:cTn id="41" presetID="1" presetClass="entr" presetSubtype="0" fill="hold" grpId="0" nodeType="clickEffect">
+                                  <p:stCondLst>
+                                    <p:cond delay="0"/>
+                                  </p:stCondLst>
+                                  <p:childTnLst>
+                                    <p:set>
+                                      <p:cBhvr>
+                                        <p:cTn id="42" dur="1" fill="hold">
+                                          <p:stCondLst>
+                                            <p:cond delay="0"/>
+                                          </p:stCondLst>
+                                        </p:cTn>
+                                        <p:tgtEl>
+                                          <p:spTgt spid="8"/>
+                                        </p:tgtEl>
+                                        <p:attrNameLst>
+                                          <p:attrName>style.visibility</p:attrName>
+                                        </p:attrNameLst>
+                                      </p:cBhvr>
+                                      <p:to>
+                                        <p:strVal val="visible"/>
+                                      </p:to>
+                                    </p:set>
+                                  </p:childTnLst>
+                                </p:cTn>
+                              </p:par>
+                              <p:par>
+                                <p:cTn id="43" presetID="1" presetClass="entr" presetSubtype="0" fill="hold" grpId="0" nodeType="withEffect">
+                                  <p:stCondLst>
+                                    <p:cond delay="0"/>
+                                  </p:stCondLst>
+                                  <p:childTnLst>
+                                    <p:set>
+                                      <p:cBhvr>
+                                        <p:cTn id="44" dur="1" fill="hold">
+                                          <p:stCondLst>
+                                            <p:cond delay="0"/>
+                                          </p:stCondLst>
+                                        </p:cTn>
+                                        <p:tgtEl>
+                                          <p:spTgt spid="9"/>
+                                        </p:tgtEl>
+                                        <p:attrNameLst>
+                                          <p:attrName>style.visibility</p:attrName>
+                                        </p:attrNameLst>
+                                      </p:cBhvr>
+                                      <p:to>
+                                        <p:strVal val="visible"/>
+                                      </p:to>
+                                    </p:set>
+                                  </p:childTnLst>
+                                </p:cTn>
+                              </p:par>
+                              <p:par>
+                                <p:cTn id="45" presetID="1" presetClass="entr" presetSubtype="0" fill="hold" grpId="0" nodeType="withEffect">
+                                  <p:stCondLst>
+                                    <p:cond delay="0"/>
+                                  </p:stCondLst>
+                                  <p:childTnLst>
+                                    <p:set>
+                                      <p:cBhvr>
+                                        <p:cTn id="46" dur="1" fill="hold">
+                                          <p:stCondLst>
+                                            <p:cond delay="0"/>
+                                          </p:stCondLst>
+                                        </p:cTn>
+                                        <p:tgtEl>
+                                          <p:spTgt spid="11"/>
+                                        </p:tgtEl>
+                                        <p:attrNameLst>
+                                          <p:attrName>style.visibility</p:attrName>
+                                        </p:attrNameLst>
+                                      </p:cBhvr>
+                                      <p:to>
+                                        <p:strVal val="visible"/>
+                                      </p:to>
+                                    </p:set>
+                                  </p:childTnLst>
+                                </p:cTn>
+                              </p:par>
+                              <p:par>
+                                <p:cTn id="47" presetID="1" presetClass="entr" presetSubtype="0" fill="hold" grpId="0" nodeType="withEffect">
+                                  <p:stCondLst>
+                                    <p:cond delay="0"/>
+                                  </p:stCondLst>
+                                  <p:childTnLst>
+                                    <p:set>
+                                      <p:cBhvr>
+                                        <p:cTn id="48" dur="1" fill="hold">
+                                          <p:stCondLst>
+                                            <p:cond delay="0"/>
+                                          </p:stCondLst>
+                                        </p:cTn>
+                                        <p:tgtEl>
+                                          <p:spTgt spid="13"/>
+                                        </p:tgtEl>
+                                        <p:attrNameLst>
+                                          <p:attrName>style.visibility</p:attrName>
+                                        </p:attrNameLst>
+                                      </p:cBhvr>
+                                      <p:to>
+                                        <p:strVal val="visible"/>
+                                      </p:to>
+                                    </p:set>
+                                  </p:childTnLst>
+                                </p:cTn>
+                              </p:par>
+                              <p:par>
+                                <p:cTn id="49" presetID="1" presetClass="entr" presetSubtype="0" fill="hold" grpId="0" nodeType="withEffect">
+                                  <p:stCondLst>
+                                    <p:cond delay="0"/>
+                                  </p:stCondLst>
+                                  <p:childTnLst>
+                                    <p:set>
+                                      <p:cBhvr>
+                                        <p:cTn id="50" dur="1" fill="hold">
+                                          <p:stCondLst>
+                                            <p:cond delay="0"/>
+                                          </p:stCondLst>
+                                        </p:cTn>
+                                        <p:tgtEl>
+                                          <p:spTgt spid="12"/>
+                                        </p:tgtEl>
+                                        <p:attrNameLst>
+                                          <p:attrName>style.visibility</p:attrName>
+                                        </p:attrNameLst>
+                                      </p:cBhvr>
+                                      <p:to>
+                                        <p:strVal val="visible"/>
+                                      </p:to>
+                                    </p:set>
+                                  </p:childTnLst>
+                                </p:cTn>
+                              </p:par>
+                              <p:par>
+                                <p:cTn id="51" presetID="1" presetClass="entr" presetSubtype="0" fill="hold" grpId="0" nodeType="withEffect">
+                                  <p:stCondLst>
+                                    <p:cond delay="0"/>
+                                  </p:stCondLst>
+                                  <p:childTnLst>
+                                    <p:set>
+                                      <p:cBhvr>
+                                        <p:cTn id="52" dur="1" fill="hold">
+                                          <p:stCondLst>
+                                            <p:cond delay="0"/>
+                                          </p:stCondLst>
+                                        </p:cTn>
+                                        <p:tgtEl>
+                                          <p:spTgt spid="14"/>
+                                        </p:tgtEl>
+                                        <p:attrNameLst>
+                                          <p:attrName>style.visibility</p:attrName>
+                                        </p:attrNameLst>
+                                      </p:cBhvr>
+                                      <p:to>
+                                        <p:strVal val="visible"/>
+                                      </p:to>
+                                    </p:set>
+                                  </p:childTnLst>
+                                </p:cTn>
+                              </p:par>
+                              <p:par>
+                                <p:cTn id="53" presetID="1" presetClass="entr" presetSubtype="0" fill="hold" grpId="0" nodeType="withEffect">
+                                  <p:stCondLst>
+                                    <p:cond delay="0"/>
+                                  </p:stCondLst>
+                                  <p:childTnLst>
+                                    <p:set>
+                                      <p:cBhvr>
+                                        <p:cTn id="54" dur="1" fill="hold">
+                                          <p:stCondLst>
+                                            <p:cond delay="0"/>
+                                          </p:stCondLst>
+                                        </p:cTn>
+                                        <p:tgtEl>
+                                          <p:spTgt spid="15"/>
+                                        </p:tgtEl>
+                                        <p:attrNameLst>
+                                          <p:attrName>style.visibility</p:attrName>
+                                        </p:attrNameLst>
+                                      </p:cBhvr>
+                                      <p:to>
+                                        <p:strVal val="visible"/>
+                                      </p:to>
+                                    </p:set>
+                                  </p:childTnLst>
+                                </p:cTn>
+                              </p:par>
+                              <p:par>
+                                <p:cTn id="55" presetID="1" presetClass="entr" presetSubtype="0" fill="hold" grpId="0" nodeType="withEffect">
+                                  <p:stCondLst>
+                                    <p:cond delay="0"/>
+                                  </p:stCondLst>
+                                  <p:childTnLst>
+                                    <p:set>
+                                      <p:cBhvr>
+                                        <p:cTn id="56" dur="1" fill="hold">
+                                          <p:stCondLst>
+                                            <p:cond delay="0"/>
+                                          </p:stCondLst>
+                                        </p:cTn>
+                                        <p:tgtEl>
+                                          <p:spTgt spid="16"/>
+                                        </p:tgtEl>
+                                        <p:attrNameLst>
+                                          <p:attrName>style.visibility</p:attrName>
+                                        </p:attrNameLst>
+                                      </p:cBhvr>
+                                      <p:to>
+                                        <p:strVal val="visible"/>
+                                      </p:to>
+                                    </p:set>
+                                  </p:childTnLst>
+                                </p:cTn>
+                              </p:par>
+                            </p:childTnLst>
+                          </p:cTn>
+                        </p:par>
+                      </p:childTnLst>
+                    </p:cTn>
+                  </p:par>
+                  <p:par>
+                    <p:cTn id="57" fill="hold">
+                      <p:stCondLst>
+                        <p:cond delay="indefinite"/>
+                      </p:stCondLst>
+                      <p:childTnLst>
+                        <p:par>
+                          <p:cTn id="58" fill="hold">
+                            <p:stCondLst>
+                              <p:cond delay="0"/>
+                            </p:stCondLst>
+                            <p:childTnLst>
+                              <p:par>
+                                <p:cTn id="59" presetID="42" presetClass="entr" presetSubtype="0" fill="hold" grpId="0" nodeType="clickEffect">
+                                  <p:stCondLst>
+                                    <p:cond delay="0"/>
+                                  </p:stCondLst>
+                                  <p:childTnLst>
+                                    <p:set>
+                                      <p:cBhvr>
+                                        <p:cTn id="60" dur="1" fill="hold">
+                                          <p:stCondLst>
+                                            <p:cond delay="0"/>
+                                          </p:stCondLst>
+                                        </p:cTn>
+                                        <p:tgtEl>
+                                          <p:spTgt spid="18"/>
+                                        </p:tgtEl>
+                                        <p:attrNameLst>
+                                          <p:attrName>style.visibility</p:attrName>
+                                        </p:attrNameLst>
+                                      </p:cBhvr>
+                                      <p:to>
+                                        <p:strVal val="visible"/>
+                                      </p:to>
+                                    </p:set>
+                                    <p:animEffect transition="in" filter="fade">
+                                      <p:cBhvr>
+                                        <p:cTn id="61" dur="1000"/>
+                                        <p:tgtEl>
+                                          <p:spTgt spid="18"/>
+                                        </p:tgtEl>
+                                      </p:cBhvr>
+                                    </p:animEffect>
+                                    <p:anim calcmode="lin" valueType="num">
+                                      <p:cBhvr>
+                                        <p:cTn id="62" dur="1000" fill="hold"/>
+                                        <p:tgtEl>
+                                          <p:spTgt spid="18"/>
+                                        </p:tgtEl>
+                                        <p:attrNameLst>
+                                          <p:attrName>ppt_x</p:attrName>
+                                        </p:attrNameLst>
+                                      </p:cBhvr>
+                                      <p:tavLst>
+                                        <p:tav tm="0">
+                                          <p:val>
+                                            <p:strVal val="#ppt_x"/>
+                                          </p:val>
+                                        </p:tav>
+                                        <p:tav tm="100000">
+                                          <p:val>
+                                            <p:strVal val="#ppt_x"/>
+                                          </p:val>
+                                        </p:tav>
+                                      </p:tavLst>
+                                    </p:anim>
+                                    <p:anim calcmode="lin" valueType="num">
+                                      <p:cBhvr>
+                                        <p:cTn id="63" dur="1000" fill="hold"/>
+                                        <p:tgtEl>
+                                          <p:spTgt spid="18"/>
+                                        </p:tgtEl>
+                                        <p:attrNameLst>
+                                          <p:attrName>ppt_y</p:attrName>
+                                        </p:attrNameLst>
+                                      </p:cBhvr>
+                                      <p:tavLst>
+                                        <p:tav tm="0">
+                                          <p:val>
+                                            <p:strVal val="#ppt_y+.1"/>
+                                          </p:val>
+                                        </p:tav>
+                                        <p:tav tm="100000">
+                                          <p:val>
+                                            <p:strVal val="#ppt_y"/>
+                                          </p:val>
+                                        </p:tav>
+                                      </p:tavLst>
+                                    </p:anim>
+                                  </p:childTnLst>
+                                </p:cTn>
+                              </p:par>
+                              <p:par>
+                                <p:cTn id="64" presetID="42" presetClass="entr" presetSubtype="0" fill="hold" grpId="0" nodeType="withEffect">
+                                  <p:stCondLst>
+                                    <p:cond delay="0"/>
+                                  </p:stCondLst>
+                                  <p:childTnLst>
+                                    <p:set>
+                                      <p:cBhvr>
+                                        <p:cTn id="65" dur="1" fill="hold">
+                                          <p:stCondLst>
+                                            <p:cond delay="0"/>
+                                          </p:stCondLst>
+                                        </p:cTn>
+                                        <p:tgtEl>
+                                          <p:spTgt spid="20"/>
+                                        </p:tgtEl>
+                                        <p:attrNameLst>
+                                          <p:attrName>style.visibility</p:attrName>
+                                        </p:attrNameLst>
+                                      </p:cBhvr>
+                                      <p:to>
+                                        <p:strVal val="visible"/>
+                                      </p:to>
+                                    </p:set>
+                                    <p:animEffect transition="in" filter="fade">
+                                      <p:cBhvr>
+                                        <p:cTn id="66" dur="1000"/>
+                                        <p:tgtEl>
+                                          <p:spTgt spid="20"/>
+                                        </p:tgtEl>
+                                      </p:cBhvr>
+                                    </p:animEffect>
+                                    <p:anim calcmode="lin" valueType="num">
+                                      <p:cBhvr>
+                                        <p:cTn id="67" dur="1000" fill="hold"/>
+                                        <p:tgtEl>
+                                          <p:spTgt spid="20"/>
+                                        </p:tgtEl>
+                                        <p:attrNameLst>
+                                          <p:attrName>ppt_x</p:attrName>
+                                        </p:attrNameLst>
+                                      </p:cBhvr>
+                                      <p:tavLst>
+                                        <p:tav tm="0">
+                                          <p:val>
+                                            <p:strVal val="#ppt_x"/>
+                                          </p:val>
+                                        </p:tav>
+                                        <p:tav tm="100000">
+                                          <p:val>
+                                            <p:strVal val="#ppt_x"/>
+                                          </p:val>
+                                        </p:tav>
+                                      </p:tavLst>
+                                    </p:anim>
+                                    <p:anim calcmode="lin" valueType="num">
+                                      <p:cBhvr>
+                                        <p:cTn id="68" dur="1000" fill="hold"/>
+                                        <p:tgtEl>
+                                          <p:spTgt spid="20"/>
+                                        </p:tgtEl>
+                                        <p:attrNameLst>
+                                          <p:attrName>ppt_y</p:attrName>
+                                        </p:attrNameLst>
+                                      </p:cBhvr>
+                                      <p:tavLst>
+                                        <p:tav tm="0">
+                                          <p:val>
+                                            <p:strVal val="#ppt_y+.1"/>
+                                          </p:val>
+                                        </p:tav>
+                                        <p:tav tm="100000">
+                                          <p:val>
+                                            <p:strVal val="#ppt_y"/>
+                                          </p:val>
+                                        </p:tav>
+                                      </p:tavLst>
+                                    </p:anim>
+                                  </p:childTnLst>
+                                </p:cTn>
+                              </p:par>
+                              <p:par>
+                                <p:cTn id="69" presetID="42" presetClass="entr" presetSubtype="0" fill="hold" grpId="0" nodeType="withEffect">
+                                  <p:stCondLst>
+                                    <p:cond delay="0"/>
+                                  </p:stCondLst>
+                                  <p:childTnLst>
+                                    <p:set>
+                                      <p:cBhvr>
+                                        <p:cTn id="70" dur="1" fill="hold">
+                                          <p:stCondLst>
+                                            <p:cond delay="0"/>
+                                          </p:stCondLst>
+                                        </p:cTn>
+                                        <p:tgtEl>
+                                          <p:spTgt spid="19"/>
+                                        </p:tgtEl>
+                                        <p:attrNameLst>
+                                          <p:attrName>style.visibility</p:attrName>
+                                        </p:attrNameLst>
+                                      </p:cBhvr>
+                                      <p:to>
+                                        <p:strVal val="visible"/>
+                                      </p:to>
+                                    </p:set>
+                                    <p:animEffect transition="in" filter="fade">
+                                      <p:cBhvr>
+                                        <p:cTn id="71" dur="1000"/>
+                                        <p:tgtEl>
+                                          <p:spTgt spid="19"/>
+                                        </p:tgtEl>
+                                      </p:cBhvr>
+                                    </p:animEffect>
+                                    <p:anim calcmode="lin" valueType="num">
+                                      <p:cBhvr>
+                                        <p:cTn id="72" dur="1000" fill="hold"/>
+                                        <p:tgtEl>
+                                          <p:spTgt spid="19"/>
+                                        </p:tgtEl>
+                                        <p:attrNameLst>
+                                          <p:attrName>ppt_x</p:attrName>
+                                        </p:attrNameLst>
+                                      </p:cBhvr>
+                                      <p:tavLst>
+                                        <p:tav tm="0">
+                                          <p:val>
+                                            <p:strVal val="#ppt_x"/>
+                                          </p:val>
+                                        </p:tav>
+                                        <p:tav tm="100000">
+                                          <p:val>
+                                            <p:strVal val="#ppt_x"/>
+                                          </p:val>
+                                        </p:tav>
+                                      </p:tavLst>
+                                    </p:anim>
+                                    <p:anim calcmode="lin" valueType="num">
+                                      <p:cBhvr>
+                                        <p:cTn id="73" dur="1000" fill="hold"/>
+                                        <p:tgtEl>
+                                          <p:spTgt spid="19"/>
+                                        </p:tgtEl>
+                                        <p:attrNameLst>
+                                          <p:attrName>ppt_y</p:attrName>
+                                        </p:attrNameLst>
+                                      </p:cBhvr>
+                                      <p:tavLst>
+                                        <p:tav tm="0">
+                                          <p:val>
+                                            <p:strVal val="#ppt_y+.1"/>
+                                          </p:val>
+                                        </p:tav>
+                                        <p:tav tm="100000">
+                                          <p:val>
+                                            <p:strVal val="#ppt_y"/>
+                                          </p:val>
+                                        </p:tav>
+                                      </p:tavLst>
+                                    </p:anim>
+                                  </p:childTnLst>
+                                </p:cTn>
+                              </p:par>
+                              <p:par>
+                                <p:cTn id="74" presetID="42" presetClass="entr" presetSubtype="0" fill="hold" grpId="0" nodeType="withEffect">
+                                  <p:stCondLst>
+                                    <p:cond delay="0"/>
+                                  </p:stCondLst>
+                                  <p:childTnLst>
+                                    <p:set>
+                                      <p:cBhvr>
+                                        <p:cTn id="75" dur="1" fill="hold">
+                                          <p:stCondLst>
+                                            <p:cond delay="0"/>
+                                          </p:stCondLst>
+                                        </p:cTn>
+                                        <p:tgtEl>
+                                          <p:spTgt spid="17"/>
+                                        </p:tgtEl>
+                                        <p:attrNameLst>
+                                          <p:attrName>style.visibility</p:attrName>
+                                        </p:attrNameLst>
+                                      </p:cBhvr>
+                                      <p:to>
+                                        <p:strVal val="visible"/>
+                                      </p:to>
+                                    </p:set>
+                                    <p:animEffect transition="in" filter="fade">
+                                      <p:cBhvr>
+                                        <p:cTn id="76" dur="1000"/>
+                                        <p:tgtEl>
+                                          <p:spTgt spid="17"/>
+                                        </p:tgtEl>
+                                      </p:cBhvr>
+                                    </p:animEffect>
+                                    <p:anim calcmode="lin" valueType="num">
+                                      <p:cBhvr>
+                                        <p:cTn id="77" dur="1000" fill="hold"/>
+                                        <p:tgtEl>
+                                          <p:spTgt spid="17"/>
+                                        </p:tgtEl>
+                                        <p:attrNameLst>
+                                          <p:attrName>ppt_x</p:attrName>
+                                        </p:attrNameLst>
+                                      </p:cBhvr>
+                                      <p:tavLst>
+                                        <p:tav tm="0">
+                                          <p:val>
+                                            <p:strVal val="#ppt_x"/>
+                                          </p:val>
+                                        </p:tav>
+                                        <p:tav tm="100000">
+                                          <p:val>
+                                            <p:strVal val="#ppt_x"/>
+                                          </p:val>
+                                        </p:tav>
+                                      </p:tavLst>
+                                    </p:anim>
+                                    <p:anim calcmode="lin" valueType="num">
+                                      <p:cBhvr>
+                                        <p:cTn id="78" dur="1000" fill="hold"/>
+                                        <p:tgtEl>
+                                          <p:spTgt spid="17"/>
+                                        </p:tgtEl>
+                                        <p:attrNameLst>
+                                          <p:attrName>ppt_y</p:attrName>
+                                        </p:attrNameLst>
+                                      </p:cBhvr>
+                                      <p:tavLst>
+                                        <p:tav tm="0">
+                                          <p:val>
+                                            <p:strVal val="#ppt_y+.1"/>
+                                          </p:val>
+                                        </p:tav>
+                                        <p:tav tm="100000">
+                                          <p:val>
+                                            <p:strVal val="#ppt_y"/>
+                                          </p:val>
+                                        </p:tav>
+                                      </p:tavLst>
+                                    </p:anim>
+                                  </p:childTnLst>
+                                </p:cTn>
+                              </p:par>
+                            </p:childTnLst>
+                          </p:cTn>
+                        </p:par>
+                      </p:childTnLst>
+                    </p:cTn>
+                  </p:par>
+                  <p:par>
+                    <p:cTn id="79" fill="hold">
+                      <p:stCondLst>
+                        <p:cond delay="indefinite"/>
+                      </p:stCondLst>
+                      <p:childTnLst>
+                        <p:par>
+                          <p:cTn id="80" fill="hold">
+                            <p:stCondLst>
+                              <p:cond delay="0"/>
+                            </p:stCondLst>
+                            <p:childTnLst>
+                              <p:par>
+                                <p:cTn id="81" presetID="42" presetClass="entr" presetSubtype="0" fill="hold" grpId="0" nodeType="clickEffect">
+                                  <p:stCondLst>
+                                    <p:cond delay="0"/>
+                                  </p:stCondLst>
+                                  <p:childTnLst>
+                                    <p:set>
+                                      <p:cBhvr>
+                                        <p:cTn id="82" dur="1" fill="hold">
+                                          <p:stCondLst>
+                                            <p:cond delay="0"/>
+                                          </p:stCondLst>
+                                        </p:cTn>
+                                        <p:tgtEl>
+                                          <p:spTgt spid="23"/>
+                                        </p:tgtEl>
+                                        <p:attrNameLst>
+                                          <p:attrName>style.visibility</p:attrName>
+                                        </p:attrNameLst>
+                                      </p:cBhvr>
+                                      <p:to>
+                                        <p:strVal val="visible"/>
+                                      </p:to>
+                                    </p:set>
+                                    <p:animEffect transition="in" filter="fade">
+                                      <p:cBhvr>
+                                        <p:cTn id="83" dur="1000"/>
+                                        <p:tgtEl>
+                                          <p:spTgt spid="23"/>
+                                        </p:tgtEl>
+                                      </p:cBhvr>
+                                    </p:animEffect>
+                                    <p:anim calcmode="lin" valueType="num">
+                                      <p:cBhvr>
+                                        <p:cTn id="84" dur="1000" fill="hold"/>
+                                        <p:tgtEl>
+                                          <p:spTgt spid="23"/>
+                                        </p:tgtEl>
+                                        <p:attrNameLst>
+                                          <p:attrName>ppt_x</p:attrName>
+                                        </p:attrNameLst>
+                                      </p:cBhvr>
+                                      <p:tavLst>
+                                        <p:tav tm="0">
+                                          <p:val>
+                                            <p:strVal val="#ppt_x"/>
+                                          </p:val>
+                                        </p:tav>
+                                        <p:tav tm="100000">
+                                          <p:val>
+                                            <p:strVal val="#ppt_x"/>
+                                          </p:val>
+                                        </p:tav>
+                                      </p:tavLst>
+                                    </p:anim>
+                                    <p:anim calcmode="lin" valueType="num">
+                                      <p:cBhvr>
+                                        <p:cTn id="85" dur="1000" fill="hold"/>
+                                        <p:tgtEl>
+                                          <p:spTgt spid="23"/>
+                                        </p:tgtEl>
+                                        <p:attrNameLst>
+                                          <p:attrName>ppt_y</p:attrName>
+                                        </p:attrNameLst>
+                                      </p:cBhvr>
+                                      <p:tavLst>
+                                        <p:tav tm="0">
+                                          <p:val>
+                                            <p:strVal val="#ppt_y+.1"/>
+                                          </p:val>
+                                        </p:tav>
+                                        <p:tav tm="100000">
+                                          <p:val>
+                                            <p:strVal val="#ppt_y"/>
+                                          </p:val>
+                                        </p:tav>
+                                      </p:tavLst>
+                                    </p:anim>
+                                  </p:childTnLst>
+                                </p:cTn>
+                              </p:par>
+                              <p:par>
+                                <p:cTn id="86" presetID="42" presetClass="entr" presetSubtype="0" fill="hold" grpId="0" nodeType="withEffect">
+                                  <p:stCondLst>
+                                    <p:cond delay="0"/>
+                                  </p:stCondLst>
+                                  <p:childTnLst>
+                                    <p:set>
+                                      <p:cBhvr>
+                                        <p:cTn id="87" dur="1" fill="hold">
+                                          <p:stCondLst>
+                                            <p:cond delay="0"/>
+                                          </p:stCondLst>
+                                        </p:cTn>
+                                        <p:tgtEl>
+                                          <p:spTgt spid="25"/>
+                                        </p:tgtEl>
+                                        <p:attrNameLst>
+                                          <p:attrName>style.visibility</p:attrName>
+                                        </p:attrNameLst>
+                                      </p:cBhvr>
+                                      <p:to>
+                                        <p:strVal val="visible"/>
+                                      </p:to>
+                                    </p:set>
+                                    <p:animEffect transition="in" filter="fade">
+                                      <p:cBhvr>
+                                        <p:cTn id="88" dur="1000"/>
+                                        <p:tgtEl>
+                                          <p:spTgt spid="25"/>
+                                        </p:tgtEl>
+                                      </p:cBhvr>
+                                    </p:animEffect>
+                                    <p:anim calcmode="lin" valueType="num">
+                                      <p:cBhvr>
+                                        <p:cTn id="89" dur="1000" fill="hold"/>
+                                        <p:tgtEl>
+                                          <p:spTgt spid="25"/>
+                                        </p:tgtEl>
+                                        <p:attrNameLst>
+                                          <p:attrName>ppt_x</p:attrName>
+                                        </p:attrNameLst>
+                                      </p:cBhvr>
+                                      <p:tavLst>
+                                        <p:tav tm="0">
+                                          <p:val>
+                                            <p:strVal val="#ppt_x"/>
+                                          </p:val>
+                                        </p:tav>
+                                        <p:tav tm="100000">
+                                          <p:val>
+                                            <p:strVal val="#ppt_x"/>
+                                          </p:val>
+                                        </p:tav>
+                                      </p:tavLst>
+                                    </p:anim>
+                                    <p:anim calcmode="lin" valueType="num">
+                                      <p:cBhvr>
+                                        <p:cTn id="90" dur="1000" fill="hold"/>
+                                        <p:tgtEl>
+                                          <p:spTgt spid="25"/>
+                                        </p:tgtEl>
+                                        <p:attrNameLst>
+                                          <p:attrName>ppt_y</p:attrName>
+                                        </p:attrNameLst>
+                                      </p:cBhvr>
+                                      <p:tavLst>
+                                        <p:tav tm="0">
+                                          <p:val>
+                                            <p:strVal val="#ppt_y+.1"/>
+                                          </p:val>
+                                        </p:tav>
+                                        <p:tav tm="100000">
+                                          <p:val>
+                                            <p:strVal val="#ppt_y"/>
+                                          </p:val>
+                                        </p:tav>
+                                      </p:tavLst>
+                                    </p:anim>
+                                  </p:childTnLst>
+                                </p:cTn>
+                              </p:par>
+                            </p:childTnLst>
+                          </p:cTn>
+                        </p:par>
+                      </p:childTnLst>
+                    </p:cTn>
+                  </p:par>
+                  <p:par>
+                    <p:cTn id="91" fill="hold">
+                      <p:stCondLst>
+                        <p:cond delay="indefinite"/>
+                      </p:stCondLst>
+                      <p:childTnLst>
+                        <p:par>
+                          <p:cTn id="92" fill="hold">
+                            <p:stCondLst>
+                              <p:cond delay="0"/>
+                            </p:stCondLst>
+                            <p:childTnLst>
+                              <p:par>
+                                <p:cTn id="93" presetID="16" presetClass="entr" presetSubtype="21" fill="hold" grpId="0" nodeType="clickEffect">
+                                  <p:stCondLst>
+                                    <p:cond delay="0"/>
+                                  </p:stCondLst>
+                                  <p:childTnLst>
+                                    <p:set>
+                                      <p:cBhvr>
+                                        <p:cTn id="94" dur="1" fill="hold">
+                                          <p:stCondLst>
+                                            <p:cond delay="0"/>
+                                          </p:stCondLst>
+                                        </p:cTn>
+                                        <p:tgtEl>
+                                          <p:spTgt spid="24"/>
+                                        </p:tgtEl>
+                                        <p:attrNameLst>
+                                          <p:attrName>style.visibility</p:attrName>
+                                        </p:attrNameLst>
+                                      </p:cBhvr>
+                                      <p:to>
+                                        <p:strVal val="visible"/>
+                                      </p:to>
+                                    </p:set>
+                                    <p:animEffect transition="in" filter="barn(inVertical)">
+                                      <p:cBhvr>
+                                        <p:cTn id="95" dur="500"/>
+                                        <p:tgtEl>
+                                          <p:spTgt spid="24"/>
+                                        </p:tgtEl>
+                                      </p:cBhvr>
+                                    </p:animEffect>
+                                  </p:childTnLst>
+                                </p:cTn>
+                              </p:par>
+                              <p:par>
+                                <p:cTn id="96" presetID="16" presetClass="entr" presetSubtype="21" fill="hold" grpId="0" nodeType="withEffect">
+                                  <p:stCondLst>
+                                    <p:cond delay="0"/>
+                                  </p:stCondLst>
+                                  <p:childTnLst>
+                                    <p:set>
+                                      <p:cBhvr>
+                                        <p:cTn id="97" dur="1" fill="hold">
+                                          <p:stCondLst>
+                                            <p:cond delay="0"/>
+                                          </p:stCondLst>
+                                        </p:cTn>
+                                        <p:tgtEl>
+                                          <p:spTgt spid="26"/>
+                                        </p:tgtEl>
+                                        <p:attrNameLst>
+                                          <p:attrName>style.visibility</p:attrName>
+                                        </p:attrNameLst>
+                                      </p:cBhvr>
+                                      <p:to>
+                                        <p:strVal val="visible"/>
+                                      </p:to>
+                                    </p:set>
+                                    <p:animEffect transition="in" filter="barn(inVertical)">
+                                      <p:cBhvr>
+                                        <p:cTn id="98" dur="500"/>
+                                        <p:tgtEl>
+                                          <p:spTgt spid="26"/>
+                                        </p:tgtEl>
+                                      </p:cBhvr>
+                                    </p:animEffect>
+                                  </p:childTnLst>
+                                </p:cTn>
+                              </p:par>
+                            </p:childTnLst>
+                          </p:cTn>
+                        </p:par>
+                      </p:childTnLst>
+                    </p:cTn>
+                  </p:par>
+                </p:childTnLst>
+              </p:cTn>
+              <p:prevCondLst>
+                <p:cond evt="onPrev" delay="0">
+                  <p:tgtEl>
+                    <p:sldTgt/>
+                  </p:tgtEl>
+                </p:cond>
+              </p:prevCondLst>
+              <p:nextCondLst>
+                <p:cond evt="onNext" delay="0">
+                  <p:tgtEl>
+                    <p:sldTgt/>
+                  </p:tgtEl>
+                </p:cond>
+              </p:nextCondLst>
+            </p:seq>
+          </p:childTnLst>
+        </p:cTn>
+      </p:par>
+    </p:tnLst>
+    <p:bldLst>
+      <p:bldP spid="3" grpId="0"/>
+      <p:bldP spid="2" grpId="0"/>
+      <p:bldP spid="2" grpId="1"/>
+      <p:bldP spid="6" grpId="0"/>
+      <p:bldP spid="6" grpId="1"/>
+      <p:bldP spid="7" grpId="0"/>
+      <p:bldP spid="7" grpId="1"/>
+      <p:bldP spid="8" grpId="0"/>
+      <p:bldP spid="9" grpId="0" animBg="1"/>
+      <p:bldP spid="11" grpId="0"/>
+      <p:bldP spid="12" grpId="0"/>
+      <p:bldP spid="13" grpId="0"/>
+      <p:bldP spid="14" grpId="0"/>
+      <p:bldP spid="15" grpId="0"/>
+      <p:bldP spid="16" grpId="0"/>
+      <p:bldP spid="17" grpId="0"/>
+      <p:bldP spid="18" grpId="0" animBg="1"/>
+      <p:bldP spid="19" grpId="0"/>
+      <p:bldP spid="20" grpId="0"/>
+      <p:bldP spid="23" grpId="0"/>
+      <p:bldP spid="24" grpId="0"/>
+      <p:bldP spid="25" grpId="0"/>
+      <p:bldP spid="26" grpId="0"/>
+    </p:bldLst>
+  </p:timing>
+</p:sld>
+</file>
+
+<file path=ppt/slides/slide8.xml><?xml version="1.0" encoding="utf-8"?>
 <p:sld xmlns:a="http://schemas.openxmlformats.org/drawingml/2006/main" xmlns:r="http://schemas.openxmlformats.org/officeDocument/2006/relationships" xmlns:p="http://schemas.openxmlformats.org/presentationml/2006/main">
   <p:cSld>
     <p:spTree>
@@ -12993,7 +15867,7 @@
         <p:spPr>
           <a:xfrm>
             <a:off x="2892558" y="1157337"/>
-            <a:ext cx="4673654" cy="3416320"/>
+            <a:ext cx="4673654" cy="646331"/>
           </a:xfrm>
           <a:prstGeom prst="rect">
             <a:avLst/>
@@ -13018,192 +15892,6 @@
             </a:endParaRPr>
           </a:p>
           <a:p>
-            <a:endParaRPr lang="en-US" altLang="zh-CN" dirty="0" smtClean="0">
-              <a:latin typeface="微软雅黑" panose="020B0503020204020204" pitchFamily="34" charset="-122"/>
-              <a:ea typeface="微软雅黑" panose="020B0503020204020204" pitchFamily="34" charset="-122"/>
-            </a:endParaRPr>
-          </a:p>
-          <a:p>
-            <a:r>
-              <a:rPr lang="zh-CN" altLang="en-US" dirty="0" smtClean="0">
-                <a:latin typeface="微软雅黑" panose="020B0503020204020204" pitchFamily="34" charset="-122"/>
-                <a:ea typeface="微软雅黑" panose="020B0503020204020204" pitchFamily="34" charset="-122"/>
-              </a:rPr>
-              <a:t>用例图 </a:t>
-            </a:r>
-            <a:endParaRPr lang="en-US" altLang="zh-CN" dirty="0" smtClean="0">
-              <a:latin typeface="微软雅黑" panose="020B0503020204020204" pitchFamily="34" charset="-122"/>
-              <a:ea typeface="微软雅黑" panose="020B0503020204020204" pitchFamily="34" charset="-122"/>
-            </a:endParaRPr>
-          </a:p>
-          <a:p>
-            <a:r>
-              <a:rPr lang="en-US" altLang="zh-CN" dirty="0" smtClean="0">
-                <a:latin typeface="微软雅黑" panose="020B0503020204020204" pitchFamily="34" charset="-122"/>
-                <a:ea typeface="微软雅黑" panose="020B0503020204020204" pitchFamily="34" charset="-122"/>
-              </a:rPr>
-              <a:t>      </a:t>
-            </a:r>
-            <a:r>
-              <a:rPr lang="zh-CN" altLang="en-US" dirty="0" smtClean="0">
-                <a:latin typeface="微软雅黑" panose="020B0503020204020204" pitchFamily="34" charset="-122"/>
-                <a:ea typeface="微软雅黑" panose="020B0503020204020204" pitchFamily="34" charset="-122"/>
-              </a:rPr>
-              <a:t>捕获需求、需求分析</a:t>
-            </a:r>
-            <a:endParaRPr lang="en-US" altLang="zh-CN" dirty="0" smtClean="0">
-              <a:latin typeface="微软雅黑" panose="020B0503020204020204" pitchFamily="34" charset="-122"/>
-              <a:ea typeface="微软雅黑" panose="020B0503020204020204" pitchFamily="34" charset="-122"/>
-            </a:endParaRPr>
-          </a:p>
-          <a:p>
-            <a:r>
-              <a:rPr lang="zh-CN" altLang="en-US" dirty="0" smtClean="0">
-                <a:latin typeface="微软雅黑" panose="020B0503020204020204" pitchFamily="34" charset="-122"/>
-                <a:ea typeface="微软雅黑" panose="020B0503020204020204" pitchFamily="34" charset="-122"/>
-              </a:rPr>
-              <a:t>类图</a:t>
-            </a:r>
-            <a:endParaRPr lang="en-US" altLang="zh-CN" dirty="0" smtClean="0">
-              <a:latin typeface="微软雅黑" panose="020B0503020204020204" pitchFamily="34" charset="-122"/>
-              <a:ea typeface="微软雅黑" panose="020B0503020204020204" pitchFamily="34" charset="-122"/>
-            </a:endParaRPr>
-          </a:p>
-          <a:p>
-            <a:r>
-              <a:rPr lang="en-US" altLang="zh-CN" dirty="0" smtClean="0">
-                <a:latin typeface="微软雅黑" panose="020B0503020204020204" pitchFamily="34" charset="-122"/>
-                <a:ea typeface="微软雅黑" panose="020B0503020204020204" pitchFamily="34" charset="-122"/>
-              </a:rPr>
-              <a:t>      </a:t>
-            </a:r>
-            <a:r>
-              <a:rPr lang="zh-CN" altLang="en-US" dirty="0" smtClean="0">
-                <a:latin typeface="微软雅黑" panose="020B0503020204020204" pitchFamily="34" charset="-122"/>
-                <a:ea typeface="微软雅黑" panose="020B0503020204020204" pitchFamily="34" charset="-122"/>
-              </a:rPr>
-              <a:t>静态系统结构</a:t>
-            </a:r>
-            <a:endParaRPr lang="en-US" altLang="zh-CN" dirty="0" smtClean="0">
-              <a:latin typeface="微软雅黑" panose="020B0503020204020204" pitchFamily="34" charset="-122"/>
-              <a:ea typeface="微软雅黑" panose="020B0503020204020204" pitchFamily="34" charset="-122"/>
-            </a:endParaRPr>
-          </a:p>
-          <a:p>
-            <a:r>
-              <a:rPr lang="zh-CN" altLang="en-US" dirty="0" smtClean="0">
-                <a:latin typeface="微软雅黑" panose="020B0503020204020204" pitchFamily="34" charset="-122"/>
-                <a:ea typeface="微软雅黑" panose="020B0503020204020204" pitchFamily="34" charset="-122"/>
-              </a:rPr>
-              <a:t>对象图</a:t>
-            </a:r>
-            <a:endParaRPr lang="en-US" altLang="zh-CN" dirty="0" smtClean="0">
-              <a:latin typeface="微软雅黑" panose="020B0503020204020204" pitchFamily="34" charset="-122"/>
-              <a:ea typeface="微软雅黑" panose="020B0503020204020204" pitchFamily="34" charset="-122"/>
-            </a:endParaRPr>
-          </a:p>
-          <a:p>
-            <a:r>
-              <a:rPr lang="en-US" altLang="zh-CN" dirty="0" smtClean="0">
-                <a:latin typeface="微软雅黑" panose="020B0503020204020204" pitchFamily="34" charset="-122"/>
-                <a:ea typeface="微软雅黑" panose="020B0503020204020204" pitchFamily="34" charset="-122"/>
-              </a:rPr>
-              <a:t>      </a:t>
-            </a:r>
-            <a:r>
-              <a:rPr lang="zh-CN" altLang="en-US" dirty="0" smtClean="0">
-                <a:latin typeface="微软雅黑" panose="020B0503020204020204" pitchFamily="34" charset="-122"/>
-                <a:ea typeface="微软雅黑" panose="020B0503020204020204" pitchFamily="34" charset="-122"/>
-              </a:rPr>
-              <a:t>对象之间的关联</a:t>
-            </a:r>
-            <a:endParaRPr lang="en-US" altLang="zh-CN" dirty="0" smtClean="0">
-              <a:latin typeface="微软雅黑" panose="020B0503020204020204" pitchFamily="34" charset="-122"/>
-              <a:ea typeface="微软雅黑" panose="020B0503020204020204" pitchFamily="34" charset="-122"/>
-            </a:endParaRPr>
-          </a:p>
-          <a:p>
-            <a:r>
-              <a:rPr lang="zh-CN" altLang="en-US" dirty="0">
-                <a:latin typeface="微软雅黑" panose="020B0503020204020204" pitchFamily="34" charset="-122"/>
-                <a:ea typeface="微软雅黑" panose="020B0503020204020204" pitchFamily="34" charset="-122"/>
-              </a:rPr>
-              <a:t>构件</a:t>
-            </a:r>
-            <a:r>
-              <a:rPr lang="zh-CN" altLang="en-US" dirty="0" smtClean="0">
-                <a:latin typeface="微软雅黑" panose="020B0503020204020204" pitchFamily="34" charset="-122"/>
-                <a:ea typeface="微软雅黑" panose="020B0503020204020204" pitchFamily="34" charset="-122"/>
-              </a:rPr>
-              <a:t>图</a:t>
-            </a:r>
-            <a:endParaRPr lang="en-US" altLang="zh-CN" dirty="0" smtClean="0">
-              <a:latin typeface="微软雅黑" panose="020B0503020204020204" pitchFamily="34" charset="-122"/>
-              <a:ea typeface="微软雅黑" panose="020B0503020204020204" pitchFamily="34" charset="-122"/>
-            </a:endParaRPr>
-          </a:p>
-          <a:p>
-            <a:r>
-              <a:rPr lang="en-US" altLang="zh-CN" dirty="0" smtClean="0">
-                <a:latin typeface="微软雅黑" panose="020B0503020204020204" pitchFamily="34" charset="-122"/>
-                <a:ea typeface="微软雅黑" panose="020B0503020204020204" pitchFamily="34" charset="-122"/>
-              </a:rPr>
-              <a:t>      </a:t>
-            </a:r>
-            <a:r>
-              <a:rPr lang="zh-CN" altLang="en-US" dirty="0">
-                <a:latin typeface="微软雅黑" panose="020B0503020204020204" pitchFamily="34" charset="-122"/>
-                <a:ea typeface="微软雅黑" panose="020B0503020204020204" pitchFamily="34" charset="-122"/>
-              </a:rPr>
-              <a:t>构件</a:t>
-            </a:r>
-            <a:r>
-              <a:rPr lang="zh-CN" altLang="en-US" dirty="0" smtClean="0">
-                <a:latin typeface="微软雅黑" panose="020B0503020204020204" pitchFamily="34" charset="-122"/>
-                <a:ea typeface="微软雅黑" panose="020B0503020204020204" pitchFamily="34" charset="-122"/>
-              </a:rPr>
-              <a:t>之间的关联</a:t>
-            </a:r>
-            <a:endParaRPr lang="en-US" altLang="zh-CN" dirty="0" smtClean="0">
-              <a:latin typeface="微软雅黑" panose="020B0503020204020204" pitchFamily="34" charset="-122"/>
-              <a:ea typeface="微软雅黑" panose="020B0503020204020204" pitchFamily="34" charset="-122"/>
-            </a:endParaRPr>
-          </a:p>
-          <a:p>
-            <a:r>
-              <a:rPr lang="zh-CN" altLang="en-US" dirty="0">
-                <a:latin typeface="微软雅黑" panose="020B0503020204020204" pitchFamily="34" charset="-122"/>
-                <a:ea typeface="微软雅黑" panose="020B0503020204020204" pitchFamily="34" charset="-122"/>
-              </a:rPr>
-              <a:t>部署</a:t>
-            </a:r>
-            <a:r>
-              <a:rPr lang="zh-CN" altLang="en-US" dirty="0" smtClean="0">
-                <a:latin typeface="微软雅黑" panose="020B0503020204020204" pitchFamily="34" charset="-122"/>
-                <a:ea typeface="微软雅黑" panose="020B0503020204020204" pitchFamily="34" charset="-122"/>
-              </a:rPr>
-              <a:t>图</a:t>
-            </a:r>
-            <a:endParaRPr lang="en-US" altLang="zh-CN" dirty="0" smtClean="0">
-              <a:latin typeface="微软雅黑" panose="020B0503020204020204" pitchFamily="34" charset="-122"/>
-              <a:ea typeface="微软雅黑" panose="020B0503020204020204" pitchFamily="34" charset="-122"/>
-            </a:endParaRPr>
-          </a:p>
-          <a:p>
-            <a:r>
-              <a:rPr lang="en-US" altLang="zh-CN" dirty="0" smtClean="0">
-                <a:latin typeface="微软雅黑" panose="020B0503020204020204" pitchFamily="34" charset="-122"/>
-                <a:ea typeface="微软雅黑" panose="020B0503020204020204" pitchFamily="34" charset="-122"/>
-              </a:rPr>
-              <a:t>      </a:t>
-            </a:r>
-            <a:r>
-              <a:rPr lang="zh-CN" altLang="en-US" dirty="0" smtClean="0">
-                <a:latin typeface="微软雅黑" panose="020B0503020204020204" pitchFamily="34" charset="-122"/>
-                <a:ea typeface="微软雅黑" panose="020B0503020204020204" pitchFamily="34" charset="-122"/>
-              </a:rPr>
-              <a:t>构件的物理部署</a:t>
-            </a:r>
             <a:endParaRPr lang="en-US" altLang="zh-CN" dirty="0" smtClean="0">
               <a:latin typeface="微软雅黑" panose="020B0503020204020204" pitchFamily="34" charset="-122"/>
               <a:ea typeface="微软雅黑" panose="020B0503020204020204" pitchFamily="34" charset="-122"/>
@@ -13220,7 +15908,7 @@
         <p:spPr>
           <a:xfrm>
             <a:off x="7566212" y="1711335"/>
-            <a:ext cx="3496235" cy="2308324"/>
+            <a:ext cx="3496235" cy="3416320"/>
           </a:xfrm>
           <a:prstGeom prst="rect">
             <a:avLst/>
@@ -13233,7 +15921,38 @@
           <a:lstStyle/>
           <a:p>
             <a:r>
-              <a:rPr lang="zh-CN" altLang="en-US" dirty="0">
+              <a:rPr lang="zh-CN" altLang="en-US" dirty="0" smtClean="0">
+                <a:latin typeface="微软雅黑" panose="020B0503020204020204" pitchFamily="34" charset="-122"/>
+                <a:ea typeface="微软雅黑" panose="020B0503020204020204" pitchFamily="34" charset="-122"/>
+              </a:rPr>
+              <a:t>活动图 </a:t>
+            </a:r>
+            <a:endParaRPr lang="en-US" altLang="zh-CN" dirty="0" smtClean="0">
+              <a:latin typeface="微软雅黑" panose="020B0503020204020204" pitchFamily="34" charset="-122"/>
+              <a:ea typeface="微软雅黑" panose="020B0503020204020204" pitchFamily="34" charset="-122"/>
+            </a:endParaRPr>
+          </a:p>
+          <a:p>
+            <a:r>
+              <a:rPr lang="zh-CN" altLang="en-US" dirty="0" smtClean="0"/>
+              <a:t>      显示</a:t>
+            </a:r>
+            <a:r>
+              <a:rPr lang="zh-CN" altLang="en-US" dirty="0"/>
+              <a:t>人或对象的活动，其方式类似于</a:t>
+            </a:r>
+            <a:r>
+              <a:rPr lang="zh-CN" altLang="en-US" dirty="0" smtClean="0"/>
+              <a:t>流程图</a:t>
+            </a:r>
+            <a:endParaRPr lang="en-US" altLang="zh-CN" dirty="0">
+              <a:latin typeface="微软雅黑" panose="020B0503020204020204" pitchFamily="34" charset="-122"/>
+              <a:ea typeface="微软雅黑" panose="020B0503020204020204" pitchFamily="34" charset="-122"/>
+            </a:endParaRPr>
+          </a:p>
+          <a:p>
+            <a:r>
+              <a:rPr lang="zh-CN" altLang="en-US" dirty="0" smtClean="0">
                 <a:latin typeface="微软雅黑" panose="020B0503020204020204" pitchFamily="34" charset="-122"/>
                 <a:ea typeface="微软雅黑" panose="020B0503020204020204" pitchFamily="34" charset="-122"/>
               </a:rPr>
@@ -13246,18 +15965,25 @@
           </a:p>
           <a:p>
             <a:r>
-              <a:rPr lang="en-US" altLang="zh-CN" dirty="0" smtClean="0">
-                <a:latin typeface="微软雅黑" panose="020B0503020204020204" pitchFamily="34" charset="-122"/>
-                <a:ea typeface="微软雅黑" panose="020B0503020204020204" pitchFamily="34" charset="-122"/>
-              </a:rPr>
-              <a:t>      </a:t>
-            </a:r>
+              <a:rPr lang="zh-CN" altLang="en-US" dirty="0" smtClean="0"/>
+              <a:t>      显示</a:t>
+            </a:r>
+            <a:r>
+              <a:rPr lang="zh-CN" altLang="en-US" dirty="0"/>
+              <a:t>与通信图类以的信息，但强调的是顺序，而不是连接</a:t>
+            </a:r>
+            <a:endParaRPr lang="en-US" altLang="zh-CN" dirty="0">
+              <a:latin typeface="微软雅黑" panose="020B0503020204020204" pitchFamily="34" charset="-122"/>
+              <a:ea typeface="微软雅黑" panose="020B0503020204020204" pitchFamily="34" charset="-122"/>
+            </a:endParaRPr>
+          </a:p>
+          <a:p>
             <a:r>
               <a:rPr lang="zh-CN" altLang="en-US" dirty="0" smtClean="0">
                 <a:latin typeface="微软雅黑" panose="020B0503020204020204" pitchFamily="34" charset="-122"/>
                 <a:ea typeface="微软雅黑" panose="020B0503020204020204" pitchFamily="34" charset="-122"/>
               </a:rPr>
-              <a:t>捕获时间顺序</a:t>
+              <a:t>通信图</a:t>
             </a:r>
             <a:endParaRPr lang="en-US" altLang="zh-CN" dirty="0">
               <a:latin typeface="微软雅黑" panose="020B0503020204020204" pitchFamily="34" charset="-122"/>
@@ -13266,11 +15992,12 @@
           </a:p>
           <a:p>
             <a:r>
-              <a:rPr lang="zh-CN" altLang="en-US" dirty="0">
-                <a:latin typeface="微软雅黑" panose="020B0503020204020204" pitchFamily="34" charset="-122"/>
-                <a:ea typeface="微软雅黑" panose="020B0503020204020204" pitchFamily="34" charset="-122"/>
-              </a:rPr>
-              <a:t>协作图</a:t>
+              <a:rPr lang="zh-CN" altLang="en-US" dirty="0" smtClean="0"/>
+              <a:t>      显示</a:t>
+            </a:r>
+            <a:r>
+              <a:rPr lang="zh-CN" altLang="en-US" dirty="0"/>
+              <a:t>在某种情形下对象之间发送的消息</a:t>
             </a:r>
             <a:endParaRPr lang="en-US" altLang="zh-CN" dirty="0">
               <a:latin typeface="微软雅黑" panose="020B0503020204020204" pitchFamily="34" charset="-122"/>
@@ -13279,109 +16006,43 @@
           </a:p>
           <a:p>
             <a:r>
-              <a:rPr lang="en-US" altLang="zh-CN" dirty="0" smtClean="0">
-                <a:latin typeface="微软雅黑" panose="020B0503020204020204" pitchFamily="34" charset="-122"/>
-                <a:ea typeface="微软雅黑" panose="020B0503020204020204" pitchFamily="34" charset="-122"/>
-              </a:rPr>
-              <a:t>     </a:t>
-            </a:r>
-            <a:r>
               <a:rPr lang="zh-CN" altLang="en-US" dirty="0" smtClean="0">
                 <a:latin typeface="微软雅黑" panose="020B0503020204020204" pitchFamily="34" charset="-122"/>
                 <a:ea typeface="微软雅黑" panose="020B0503020204020204" pitchFamily="34" charset="-122"/>
               </a:rPr>
-              <a:t>强调对象协作</a:t>
+              <a:t>构建图</a:t>
+            </a:r>
+            <a:endParaRPr lang="en-US" altLang="zh-CN" dirty="0" smtClean="0">
+              <a:latin typeface="微软雅黑" panose="020B0503020204020204" pitchFamily="34" charset="-122"/>
+              <a:ea typeface="微软雅黑" panose="020B0503020204020204" pitchFamily="34" charset="-122"/>
+            </a:endParaRPr>
+          </a:p>
+          <a:p>
+            <a:r>
+              <a:rPr lang="zh-CN" altLang="en-US" dirty="0" smtClean="0"/>
+              <a:t>      显示</a:t>
+            </a:r>
+            <a:r>
+              <a:rPr lang="zh-CN" altLang="en-US" dirty="0"/>
+              <a:t>可重用的组件（对象或子系统）及期接口</a:t>
             </a:r>
             <a:endParaRPr lang="en-US" altLang="zh-CN" dirty="0">
               <a:latin typeface="微软雅黑" panose="020B0503020204020204" pitchFamily="34" charset="-122"/>
               <a:ea typeface="微软雅黑" panose="020B0503020204020204" pitchFamily="34" charset="-122"/>
             </a:endParaRPr>
           </a:p>
-          <a:p>
-            <a:r>
-              <a:rPr lang="zh-CN" altLang="en-US" dirty="0">
-                <a:latin typeface="微软雅黑" panose="020B0503020204020204" pitchFamily="34" charset="-122"/>
-                <a:ea typeface="微软雅黑" panose="020B0503020204020204" pitchFamily="34" charset="-122"/>
-              </a:rPr>
-              <a:t>状态图</a:t>
-            </a:r>
-            <a:endParaRPr lang="en-US" altLang="zh-CN" dirty="0">
-              <a:latin typeface="微软雅黑" panose="020B0503020204020204" pitchFamily="34" charset="-122"/>
-              <a:ea typeface="微软雅黑" panose="020B0503020204020204" pitchFamily="34" charset="-122"/>
-            </a:endParaRPr>
-          </a:p>
-          <a:p>
-            <a:r>
-              <a:rPr lang="en-US" altLang="zh-CN" dirty="0" smtClean="0">
-                <a:latin typeface="微软雅黑" panose="020B0503020204020204" pitchFamily="34" charset="-122"/>
-                <a:ea typeface="微软雅黑" panose="020B0503020204020204" pitchFamily="34" charset="-122"/>
-              </a:rPr>
-              <a:t>     </a:t>
-            </a:r>
-            <a:r>
-              <a:rPr lang="zh-CN" altLang="en-US" dirty="0" smtClean="0">
-                <a:latin typeface="微软雅黑" panose="020B0503020204020204" pitchFamily="34" charset="-122"/>
-                <a:ea typeface="微软雅黑" panose="020B0503020204020204" pitchFamily="34" charset="-122"/>
-              </a:rPr>
-              <a:t>生命周期状态转换</a:t>
-            </a:r>
-            <a:endParaRPr lang="en-US" altLang="zh-CN" dirty="0">
-              <a:latin typeface="微软雅黑" panose="020B0503020204020204" pitchFamily="34" charset="-122"/>
-              <a:ea typeface="微软雅黑" panose="020B0503020204020204" pitchFamily="34" charset="-122"/>
-            </a:endParaRPr>
-          </a:p>
-          <a:p>
-            <a:r>
-              <a:rPr lang="zh-CN" altLang="en-US" dirty="0" smtClean="0">
-                <a:latin typeface="微软雅黑" panose="020B0503020204020204" pitchFamily="34" charset="-122"/>
-                <a:ea typeface="微软雅黑" panose="020B0503020204020204" pitchFamily="34" charset="-122"/>
-              </a:rPr>
-              <a:t>活动图</a:t>
-            </a:r>
-            <a:endParaRPr lang="en-US" altLang="zh-CN" dirty="0" smtClean="0">
-              <a:latin typeface="微软雅黑" panose="020B0503020204020204" pitchFamily="34" charset="-122"/>
-              <a:ea typeface="微软雅黑" panose="020B0503020204020204" pitchFamily="34" charset="-122"/>
-            </a:endParaRPr>
-          </a:p>
-          <a:p>
-            <a:r>
-              <a:rPr lang="en-US" altLang="zh-CN" dirty="0">
-                <a:latin typeface="微软雅黑" panose="020B0503020204020204" pitchFamily="34" charset="-122"/>
-                <a:ea typeface="微软雅黑" panose="020B0503020204020204" pitchFamily="34" charset="-122"/>
-              </a:rPr>
-              <a:t> </a:t>
-            </a:r>
-            <a:r>
-              <a:rPr lang="en-US" altLang="zh-CN" dirty="0" smtClean="0">
-                <a:latin typeface="微软雅黑" panose="020B0503020204020204" pitchFamily="34" charset="-122"/>
-                <a:ea typeface="微软雅黑" panose="020B0503020204020204" pitchFamily="34" charset="-122"/>
-              </a:rPr>
-              <a:t>    </a:t>
-            </a:r>
-            <a:r>
-              <a:rPr lang="zh-CN" altLang="en-US" dirty="0" smtClean="0">
-                <a:latin typeface="微软雅黑" panose="020B0503020204020204" pitchFamily="34" charset="-122"/>
-                <a:ea typeface="微软雅黑" panose="020B0503020204020204" pitchFamily="34" charset="-122"/>
-              </a:rPr>
-              <a:t>流程模型</a:t>
-            </a:r>
-            <a:endParaRPr lang="en-US" altLang="zh-CN" dirty="0">
-              <a:latin typeface="微软雅黑" panose="020B0503020204020204" pitchFamily="34" charset="-122"/>
-              <a:ea typeface="微软雅黑" panose="020B0503020204020204" pitchFamily="34" charset="-122"/>
-            </a:endParaRPr>
-          </a:p>
         </p:txBody>
       </p:sp>
       <p:sp>
         <p:nvSpPr>
-          <p:cNvPr id="5" name="矩形 4"/>
+          <p:cNvPr id="10" name="矩形 9"/>
           <p:cNvSpPr/>
           <p:nvPr/>
         </p:nvSpPr>
         <p:spPr>
           <a:xfrm>
-            <a:off x="2892558" y="5398585"/>
-            <a:ext cx="1111624" cy="369332"/>
+            <a:off x="2892558" y="1711335"/>
+            <a:ext cx="3496235" cy="3416320"/>
           </a:xfrm>
           <a:prstGeom prst="rect">
             <a:avLst/>
@@ -13398,116 +16059,535 @@
                 <a:latin typeface="微软雅黑" panose="020B0503020204020204" pitchFamily="34" charset="-122"/>
                 <a:ea typeface="微软雅黑" panose="020B0503020204020204" pitchFamily="34" charset="-122"/>
               </a:rPr>
-              <a:t>系统结构</a:t>
+              <a:t>用例图</a:t>
+            </a:r>
+            <a:endParaRPr lang="en-US" altLang="zh-CN" dirty="0" smtClean="0">
+              <a:latin typeface="微软雅黑" panose="020B0503020204020204" pitchFamily="34" charset="-122"/>
+              <a:ea typeface="微软雅黑" panose="020B0503020204020204" pitchFamily="34" charset="-122"/>
+            </a:endParaRPr>
+          </a:p>
+          <a:p>
+            <a:r>
+              <a:rPr lang="en-US" altLang="zh-CN" dirty="0"/>
+              <a:t> </a:t>
+            </a:r>
+            <a:r>
+              <a:rPr lang="en-US" altLang="zh-CN" dirty="0" smtClean="0"/>
+              <a:t>    </a:t>
+            </a:r>
+            <a:r>
+              <a:rPr lang="zh-CN" altLang="en-US" dirty="0" smtClean="0"/>
+              <a:t>对</a:t>
+            </a:r>
+            <a:r>
+              <a:rPr lang="zh-CN" altLang="en-US" dirty="0"/>
+              <a:t>系统的使用方式</a:t>
+            </a:r>
+            <a:r>
+              <a:rPr lang="zh-CN" altLang="en-US" dirty="0" smtClean="0"/>
+              <a:t>分类</a:t>
+            </a:r>
+            <a:endParaRPr lang="en-US" altLang="zh-CN" dirty="0" smtClean="0"/>
+          </a:p>
+          <a:p>
+            <a:r>
+              <a:rPr lang="zh-CN" altLang="en-US" dirty="0" smtClean="0">
+                <a:latin typeface="微软雅黑" panose="020B0503020204020204" pitchFamily="34" charset="-122"/>
+                <a:ea typeface="微软雅黑" panose="020B0503020204020204" pitchFamily="34" charset="-122"/>
+              </a:rPr>
+              <a:t>类图</a:t>
             </a:r>
             <a:endParaRPr lang="en-US" altLang="zh-CN" dirty="0">
               <a:latin typeface="微软雅黑" panose="020B0503020204020204" pitchFamily="34" charset="-122"/>
               <a:ea typeface="微软雅黑" panose="020B0503020204020204" pitchFamily="34" charset="-122"/>
             </a:endParaRPr>
           </a:p>
+          <a:p>
+            <a:r>
+              <a:rPr lang="zh-CN" altLang="en-US" dirty="0" smtClean="0"/>
+              <a:t>     显示</a:t>
+            </a:r>
+            <a:r>
+              <a:rPr lang="zh-CN" altLang="en-US" dirty="0"/>
+              <a:t>类和它们的相互</a:t>
+            </a:r>
+            <a:r>
+              <a:rPr lang="zh-CN" altLang="en-US" dirty="0" smtClean="0"/>
+              <a:t>关系</a:t>
+            </a:r>
+            <a:endParaRPr lang="en-US" altLang="zh-CN" dirty="0">
+              <a:latin typeface="微软雅黑" panose="020B0503020204020204" pitchFamily="34" charset="-122"/>
+              <a:ea typeface="微软雅黑" panose="020B0503020204020204" pitchFamily="34" charset="-122"/>
+            </a:endParaRPr>
+          </a:p>
+          <a:p>
+            <a:r>
+              <a:rPr lang="zh-CN" altLang="en-US" dirty="0">
+                <a:latin typeface="微软雅黑" panose="020B0503020204020204" pitchFamily="34" charset="-122"/>
+                <a:ea typeface="微软雅黑" panose="020B0503020204020204" pitchFamily="34" charset="-122"/>
+              </a:rPr>
+              <a:t>对象</a:t>
+            </a:r>
+            <a:r>
+              <a:rPr lang="zh-CN" altLang="en-US" dirty="0" smtClean="0">
+                <a:latin typeface="微软雅黑" panose="020B0503020204020204" pitchFamily="34" charset="-122"/>
+                <a:ea typeface="微软雅黑" panose="020B0503020204020204" pitchFamily="34" charset="-122"/>
+              </a:rPr>
+              <a:t>图</a:t>
+            </a:r>
+            <a:endParaRPr lang="en-US" altLang="zh-CN" dirty="0">
+              <a:latin typeface="微软雅黑" panose="020B0503020204020204" pitchFamily="34" charset="-122"/>
+              <a:ea typeface="微软雅黑" panose="020B0503020204020204" pitchFamily="34" charset="-122"/>
+            </a:endParaRPr>
+          </a:p>
+          <a:p>
+            <a:r>
+              <a:rPr lang="zh-CN" altLang="en-US" dirty="0" smtClean="0"/>
+              <a:t>     只</a:t>
+            </a:r>
+            <a:r>
+              <a:rPr lang="zh-CN" altLang="en-US" dirty="0"/>
+              <a:t>显示对象及它们的相互</a:t>
+            </a:r>
+            <a:r>
+              <a:rPr lang="zh-CN" altLang="en-US" dirty="0" smtClean="0"/>
+              <a:t>关系</a:t>
+            </a:r>
+            <a:endParaRPr lang="en-US" altLang="zh-CN" dirty="0" smtClean="0"/>
+          </a:p>
+          <a:p>
+            <a:r>
+              <a:rPr lang="zh-CN" altLang="en-US" dirty="0" smtClean="0">
+                <a:latin typeface="微软雅黑" panose="020B0503020204020204" pitchFamily="34" charset="-122"/>
+                <a:ea typeface="微软雅黑" panose="020B0503020204020204" pitchFamily="34" charset="-122"/>
+              </a:rPr>
+              <a:t>状态机图</a:t>
+            </a:r>
+            <a:endParaRPr lang="en-US" altLang="zh-CN" dirty="0" smtClean="0">
+              <a:latin typeface="微软雅黑" panose="020B0503020204020204" pitchFamily="34" charset="-122"/>
+              <a:ea typeface="微软雅黑" panose="020B0503020204020204" pitchFamily="34" charset="-122"/>
+            </a:endParaRPr>
+          </a:p>
+          <a:p>
+            <a:r>
+              <a:rPr lang="zh-CN" altLang="en-US" dirty="0" smtClean="0"/>
+              <a:t>     显示</a:t>
+            </a:r>
+            <a:r>
+              <a:rPr lang="zh-CN" altLang="en-US" dirty="0"/>
+              <a:t>生命周期比较有趣或复杂的对象的各种</a:t>
+            </a:r>
+            <a:r>
+              <a:rPr lang="zh-CN" altLang="en-US" dirty="0" smtClean="0"/>
+              <a:t>状态</a:t>
+            </a:r>
+            <a:endParaRPr lang="en-US" altLang="zh-CN" dirty="0" smtClean="0"/>
+          </a:p>
+          <a:p>
+            <a:r>
+              <a:rPr lang="zh-CN" altLang="en-US" dirty="0" smtClean="0">
+                <a:latin typeface="微软雅黑" panose="020B0503020204020204" pitchFamily="34" charset="-122"/>
+                <a:ea typeface="微软雅黑" panose="020B0503020204020204" pitchFamily="34" charset="-122"/>
+              </a:rPr>
+              <a:t>部署图</a:t>
+            </a:r>
+            <a:endParaRPr lang="en-US" altLang="zh-CN" dirty="0" smtClean="0">
+              <a:latin typeface="微软雅黑" panose="020B0503020204020204" pitchFamily="34" charset="-122"/>
+              <a:ea typeface="微软雅黑" panose="020B0503020204020204" pitchFamily="34" charset="-122"/>
+            </a:endParaRPr>
+          </a:p>
+          <a:p>
+            <a:r>
+              <a:rPr lang="zh-CN" altLang="en-US" dirty="0" smtClean="0"/>
+              <a:t>      显示</a:t>
+            </a:r>
+            <a:r>
+              <a:rPr lang="zh-CN" altLang="en-US" dirty="0"/>
+              <a:t>安装已完成系统的机器、过程和部署制品</a:t>
+            </a:r>
+            <a:endParaRPr lang="en-US" altLang="zh-CN" dirty="0">
+              <a:latin typeface="微软雅黑" panose="020B0503020204020204" pitchFamily="34" charset="-122"/>
+              <a:ea typeface="微软雅黑" panose="020B0503020204020204" pitchFamily="34" charset="-122"/>
+            </a:endParaRPr>
+          </a:p>
         </p:txBody>
       </p:sp>
+      <p:graphicFrame>
+        <p:nvGraphicFramePr>
+          <p:cNvPr id="11" name="表格 10"/>
+          <p:cNvGraphicFramePr>
+            <a:graphicFrameLocks noGrp="1"/>
+          </p:cNvGraphicFramePr>
+          <p:nvPr>
+            <p:extLst>
+              <p:ext uri="{D42A27DB-BD31-4B8C-83A1-F6EECF244321}">
+                <p14:modId xmlns:p14="http://schemas.microsoft.com/office/powerpoint/2010/main" val="302715248"/>
+              </p:ext>
+            </p:extLst>
+          </p:nvPr>
+        </p:nvGraphicFramePr>
+        <p:xfrm>
+          <a:off x="2806544" y="2221630"/>
+          <a:ext cx="8128000" cy="2595880"/>
+        </p:xfrm>
+        <a:graphic>
+          <a:graphicData uri="http://schemas.openxmlformats.org/drawingml/2006/table">
+            <a:tbl>
+              <a:tblPr firstRow="1" bandRow="1">
+                <a:tableStyleId>{5C22544A-7EE6-4342-B048-85BDC9FD1C3A}</a:tableStyleId>
+              </a:tblPr>
+              <a:tblGrid>
+                <a:gridCol w="3079101">
+                  <a:extLst>
+                    <a:ext uri="{9D8B030D-6E8A-4147-A177-3AD203B41FA5}">
+                      <a16:colId xmlns:a16="http://schemas.microsoft.com/office/drawing/2014/main" xmlns="" val="2441451342"/>
+                    </a:ext>
+                  </a:extLst>
+                </a:gridCol>
+                <a:gridCol w="5048899">
+                  <a:extLst>
+                    <a:ext uri="{9D8B030D-6E8A-4147-A177-3AD203B41FA5}">
+                      <a16:colId xmlns:a16="http://schemas.microsoft.com/office/drawing/2014/main" xmlns="" val="2508297373"/>
+                    </a:ext>
+                  </a:extLst>
+                </a:gridCol>
+              </a:tblGrid>
+              <a:tr h="370840">
+                <a:tc gridSpan="2">
+                  <a:txBody>
+                    <a:bodyPr/>
+                    <a:lstStyle/>
+                    <a:p>
+                      <a:pPr algn="ctr"/>
+                      <a:r>
+                        <a:rPr lang="en-US" altLang="zh-CN" dirty="0" err="1" smtClean="0"/>
+                        <a:t>uml</a:t>
+                      </a:r>
+                      <a:r>
+                        <a:rPr lang="zh-CN" altLang="en-US" dirty="0" smtClean="0"/>
+                        <a:t>图分类</a:t>
+                      </a:r>
+                      <a:endParaRPr lang="zh-CN" altLang="en-US" dirty="0"/>
+                    </a:p>
+                  </a:txBody>
+                  <a:tcPr/>
+                </a:tc>
+                <a:tc hMerge="1">
+                  <a:txBody>
+                    <a:bodyPr/>
+                    <a:lstStyle/>
+                    <a:p>
+                      <a:endParaRPr lang="zh-CN" altLang="en-US" dirty="0"/>
+                    </a:p>
+                  </a:txBody>
+                  <a:tcPr/>
+                </a:tc>
+                <a:extLst>
+                  <a:ext uri="{0D108BD9-81ED-4DB2-BD59-A6C34878D82A}">
+                    <a16:rowId xmlns:a16="http://schemas.microsoft.com/office/drawing/2014/main" xmlns="" val="1467664725"/>
+                  </a:ext>
+                </a:extLst>
+              </a:tr>
+              <a:tr h="370840">
+                <a:tc>
+                  <a:txBody>
+                    <a:bodyPr/>
+                    <a:lstStyle/>
+                    <a:p>
+                      <a:pPr algn="ctr"/>
+                      <a:r>
+                        <a:rPr lang="zh-CN" altLang="en-US" dirty="0" smtClean="0"/>
+                        <a:t>类型</a:t>
+                      </a:r>
+                      <a:endParaRPr lang="zh-CN" altLang="en-US" dirty="0"/>
+                    </a:p>
+                  </a:txBody>
+                  <a:tcPr/>
+                </a:tc>
+                <a:tc>
+                  <a:txBody>
+                    <a:bodyPr/>
+                    <a:lstStyle/>
+                    <a:p>
+                      <a:pPr algn="ctr"/>
+                      <a:r>
+                        <a:rPr lang="zh-CN" altLang="en-US" dirty="0" smtClean="0"/>
+                        <a:t>包含</a:t>
+                      </a:r>
+                      <a:endParaRPr lang="zh-CN" altLang="en-US" dirty="0"/>
+                    </a:p>
+                  </a:txBody>
+                  <a:tcPr/>
+                </a:tc>
+                <a:extLst>
+                  <a:ext uri="{0D108BD9-81ED-4DB2-BD59-A6C34878D82A}">
+                    <a16:rowId xmlns:a16="http://schemas.microsoft.com/office/drawing/2014/main" xmlns="" val="2149009840"/>
+                  </a:ext>
+                </a:extLst>
+              </a:tr>
+              <a:tr h="370840">
+                <a:tc>
+                  <a:txBody>
+                    <a:bodyPr/>
+                    <a:lstStyle/>
+                    <a:p>
+                      <a:pPr algn="ctr"/>
+                      <a:r>
+                        <a:rPr lang="zh-CN" altLang="en-US" dirty="0" smtClean="0"/>
+                        <a:t>静态图</a:t>
+                      </a:r>
+                      <a:endParaRPr lang="zh-CN" altLang="en-US" dirty="0"/>
+                    </a:p>
+                  </a:txBody>
+                  <a:tcPr/>
+                </a:tc>
+                <a:tc>
+                  <a:txBody>
+                    <a:bodyPr/>
+                    <a:lstStyle/>
+                    <a:p>
+                      <a:r>
+                        <a:rPr lang="zh-CN" altLang="en-US" dirty="0" smtClean="0"/>
+                        <a:t>类图、对象图、包图、组合结构图</a:t>
+                      </a:r>
+                      <a:endParaRPr lang="zh-CN" altLang="en-US" dirty="0"/>
+                    </a:p>
+                  </a:txBody>
+                  <a:tcPr/>
+                </a:tc>
+                <a:extLst>
+                  <a:ext uri="{0D108BD9-81ED-4DB2-BD59-A6C34878D82A}">
+                    <a16:rowId xmlns:a16="http://schemas.microsoft.com/office/drawing/2014/main" xmlns="" val="1171274051"/>
+                  </a:ext>
+                </a:extLst>
+              </a:tr>
+              <a:tr h="370840">
+                <a:tc>
+                  <a:txBody>
+                    <a:bodyPr/>
+                    <a:lstStyle/>
+                    <a:p>
+                      <a:pPr algn="ctr"/>
+                      <a:r>
+                        <a:rPr lang="zh-CN" altLang="en-US" dirty="0" smtClean="0"/>
+                        <a:t>行为图</a:t>
+                      </a:r>
+                      <a:endParaRPr lang="zh-CN" altLang="en-US" dirty="0"/>
+                    </a:p>
+                  </a:txBody>
+                  <a:tcPr/>
+                </a:tc>
+                <a:tc>
+                  <a:txBody>
+                    <a:bodyPr/>
+                    <a:lstStyle/>
+                    <a:p>
+                      <a:r>
+                        <a:rPr lang="zh-CN" altLang="en-US" dirty="0" smtClean="0"/>
+                        <a:t>状态机图、活动图</a:t>
+                      </a:r>
+                      <a:endParaRPr lang="zh-CN" altLang="en-US" dirty="0"/>
+                    </a:p>
+                  </a:txBody>
+                  <a:tcPr/>
+                </a:tc>
+                <a:extLst>
+                  <a:ext uri="{0D108BD9-81ED-4DB2-BD59-A6C34878D82A}">
+                    <a16:rowId xmlns:a16="http://schemas.microsoft.com/office/drawing/2014/main" xmlns="" val="276742701"/>
+                  </a:ext>
+                </a:extLst>
+              </a:tr>
+              <a:tr h="370840">
+                <a:tc>
+                  <a:txBody>
+                    <a:bodyPr/>
+                    <a:lstStyle/>
+                    <a:p>
+                      <a:pPr algn="ctr"/>
+                      <a:r>
+                        <a:rPr lang="zh-CN" altLang="en-US" dirty="0" smtClean="0"/>
+                        <a:t>用例图</a:t>
+                      </a:r>
+                      <a:endParaRPr lang="zh-CN" altLang="en-US" dirty="0"/>
+                    </a:p>
+                  </a:txBody>
+                  <a:tcPr/>
+                </a:tc>
+                <a:tc>
+                  <a:txBody>
+                    <a:bodyPr/>
+                    <a:lstStyle/>
+                    <a:p>
+                      <a:r>
+                        <a:rPr lang="zh-CN" altLang="en-US" dirty="0" smtClean="0"/>
+                        <a:t>用例图</a:t>
+                      </a:r>
+                      <a:endParaRPr lang="zh-CN" altLang="en-US" dirty="0"/>
+                    </a:p>
+                  </a:txBody>
+                  <a:tcPr/>
+                </a:tc>
+                <a:extLst>
+                  <a:ext uri="{0D108BD9-81ED-4DB2-BD59-A6C34878D82A}">
+                    <a16:rowId xmlns:a16="http://schemas.microsoft.com/office/drawing/2014/main" xmlns="" val="2009927004"/>
+                  </a:ext>
+                </a:extLst>
+              </a:tr>
+              <a:tr h="370840">
+                <a:tc>
+                  <a:txBody>
+                    <a:bodyPr/>
+                    <a:lstStyle/>
+                    <a:p>
+                      <a:pPr algn="ctr"/>
+                      <a:r>
+                        <a:rPr lang="zh-CN" altLang="en-US" dirty="0" smtClean="0"/>
+                        <a:t>交互图</a:t>
+                      </a:r>
+                      <a:endParaRPr lang="zh-CN" altLang="en-US" dirty="0"/>
+                    </a:p>
+                  </a:txBody>
+                  <a:tcPr/>
+                </a:tc>
+                <a:tc>
+                  <a:txBody>
+                    <a:bodyPr/>
+                    <a:lstStyle/>
+                    <a:p>
+                      <a:r>
+                        <a:rPr lang="zh-CN" altLang="en-US" dirty="0" smtClean="0"/>
+                        <a:t>顺序图、通信图、时间图、交互概况图</a:t>
+                      </a:r>
+                      <a:endParaRPr lang="zh-CN" altLang="en-US" dirty="0"/>
+                    </a:p>
+                  </a:txBody>
+                  <a:tcPr/>
+                </a:tc>
+                <a:extLst>
+                  <a:ext uri="{0D108BD9-81ED-4DB2-BD59-A6C34878D82A}">
+                    <a16:rowId xmlns:a16="http://schemas.microsoft.com/office/drawing/2014/main" xmlns="" val="3062513152"/>
+                  </a:ext>
+                </a:extLst>
+              </a:tr>
+              <a:tr h="370840">
+                <a:tc>
+                  <a:txBody>
+                    <a:bodyPr/>
+                    <a:lstStyle/>
+                    <a:p>
+                      <a:pPr algn="ctr"/>
+                      <a:r>
+                        <a:rPr lang="zh-CN" altLang="en-US" dirty="0" smtClean="0"/>
+                        <a:t>实现图</a:t>
+                      </a:r>
+                      <a:endParaRPr lang="zh-CN" altLang="en-US" dirty="0"/>
+                    </a:p>
+                  </a:txBody>
+                  <a:tcPr/>
+                </a:tc>
+                <a:tc>
+                  <a:txBody>
+                    <a:bodyPr/>
+                    <a:lstStyle/>
+                    <a:p>
+                      <a:r>
+                        <a:rPr lang="zh-CN" altLang="en-US" dirty="0" smtClean="0"/>
+                        <a:t>构建图、部署图</a:t>
+                      </a:r>
+                      <a:endParaRPr lang="zh-CN" altLang="en-US" dirty="0"/>
+                    </a:p>
+                  </a:txBody>
+                  <a:tcPr/>
+                </a:tc>
+                <a:extLst>
+                  <a:ext uri="{0D108BD9-81ED-4DB2-BD59-A6C34878D82A}">
+                    <a16:rowId xmlns:a16="http://schemas.microsoft.com/office/drawing/2014/main" xmlns="" val="3046141380"/>
+                  </a:ext>
+                </a:extLst>
+              </a:tr>
+            </a:tbl>
+          </a:graphicData>
+        </a:graphic>
+      </p:graphicFrame>
       <p:sp>
         <p:nvSpPr>
-          <p:cNvPr id="6" name="矩形 5"/>
-          <p:cNvSpPr/>
+          <p:cNvPr id="12" name="文本框 11"/>
+          <p:cNvSpPr txBox="1"/>
           <p:nvPr/>
         </p:nvSpPr>
         <p:spPr>
           <a:xfrm>
-            <a:off x="7566212" y="5398585"/>
-            <a:ext cx="1317812" cy="369332"/>
+            <a:off x="2892559" y="5632174"/>
+            <a:ext cx="8041986" cy="646331"/>
           </a:xfrm>
           <a:prstGeom prst="rect">
             <a:avLst/>
           </a:prstGeom>
+          <a:noFill/>
         </p:spPr>
         <p:txBody>
-          <a:bodyPr wrap="square">
+          <a:bodyPr wrap="square" rtlCol="0">
             <a:spAutoFit/>
           </a:bodyPr>
           <a:lstStyle/>
           <a:p>
             <a:r>
-              <a:rPr lang="zh-CN" altLang="en-US" dirty="0" smtClean="0">
-                <a:latin typeface="微软雅黑" panose="020B0503020204020204" pitchFamily="34" charset="-122"/>
-                <a:ea typeface="微软雅黑" panose="020B0503020204020204" pitchFamily="34" charset="-122"/>
-              </a:rPr>
-              <a:t>系统行为</a:t>
-            </a:r>
-            <a:endParaRPr lang="en-US" altLang="zh-CN" dirty="0">
-              <a:latin typeface="微软雅黑" panose="020B0503020204020204" pitchFamily="34" charset="-122"/>
-              <a:ea typeface="微软雅黑" panose="020B0503020204020204" pitchFamily="34" charset="-122"/>
-            </a:endParaRPr>
+              <a:rPr lang="zh-CN" altLang="en-US" dirty="0" smtClean="0"/>
+              <a:t>其中，包图、组合结构图、交互概览图和时间图是</a:t>
+            </a:r>
+            <a:r>
+              <a:rPr lang="en-US" altLang="zh-CN" dirty="0" smtClean="0"/>
+              <a:t>UML2.0</a:t>
+            </a:r>
+            <a:r>
+              <a:rPr lang="zh-CN" altLang="en-US" dirty="0" smtClean="0"/>
+              <a:t>新增的图，并且对用例图、顺序图、活动图和构建图做出了修改。</a:t>
+            </a:r>
+            <a:endParaRPr lang="zh-CN" altLang="en-US" dirty="0"/>
           </a:p>
         </p:txBody>
       </p:sp>
-      <p:cxnSp>
-        <p:nvCxnSpPr>
-          <p:cNvPr id="8" name="直接箭头连接符 7"/>
-          <p:cNvCxnSpPr/>
+      <p:pic>
+        <p:nvPicPr>
+          <p:cNvPr id="8" name="Picture 2" descr="C:\Users\admin\Desktop\G20文档\绘画图\logo透明.png"/>
+          <p:cNvPicPr>
+            <a:picLocks noChangeAspect="1" noChangeArrowheads="1"/>
+          </p:cNvPicPr>
           <p:nvPr/>
-        </p:nvCxnSpPr>
-        <p:spPr>
+        </p:nvPicPr>
+        <p:blipFill>
+          <a:blip r:embed="rId2" cstate="print">
+            <a:extLst>
+              <a:ext uri="{28A0092B-C50C-407E-A947-70E740481C1C}">
+                <a14:useLocalDpi xmlns:a14="http://schemas.microsoft.com/office/drawing/2010/main" val="0"/>
+              </a:ext>
+            </a:extLst>
+          </a:blip>
+          <a:srcRect/>
+          <a:stretch>
+            <a:fillRect/>
+          </a:stretch>
+        </p:blipFill>
+        <p:spPr bwMode="auto">
           <a:xfrm>
-            <a:off x="3361765" y="4573657"/>
-            <a:ext cx="8964" cy="733449"/>
+            <a:off x="0" y="-679904"/>
+            <a:ext cx="2454275" cy="2454275"/>
           </a:xfrm>
-          <a:prstGeom prst="straightConnector1">
+          <a:prstGeom prst="rect">
             <a:avLst/>
           </a:prstGeom>
-          <a:ln>
-            <a:tailEnd type="triangle"/>
-          </a:ln>
+          <a:noFill/>
+          <a:extLst>
+            <a:ext uri="{909E8E84-426E-40DD-AFC4-6F175D3DCCD1}">
+              <a14:hiddenFill xmlns:a14="http://schemas.microsoft.com/office/drawing/2010/main">
+                <a:solidFill>
+                  <a:srgbClr val="FFFFFF"/>
+                </a:solidFill>
+              </a14:hiddenFill>
+            </a:ext>
+          </a:extLst>
         </p:spPr>
-        <p:style>
-          <a:lnRef idx="1">
-            <a:schemeClr val="accent1"/>
-          </a:lnRef>
-          <a:fillRef idx="0">
-            <a:schemeClr val="accent1"/>
-          </a:fillRef>
-          <a:effectRef idx="0">
-            <a:schemeClr val="accent1"/>
-          </a:effectRef>
-          <a:fontRef idx="minor">
-            <a:schemeClr val="tx1"/>
-          </a:fontRef>
-        </p:style>
-      </p:cxnSp>
-      <p:cxnSp>
-        <p:nvCxnSpPr>
-          <p:cNvPr id="9" name="直接箭头连接符 8"/>
-          <p:cNvCxnSpPr/>
-          <p:nvPr/>
-        </p:nvCxnSpPr>
-        <p:spPr>
-          <a:xfrm>
-            <a:off x="8107137" y="4477862"/>
-            <a:ext cx="8964" cy="733449"/>
-          </a:xfrm>
-          <a:prstGeom prst="straightConnector1">
-            <a:avLst/>
-          </a:prstGeom>
-          <a:ln>
-            <a:tailEnd type="triangle"/>
-          </a:ln>
-        </p:spPr>
-        <p:style>
-          <a:lnRef idx="1">
-            <a:schemeClr val="accent1"/>
-          </a:lnRef>
-          <a:fillRef idx="0">
-            <a:schemeClr val="accent1"/>
-          </a:fillRef>
-          <a:effectRef idx="0">
-            <a:schemeClr val="accent1"/>
-          </a:effectRef>
-          <a:fontRef idx="minor">
-            <a:schemeClr val="tx1"/>
-          </a:fontRef>
-        </p:style>
-      </p:cxnSp>
+      </p:pic>
     </p:spTree>
     <p:extLst>
       <p:ext uri="{BB962C8B-B14F-4D97-AF65-F5344CB8AC3E}">
@@ -13663,7 +16743,7 @@
                                           </p:stCondLst>
                                         </p:cTn>
                                         <p:tgtEl>
-                                          <p:spTgt spid="4"/>
+                                          <p:spTgt spid="10"/>
                                         </p:tgtEl>
                                         <p:attrNameLst>
                                           <p:attrName>style.visibility</p:attrName>
@@ -13677,7 +16757,7 @@
                                       <p:cBhvr>
                                         <p:cTn id="14" dur="1000"/>
                                         <p:tgtEl>
-                                          <p:spTgt spid="4"/>
+                                          <p:spTgt spid="10"/>
                                         </p:tgtEl>
                                       </p:cBhvr>
                                     </p:animEffect>
@@ -13685,7 +16765,7 @@
                                       <p:cBhvr>
                                         <p:cTn id="15" dur="1000" fill="hold"/>
                                         <p:tgtEl>
-                                          <p:spTgt spid="4"/>
+                                          <p:spTgt spid="10"/>
                                         </p:tgtEl>
                                         <p:attrNameLst>
                                           <p:attrName>ppt_x</p:attrName>
@@ -13708,7 +16788,7 @@
                                       <p:cBhvr>
                                         <p:cTn id="16" dur="1000" fill="hold"/>
                                         <p:tgtEl>
-                                          <p:spTgt spid="4"/>
+                                          <p:spTgt spid="10"/>
                                         </p:tgtEl>
                                         <p:attrNameLst>
                                           <p:attrName>ppt_y</p:attrName>
@@ -13749,7 +16829,7 @@
                             </p:stCondLst>
                             <p:childTnLst>
                               <p:par>
-                                <p:cTn id="19" presetID="22" presetClass="entr" presetSubtype="4" fill="hold" nodeType="clickEffect">
+                                <p:cTn id="19" presetID="42" presetClass="entr" presetSubtype="0" fill="hold" grpId="0" nodeType="clickEffect">
                                   <p:stCondLst>
                                     <p:cond delay="0"/>
                                   </p:stCondLst>
@@ -13762,60 +16842,7 @@
                                           </p:stCondLst>
                                         </p:cTn>
                                         <p:tgtEl>
-                                          <p:spTgt spid="8"/>
-                                        </p:tgtEl>
-                                        <p:attrNameLst>
-                                          <p:attrName>style.visibility</p:attrName>
-                                        </p:attrNameLst>
-                                      </p:cBhvr>
-                                      <p:to>
-                                        <p:strVal val="visible"/>
-                                      </p:to>
-                                    </p:set>
-                                    <p:animEffect transition="in" filter="wipe(down)">
-                                      <p:cBhvr>
-                                        <p:cTn id="21" dur="500"/>
-                                        <p:tgtEl>
-                                          <p:spTgt spid="8"/>
-                                        </p:tgtEl>
-                                      </p:cBhvr>
-                                    </p:animEffect>
-                                  </p:childTnLst>
-                                </p:cTn>
-                              </p:par>
-                            </p:childTnLst>
-                          </p:cTn>
-                        </p:par>
-                      </p:childTnLst>
-                    </p:cTn>
-                  </p:par>
-                  <p:par>
-                    <p:cTn id="22" fill="hold">
-                      <p:stCondLst>
-                        <p:cond delay="indefinite"/>
-                      </p:stCondLst>
-                      <p:childTnLst>
-                        <p:par>
-                          <p:cTn id="23" fill="hold">
-                            <p:stCondLst>
-                              <p:cond delay="0"/>
-                            </p:stCondLst>
-                            <p:childTnLst>
-                              <p:par>
-                                <p:cTn id="24" presetID="42" presetClass="entr" presetSubtype="0" fill="hold" nodeType="clickEffect">
-                                  <p:stCondLst>
-                                    <p:cond delay="0"/>
-                                  </p:stCondLst>
-                                  <p:childTnLst>
-                                    <p:set>
-                                      <p:cBhvr>
-                                        <p:cTn id="25" dur="1" fill="hold">
-                                          <p:stCondLst>
-                                            <p:cond delay="0"/>
-                                          </p:stCondLst>
-                                        </p:cTn>
-                                        <p:tgtEl>
-                                          <p:spTgt spid="9"/>
+                                          <p:spTgt spid="4"/>
                                         </p:tgtEl>
                                         <p:attrNameLst>
                                           <p:attrName>style.visibility</p:attrName>
@@ -13827,17 +16854,17 @@
                                     </p:set>
                                     <p:animEffect transition="in" filter="fade">
                                       <p:cBhvr>
-                                        <p:cTn id="26" dur="1000"/>
+                                        <p:cTn id="21" dur="1000"/>
                                         <p:tgtEl>
-                                          <p:spTgt spid="9"/>
+                                          <p:spTgt spid="4"/>
                                         </p:tgtEl>
                                       </p:cBhvr>
                                     </p:animEffect>
                                     <p:anim calcmode="lin" valueType="num">
                                       <p:cBhvr>
-                                        <p:cTn id="27" dur="1000" fill="hold"/>
+                                        <p:cTn id="22" dur="1000" fill="hold"/>
                                         <p:tgtEl>
-                                          <p:spTgt spid="9"/>
+                                          <p:spTgt spid="4"/>
                                         </p:tgtEl>
                                         <p:attrNameLst>
                                           <p:attrName>ppt_x</p:attrName>
@@ -13858,9 +16885,9 @@
                                     </p:anim>
                                     <p:anim calcmode="lin" valueType="num">
                                       <p:cBhvr>
-                                        <p:cTn id="28" dur="1000" fill="hold"/>
+                                        <p:cTn id="23" dur="1000" fill="hold"/>
                                         <p:tgtEl>
-                                          <p:spTgt spid="9"/>
+                                          <p:spTgt spid="4"/>
                                         </p:tgtEl>
                                         <p:attrNameLst>
                                           <p:attrName>ppt_y</p:attrName>
@@ -13889,95 +16916,41 @@
                     </p:cTn>
                   </p:par>
                   <p:par>
-                    <p:cTn id="29" fill="hold">
+                    <p:cTn id="24" fill="hold">
                       <p:stCondLst>
                         <p:cond delay="indefinite"/>
                       </p:stCondLst>
                       <p:childTnLst>
                         <p:par>
-                          <p:cTn id="30" fill="hold">
+                          <p:cTn id="25" fill="hold">
                             <p:stCondLst>
                               <p:cond delay="0"/>
                             </p:stCondLst>
                             <p:childTnLst>
                               <p:par>
-                                <p:cTn id="31" presetID="42" presetClass="entr" presetSubtype="0" fill="hold" grpId="0" nodeType="clickEffect">
+                                <p:cTn id="26" presetID="1" presetClass="exit" presetSubtype="0" fill="hold" grpId="1" nodeType="clickEffect">
                                   <p:stCondLst>
                                     <p:cond delay="0"/>
                                   </p:stCondLst>
                                   <p:childTnLst>
                                     <p:set>
                                       <p:cBhvr>
-                                        <p:cTn id="32" dur="1" fill="hold">
+                                        <p:cTn id="27" dur="1" fill="hold">
                                           <p:stCondLst>
                                             <p:cond delay="0"/>
                                           </p:stCondLst>
                                         </p:cTn>
                                         <p:tgtEl>
-                                          <p:spTgt spid="5"/>
+                                          <p:spTgt spid="3"/>
                                         </p:tgtEl>
                                         <p:attrNameLst>
                                           <p:attrName>style.visibility</p:attrName>
                                         </p:attrNameLst>
                                       </p:cBhvr>
                                       <p:to>
-                                        <p:strVal val="visible"/>
+                                        <p:strVal val="hidden"/>
                                       </p:to>
                                     </p:set>
-                                    <p:animEffect transition="in" filter="fade">
-                                      <p:cBhvr>
-                                        <p:cTn id="33" dur="1000"/>
-                                        <p:tgtEl>
-                                          <p:spTgt spid="5"/>
-                                        </p:tgtEl>
-                                      </p:cBhvr>
-                                    </p:animEffect>
-                                    <p:anim calcmode="lin" valueType="num">
-                                      <p:cBhvr>
-                                        <p:cTn id="34" dur="1000" fill="hold"/>
-                                        <p:tgtEl>
-                                          <p:spTgt spid="5"/>
-                                        </p:tgtEl>
-                                        <p:attrNameLst>
-                                          <p:attrName>ppt_x</p:attrName>
-                                        </p:attrNameLst>
-                                      </p:cBhvr>
-                                      <p:tavLst>
-                                        <p:tav tm="0">
-                                          <p:val>
-                                            <p:strVal val="#ppt_x"/>
-                                          </p:val>
-                                        </p:tav>
-                                        <p:tav tm="100000">
-                                          <p:val>
-                                            <p:strVal val="#ppt_x"/>
-                                          </p:val>
-                                        </p:tav>
-                                      </p:tavLst>
-                                    </p:anim>
-                                    <p:anim calcmode="lin" valueType="num">
-                                      <p:cBhvr>
-                                        <p:cTn id="35" dur="1000" fill="hold"/>
-                                        <p:tgtEl>
-                                          <p:spTgt spid="5"/>
-                                        </p:tgtEl>
-                                        <p:attrNameLst>
-                                          <p:attrName>ppt_y</p:attrName>
-                                        </p:attrNameLst>
-                                      </p:cBhvr>
-                                      <p:tavLst>
-                                        <p:tav tm="0">
-                                          <p:val>
-                                            <p:strVal val="#ppt_y+.1"/>
-                                          </p:val>
-                                        </p:tav>
-                                        <p:tav tm="100000">
-                                          <p:val>
-                                            <p:strVal val="#ppt_y"/>
-                                          </p:val>
-                                        </p:tav>
-                                      </p:tavLst>
-                                    </p:anim>
                                   </p:childTnLst>
                                 </p:cTn>
                               </p:par>
@@ -13988,32 +16961,130 @@
                     </p:cTn>
                   </p:par>
                   <p:par>
-                    <p:cTn id="36" fill="hold">
+                    <p:cTn id="28" fill="hold">
                       <p:stCondLst>
                         <p:cond delay="indefinite"/>
                       </p:stCondLst>
                       <p:childTnLst>
                         <p:par>
-                          <p:cTn id="37" fill="hold">
+                          <p:cTn id="29" fill="hold">
                             <p:stCondLst>
                               <p:cond delay="0"/>
                             </p:stCondLst>
                             <p:childTnLst>
                               <p:par>
-                                <p:cTn id="38" presetID="42" presetClass="entr" presetSubtype="0" fill="hold" grpId="0" nodeType="clickEffect">
+                                <p:cTn id="30" presetID="10" presetClass="exit" presetSubtype="0" fill="hold" grpId="1" nodeType="clickEffect">
+                                  <p:stCondLst>
+                                    <p:cond delay="0"/>
+                                  </p:stCondLst>
+                                  <p:childTnLst>
+                                    <p:animEffect transition="out" filter="fade">
+                                      <p:cBhvr>
+                                        <p:cTn id="31" dur="500"/>
+                                        <p:tgtEl>
+                                          <p:spTgt spid="10"/>
+                                        </p:tgtEl>
+                                      </p:cBhvr>
+                                    </p:animEffect>
+                                    <p:set>
+                                      <p:cBhvr>
+                                        <p:cTn id="32" dur="1" fill="hold">
+                                          <p:stCondLst>
+                                            <p:cond delay="499"/>
+                                          </p:stCondLst>
+                                        </p:cTn>
+                                        <p:tgtEl>
+                                          <p:spTgt spid="10"/>
+                                        </p:tgtEl>
+                                        <p:attrNameLst>
+                                          <p:attrName>style.visibility</p:attrName>
+                                        </p:attrNameLst>
+                                      </p:cBhvr>
+                                      <p:to>
+                                        <p:strVal val="hidden"/>
+                                      </p:to>
+                                    </p:set>
+                                  </p:childTnLst>
+                                </p:cTn>
+                              </p:par>
+                            </p:childTnLst>
+                          </p:cTn>
+                        </p:par>
+                      </p:childTnLst>
+                    </p:cTn>
+                  </p:par>
+                  <p:par>
+                    <p:cTn id="33" fill="hold">
+                      <p:stCondLst>
+                        <p:cond delay="indefinite"/>
+                      </p:stCondLst>
+                      <p:childTnLst>
+                        <p:par>
+                          <p:cTn id="34" fill="hold">
+                            <p:stCondLst>
+                              <p:cond delay="0"/>
+                            </p:stCondLst>
+                            <p:childTnLst>
+                              <p:par>
+                                <p:cTn id="35" presetID="1" presetClass="exit" presetSubtype="0" fill="hold" grpId="1" nodeType="clickEffect">
                                   <p:stCondLst>
                                     <p:cond delay="0"/>
                                   </p:stCondLst>
                                   <p:childTnLst>
                                     <p:set>
                                       <p:cBhvr>
-                                        <p:cTn id="39" dur="1" fill="hold">
+                                        <p:cTn id="36" dur="1" fill="hold">
                                           <p:stCondLst>
                                             <p:cond delay="0"/>
                                           </p:stCondLst>
                                         </p:cTn>
                                         <p:tgtEl>
-                                          <p:spTgt spid="6"/>
+                                          <p:spTgt spid="4"/>
+                                        </p:tgtEl>
+                                        <p:attrNameLst>
+                                          <p:attrName>style.visibility</p:attrName>
+                                        </p:attrNameLst>
+                                      </p:cBhvr>
+                                      <p:to>
+                                        <p:strVal val="hidden"/>
+                                      </p:to>
+                                    </p:set>
+                                  </p:childTnLst>
+                                </p:cTn>
+                              </p:par>
+                            </p:childTnLst>
+                          </p:cTn>
+                        </p:par>
+                      </p:childTnLst>
+                    </p:cTn>
+                  </p:par>
+                  <p:par>
+                    <p:cTn id="37" fill="hold">
+                      <p:stCondLst>
+                        <p:cond delay="indefinite"/>
+                      </p:stCondLst>
+                      <p:childTnLst>
+                        <p:par>
+                          <p:cTn id="38" fill="hold">
+                            <p:stCondLst>
+                              <p:cond delay="0"/>
+                            </p:stCondLst>
+                            <p:childTnLst>
+                              <p:par>
+                                <p:cTn id="39" presetID="1" presetClass="entr" presetSubtype="0" fill="hold" nodeType="clickEffect">
+                                  <p:stCondLst>
+                                    <p:cond delay="0"/>
+                                  </p:stCondLst>
+                                  <p:childTnLst>
+                                    <p:set>
+                                      <p:cBhvr>
+                                        <p:cTn id="40" dur="1" fill="hold">
+                                          <p:stCondLst>
+                                            <p:cond delay="0"/>
+                                          </p:stCondLst>
+                                        </p:cTn>
+                                        <p:tgtEl>
+                                          <p:spTgt spid="11"/>
                                         </p:tgtEl>
                                         <p:attrNameLst>
                                           <p:attrName>style.visibility</p:attrName>
@@ -14023,60 +17094,51 @@
                                         <p:strVal val="visible"/>
                                       </p:to>
                                     </p:set>
-                                    <p:animEffect transition="in" filter="fade">
+                                  </p:childTnLst>
+                                </p:cTn>
+                              </p:par>
+                            </p:childTnLst>
+                          </p:cTn>
+                        </p:par>
+                      </p:childTnLst>
+                    </p:cTn>
+                  </p:par>
+                  <p:par>
+                    <p:cTn id="41" fill="hold">
+                      <p:stCondLst>
+                        <p:cond delay="indefinite"/>
+                      </p:stCondLst>
+                      <p:childTnLst>
+                        <p:par>
+                          <p:cTn id="42" fill="hold">
+                            <p:stCondLst>
+                              <p:cond delay="0"/>
+                            </p:stCondLst>
+                            <p:childTnLst>
+                              <p:par>
+                                <p:cTn id="43" presetID="1" presetClass="entr" presetSubtype="0" fill="hold" grpId="0" nodeType="clickEffect">
+                                  <p:stCondLst>
+                                    <p:cond delay="0"/>
+                                  </p:stCondLst>
+                                  <p:childTnLst>
+                                    <p:set>
                                       <p:cBhvr>
-                                        <p:cTn id="40" dur="1000"/>
+                                        <p:cTn id="44" dur="1" fill="hold">
+                                          <p:stCondLst>
+                                            <p:cond delay="0"/>
+                                          </p:stCondLst>
+                                        </p:cTn>
                                         <p:tgtEl>
-                                          <p:spTgt spid="6"/>
-                                        </p:tgtEl>
-                                      </p:cBhvr>
-                                    </p:animEffect>
-                                    <p:anim calcmode="lin" valueType="num">
-                                      <p:cBhvr>
-                                        <p:cTn id="41" dur="1000" fill="hold"/>
-                                        <p:tgtEl>
-                                          <p:spTgt spid="6"/>
+                                          <p:spTgt spid="12"/>
                                         </p:tgtEl>
                                         <p:attrNameLst>
-                                          <p:attrName>ppt_x</p:attrName>
+                                          <p:attrName>style.visibility</p:attrName>
                                         </p:attrNameLst>
                                       </p:cBhvr>
-                                      <p:tavLst>
-                                        <p:tav tm="0">
-                                          <p:val>
-                                            <p:strVal val="#ppt_x"/>
-                                          </p:val>
-                                        </p:tav>
-                                        <p:tav tm="100000">
-                                          <p:val>
-                                            <p:strVal val="#ppt_x"/>
-                                          </p:val>
-                                        </p:tav>
-                                      </p:tavLst>
-                                    </p:anim>
-                                    <p:anim calcmode="lin" valueType="num">
-                                      <p:cBhvr>
-                                        <p:cTn id="42" dur="1000" fill="hold"/>
-                                        <p:tgtEl>
-                                          <p:spTgt spid="6"/>
-                                        </p:tgtEl>
-                                        <p:attrNameLst>
-                                          <p:attrName>ppt_y</p:attrName>
-                                        </p:attrNameLst>
-                                      </p:cBhvr>
-                                      <p:tavLst>
-                                        <p:tav tm="0">
-                                          <p:val>
-                                            <p:strVal val="#ppt_y+.1"/>
-                                          </p:val>
-                                        </p:tav>
-                                        <p:tav tm="100000">
-                                          <p:val>
-                                            <p:strVal val="#ppt_y"/>
-                                          </p:val>
-                                        </p:tav>
-                                      </p:tavLst>
-                                    </p:anim>
+                                      <p:to>
+                                        <p:strVal val="visible"/>
+                                      </p:to>
+                                    </p:set>
                                   </p:childTnLst>
                                 </p:cTn>
                               </p:par>
@@ -14109,15 +17171,18 @@
     </p:tnLst>
     <p:bldLst>
       <p:bldP spid="3" grpId="0"/>
+      <p:bldP spid="3" grpId="1"/>
       <p:bldP spid="4" grpId="0"/>
-      <p:bldP spid="5" grpId="0"/>
-      <p:bldP spid="6" grpId="0"/>
+      <p:bldP spid="4" grpId="1"/>
+      <p:bldP spid="10" grpId="0"/>
+      <p:bldP spid="10" grpId="1"/>
+      <p:bldP spid="12" grpId="0"/>
     </p:bldLst>
   </p:timing>
 </p:sld>
 </file>
 
-<file path=ppt/slides/slide8.xml><?xml version="1.0" encoding="utf-8"?>
+<file path=ppt/slides/slide9.xml><?xml version="1.0" encoding="utf-8"?>
 <p:sld xmlns:a="http://schemas.openxmlformats.org/drawingml/2006/main" xmlns:r="http://schemas.openxmlformats.org/officeDocument/2006/relationships" xmlns:p="http://schemas.openxmlformats.org/presentationml/2006/main">
   <p:cSld>
     <p:spTree>
@@ -14157,15 +17222,7 @@
             </a:r>
             <a:r>
               <a:rPr lang="zh-CN" altLang="en-US" sz="2800" dirty="0" smtClean="0"/>
-              <a:t>特点：“</a:t>
-            </a:r>
-            <a:r>
-              <a:rPr lang="en-US" altLang="zh-CN" sz="2800" dirty="0" smtClean="0"/>
-              <a:t>4+1</a:t>
-            </a:r>
-            <a:r>
-              <a:rPr lang="zh-CN" altLang="en-US" sz="2800" dirty="0" smtClean="0"/>
-              <a:t>”视图</a:t>
+              <a:t>特点：五个视图</a:t>
             </a:r>
             <a:endParaRPr lang="zh-CN" altLang="en-US" sz="2800" dirty="0"/>
           </a:p>
@@ -14194,157 +17251,97 @@
           </a:p>
           <a:p>
             <a:r>
-              <a:rPr lang="zh-CN" altLang="en-US" dirty="0"/>
-              <a:t>逻辑视图（</a:t>
-            </a:r>
-            <a:r>
-              <a:rPr lang="en-US" altLang="zh-CN" dirty="0"/>
-              <a:t>Logical View</a:t>
-            </a:r>
-            <a:r>
-              <a:rPr lang="zh-CN" altLang="en-US" dirty="0"/>
-              <a:t>），设计的对象模型（使用面向对象的设计方法时）。</a:t>
-            </a:r>
-          </a:p>
-          <a:p>
-            <a:r>
-              <a:rPr lang="zh-CN" altLang="en-US" dirty="0"/>
-              <a:t>过程视图（</a:t>
-            </a:r>
-            <a:r>
-              <a:rPr lang="en-US" altLang="zh-CN" dirty="0"/>
-              <a:t>Process View</a:t>
-            </a:r>
-            <a:r>
-              <a:rPr lang="zh-CN" altLang="en-US" dirty="0"/>
-              <a:t>），捕捉设计的并发和同步特征。</a:t>
-            </a:r>
-          </a:p>
-          <a:p>
-            <a:r>
-              <a:rPr lang="zh-CN" altLang="en-US" dirty="0"/>
-              <a:t>物理视图（</a:t>
-            </a:r>
-            <a:r>
-              <a:rPr lang="en-US" altLang="zh-CN" dirty="0"/>
-              <a:t>Physical View</a:t>
-            </a:r>
-            <a:r>
-              <a:rPr lang="zh-CN" altLang="en-US" dirty="0"/>
-              <a:t>），描述了软件到硬件的映射，反映了分布式特性。</a:t>
-            </a:r>
-          </a:p>
-          <a:p>
-            <a:r>
-              <a:rPr lang="zh-CN" altLang="en-US" dirty="0"/>
-              <a:t>开发视图（</a:t>
-            </a:r>
-            <a:r>
-              <a:rPr lang="en-US" altLang="zh-CN" dirty="0"/>
-              <a:t>Development View</a:t>
-            </a:r>
-            <a:r>
-              <a:rPr lang="zh-CN" altLang="en-US" dirty="0"/>
-              <a:t>），描述了在开发环境中软件的静态组织结构。</a:t>
-            </a:r>
-          </a:p>
-          <a:p>
-            <a:r>
-              <a:rPr lang="zh-CN" altLang="en-US" dirty="0"/>
-              <a:t>架构的描述，即所做的各种决定，可以围绕着这四个视图来组织，然后由一些用例 （</a:t>
-            </a:r>
-            <a:r>
-              <a:rPr lang="en-US" altLang="zh-CN" dirty="0"/>
-              <a:t>use cases</a:t>
-            </a:r>
-            <a:r>
-              <a:rPr lang="zh-CN" altLang="en-US" dirty="0"/>
-              <a:t>）或场景</a:t>
-            </a:r>
-            <a:r>
-              <a:rPr lang="en-US" altLang="zh-CN" dirty="0"/>
-              <a:t>(scenarios)</a:t>
-            </a:r>
-            <a:r>
-              <a:rPr lang="zh-CN" altLang="en-US" dirty="0"/>
-              <a:t>来说明，从而形成了第五个视图。</a:t>
-            </a:r>
+              <a:rPr lang="zh-CN" altLang="en-US" dirty="0" smtClean="0"/>
+              <a:t>用例视图：强调从系统外部参与者角度看到的或需要的系统功能。</a:t>
+            </a:r>
+            <a:endParaRPr lang="en-US" altLang="zh-CN" dirty="0" smtClean="0"/>
+          </a:p>
+          <a:p>
+            <a:r>
+              <a:rPr lang="zh-CN" altLang="en-US" dirty="0" smtClean="0"/>
+              <a:t>逻辑视图：从系统的静态结构和动态行为角度显示如何实现系统的功能。</a:t>
+            </a:r>
+            <a:endParaRPr lang="en-US" altLang="zh-CN" dirty="0" smtClean="0"/>
+          </a:p>
+          <a:p>
+            <a:r>
+              <a:rPr lang="zh-CN" altLang="en-US" dirty="0" smtClean="0"/>
+              <a:t>并发视图：显示了系统的并发性，解决在并发系统中存在的通信问题和同步问题。</a:t>
+            </a:r>
+            <a:endParaRPr lang="zh-CN" altLang="en-US" dirty="0"/>
+          </a:p>
+          <a:p>
+            <a:r>
+              <a:rPr lang="zh-CN" altLang="en-US" dirty="0" smtClean="0"/>
+              <a:t>组件视图：显示代码组组件的组织结构。</a:t>
+            </a:r>
+            <a:endParaRPr lang="en-US" altLang="zh-CN" dirty="0" smtClean="0"/>
+          </a:p>
+          <a:p>
+            <a:r>
+              <a:rPr lang="zh-CN" altLang="en-US" dirty="0" smtClean="0"/>
+              <a:t>配置视图：主要描述了系统具体如何进行部署。部署指的是将系统配置到由计算机</a:t>
+            </a:r>
+            <a:r>
+              <a:rPr lang="en-US" altLang="zh-CN" dirty="0" smtClean="0"/>
+              <a:t>				  </a:t>
+            </a:r>
+            <a:r>
+              <a:rPr lang="zh-CN" altLang="en-US" dirty="0" smtClean="0"/>
+              <a:t>和设备组成的物理结构上。</a:t>
+            </a:r>
+            <a:endParaRPr lang="zh-CN" altLang="en-US" dirty="0"/>
           </a:p>
           <a:p>
             <a:endParaRPr lang="zh-CN" altLang="en-US" dirty="0"/>
           </a:p>
         </p:txBody>
       </p:sp>
-    </p:spTree>
-    <p:extLst>
-      <p:ext uri="{BB962C8B-B14F-4D97-AF65-F5344CB8AC3E}">
-        <p14:creationId xmlns:p14="http://schemas.microsoft.com/office/powerpoint/2010/main" val="1470793169"/>
-      </p:ext>
-    </p:extLst>
-  </p:cSld>
-  <p:clrMapOvr>
-    <a:masterClrMapping/>
-  </p:clrMapOvr>
-  <p:timing>
-    <p:tnLst>
-      <p:par>
-        <p:cTn id="1" dur="indefinite" restart="never" nodeType="tmRoot"/>
-      </p:par>
-    </p:tnLst>
-  </p:timing>
-</p:sld>
-</file>
-
-<file path=ppt/slides/slide9.xml><?xml version="1.0" encoding="utf-8"?>
-<p:sld xmlns:a="http://schemas.openxmlformats.org/drawingml/2006/main" xmlns:r="http://schemas.openxmlformats.org/officeDocument/2006/relationships" xmlns:p="http://schemas.openxmlformats.org/presentationml/2006/main">
-  <p:cSld>
-    <p:spTree>
-      <p:nvGrpSpPr>
-        <p:cNvPr id="1" name=""/>
-        <p:cNvGrpSpPr/>
-        <p:nvPr/>
-      </p:nvGrpSpPr>
-      <p:grpSpPr>
-        <a:xfrm>
-          <a:off x="0" y="0"/>
-          <a:ext cx="0" cy="0"/>
-          <a:chOff x="0" y="0"/>
-          <a:chExt cx="0" cy="0"/>
-        </a:xfrm>
-      </p:grpSpPr>
       <p:pic>
         <p:nvPicPr>
-          <p:cNvPr id="4" name="内容占位符 3"/>
+          <p:cNvPr id="4" name="Picture 2" descr="C:\Users\admin\Desktop\G20文档\绘画图\logo透明.png"/>
           <p:cNvPicPr>
-            <a:picLocks noGrp="1" noChangeAspect="1"/>
+            <a:picLocks noChangeAspect="1" noChangeArrowheads="1"/>
           </p:cNvPicPr>
-          <p:nvPr>
-            <p:ph idx="1"/>
-          </p:nvPr>
+          <p:nvPr/>
         </p:nvPicPr>
         <p:blipFill>
-          <a:blip r:embed="rId2">
+          <a:blip r:embed="rId2" cstate="print">
             <a:extLst>
               <a:ext uri="{28A0092B-C50C-407E-A947-70E740481C1C}">
                 <a14:useLocalDpi xmlns:a14="http://schemas.microsoft.com/office/drawing/2010/main" val="0"/>
               </a:ext>
             </a:extLst>
           </a:blip>
+          <a:srcRect/>
           <a:stretch>
             <a:fillRect/>
           </a:stretch>
         </p:blipFill>
-        <p:spPr>
+        <p:spPr bwMode="auto">
           <a:xfrm>
-            <a:off x="2956472" y="885253"/>
-            <a:ext cx="7067847" cy="4990892"/>
+            <a:off x="0" y="-679904"/>
+            <a:ext cx="2454275" cy="2454275"/>
           </a:xfrm>
+          <a:prstGeom prst="rect">
+            <a:avLst/>
+          </a:prstGeom>
+          <a:noFill/>
+          <a:extLst>
+            <a:ext uri="{909E8E84-426E-40DD-AFC4-6F175D3DCCD1}">
+              <a14:hiddenFill xmlns:a14="http://schemas.microsoft.com/office/drawing/2010/main">
+                <a:solidFill>
+                  <a:srgbClr val="FFFFFF"/>
+                </a:solidFill>
+              </a14:hiddenFill>
+            </a:ext>
+          </a:extLst>
         </p:spPr>
       </p:pic>
     </p:spTree>
     <p:extLst>
       <p:ext uri="{BB962C8B-B14F-4D97-AF65-F5344CB8AC3E}">
-        <p14:creationId xmlns:p14="http://schemas.microsoft.com/office/powerpoint/2010/main" val="3122160281"/>
+        <p14:creationId xmlns:p14="http://schemas.microsoft.com/office/powerpoint/2010/main" val="1470793169"/>
       </p:ext>
     </p:extLst>
   </p:cSld>
@@ -14598,7 +17595,7 @@
   <a:extraClrSchemeLst/>
   <a:extLst>
     <a:ext uri="{05A4C25C-085E-4340-85A3-A5531E510DB2}">
-      <thm15:themeFamily xmlns:thm15="http://schemas.microsoft.com/office/thememl/2012/main" name="Wisp" id="{7CB32D59-10C0-40DD-B7BD-2E94284A981C}" vid="{24B1A44C-C006-48B2-A4D7-E5549B3D8CD4}"/>
+      <thm15:themeFamily xmlns:thm15="http://schemas.microsoft.com/office/thememl/2012/main" xmlns="" name="Wisp" id="{7CB32D59-10C0-40DD-B7BD-2E94284A981C}" vid="{24B1A44C-C006-48B2-A4D7-E5549B3D8CD4}"/>
     </a:ext>
   </a:extLst>
 </a:theme>
@@ -14859,7 +17856,7 @@
   <a:extraClrSchemeLst/>
   <a:extLst>
     <a:ext uri="{05A4C25C-085E-4340-85A3-A5531E510DB2}">
-      <thm15:themeFamily xmlns:thm15="http://schemas.microsoft.com/office/thememl/2012/main" name="Office Theme" id="{62F939B6-93AF-4DB8-9C6B-D6C7DFDC589F}" vid="{4A3C46E8-61CC-4603-A589-7422A47A8E4A}"/>
+      <thm15:themeFamily xmlns:thm15="http://schemas.microsoft.com/office/thememl/2012/main" xmlns="" name="Office Theme" id="{62F939B6-93AF-4DB8-9C6B-D6C7DFDC589F}" vid="{4A3C46E8-61CC-4603-A589-7422A47A8E4A}"/>
     </a:ext>
   </a:extLst>
 </a:theme>
